--- a/live/img.pptx
+++ b/live/img.pptx
@@ -5029,6 +5029,145 @@
           </a:extLst>
         </p:spPr>
       </p:pic>
+      <p:pic>
+        <p:nvPicPr>
+          <p:cNvPr id="3" name="Picture 2">
+            <a:extLst>
+              <a:ext uri="{FF2B5EF4-FFF2-40B4-BE49-F238E27FC236}">
+                <a16:creationId xmlns:a16="http://schemas.microsoft.com/office/drawing/2014/main" id="{6364F604-36C5-4E3B-93F4-5DDD962042B3}"/>
+              </a:ext>
+            </a:extLst>
+          </p:cNvPr>
+          <p:cNvPicPr>
+            <a:picLocks noChangeAspect="1" noChangeArrowheads="1"/>
+          </p:cNvPicPr>
+          <p:nvPr/>
+        </p:nvPicPr>
+        <p:blipFill>
+          <a:blip r:embed="rId21">
+            <a:extLst>
+              <a:ext uri="{28A0092B-C50C-407E-A947-70E740481C1C}">
+                <a14:useLocalDpi xmlns:a14="http://schemas.microsoft.com/office/drawing/2010/main" val="0"/>
+              </a:ext>
+            </a:extLst>
+          </a:blip>
+          <a:srcRect/>
+          <a:stretch>
+            <a:fillRect/>
+          </a:stretch>
+        </p:blipFill>
+        <p:spPr bwMode="auto">
+          <a:xfrm>
+            <a:off x="2922468" y="2326047"/>
+            <a:ext cx="534413" cy="213765"/>
+          </a:xfrm>
+          <a:prstGeom prst="rect">
+            <a:avLst/>
+          </a:prstGeom>
+          <a:noFill/>
+          <a:extLst>
+            <a:ext uri="{909E8E84-426E-40DD-AFC4-6F175D3DCCD1}">
+              <a14:hiddenFill xmlns:a14="http://schemas.microsoft.com/office/drawing/2010/main">
+                <a:solidFill>
+                  <a:srgbClr val="FFFFFF"/>
+                </a:solidFill>
+              </a14:hiddenFill>
+            </a:ext>
+          </a:extLst>
+        </p:spPr>
+      </p:pic>
+      <p:pic>
+        <p:nvPicPr>
+          <p:cNvPr id="30" name="Picture 4">
+            <a:extLst>
+              <a:ext uri="{FF2B5EF4-FFF2-40B4-BE49-F238E27FC236}">
+                <a16:creationId xmlns:a16="http://schemas.microsoft.com/office/drawing/2014/main" id="{230C9541-A95B-4767-8404-E149C9F61ABB}"/>
+              </a:ext>
+            </a:extLst>
+          </p:cNvPr>
+          <p:cNvPicPr>
+            <a:picLocks noChangeAspect="1" noChangeArrowheads="1"/>
+          </p:cNvPicPr>
+          <p:nvPr/>
+        </p:nvPicPr>
+        <p:blipFill>
+          <a:blip r:embed="rId22">
+            <a:extLst>
+              <a:ext uri="{28A0092B-C50C-407E-A947-70E740481C1C}">
+                <a14:useLocalDpi xmlns:a14="http://schemas.microsoft.com/office/drawing/2010/main" val="0"/>
+              </a:ext>
+            </a:extLst>
+          </a:blip>
+          <a:srcRect/>
+          <a:stretch>
+            <a:fillRect/>
+          </a:stretch>
+        </p:blipFill>
+        <p:spPr bwMode="auto">
+          <a:xfrm>
+            <a:off x="167505" y="2914296"/>
+            <a:ext cx="524301" cy="209720"/>
+          </a:xfrm>
+          <a:prstGeom prst="rect">
+            <a:avLst/>
+          </a:prstGeom>
+          <a:noFill/>
+          <a:extLst>
+            <a:ext uri="{909E8E84-426E-40DD-AFC4-6F175D3DCCD1}">
+              <a14:hiddenFill xmlns:a14="http://schemas.microsoft.com/office/drawing/2010/main">
+                <a:solidFill>
+                  <a:srgbClr val="FFFFFF"/>
+                </a:solidFill>
+              </a14:hiddenFill>
+            </a:ext>
+          </a:extLst>
+        </p:spPr>
+      </p:pic>
+      <p:pic>
+        <p:nvPicPr>
+          <p:cNvPr id="1030" name="Picture 6">
+            <a:extLst>
+              <a:ext uri="{FF2B5EF4-FFF2-40B4-BE49-F238E27FC236}">
+                <a16:creationId xmlns:a16="http://schemas.microsoft.com/office/drawing/2014/main" id="{0C59527E-5515-476A-979A-A9ADB97B5B6B}"/>
+              </a:ext>
+            </a:extLst>
+          </p:cNvPr>
+          <p:cNvPicPr>
+            <a:picLocks noChangeAspect="1" noChangeArrowheads="1"/>
+          </p:cNvPicPr>
+          <p:nvPr/>
+        </p:nvPicPr>
+        <p:blipFill rotWithShape="1">
+          <a:blip r:embed="rId23">
+            <a:extLst>
+              <a:ext uri="{28A0092B-C50C-407E-A947-70E740481C1C}">
+                <a14:useLocalDpi xmlns:a14="http://schemas.microsoft.com/office/drawing/2010/main" val="0"/>
+              </a:ext>
+            </a:extLst>
+          </a:blip>
+          <a:srcRect l="20111" t="-349" r="23919" b="349"/>
+          <a:stretch/>
+        </p:blipFill>
+        <p:spPr bwMode="auto">
+          <a:xfrm>
+            <a:off x="848847" y="2770086"/>
+            <a:ext cx="548550" cy="548550"/>
+          </a:xfrm>
+          <a:prstGeom prst="rect">
+            <a:avLst/>
+          </a:prstGeom>
+          <a:noFill/>
+          <a:extLst>
+            <a:ext uri="{909E8E84-426E-40DD-AFC4-6F175D3DCCD1}">
+              <a14:hiddenFill xmlns:a14="http://schemas.microsoft.com/office/drawing/2010/main">
+                <a:solidFill>
+                  <a:srgbClr val="FFFFFF"/>
+                </a:solidFill>
+              </a14:hiddenFill>
+            </a:ext>
+          </a:extLst>
+        </p:spPr>
+      </p:pic>
     </p:spTree>
     <p:extLst>
       <p:ext uri="{BB962C8B-B14F-4D97-AF65-F5344CB8AC3E}">
@@ -5059,6 +5198,236 @@
           <a:chExt cx="0" cy="0"/>
         </a:xfrm>
       </p:grpSpPr>
+      <p:sp>
+        <p:nvSpPr>
+          <p:cNvPr id="3" name="椭圆 2">
+            <a:extLst>
+              <a:ext uri="{FF2B5EF4-FFF2-40B4-BE49-F238E27FC236}">
+                <a16:creationId xmlns:a16="http://schemas.microsoft.com/office/drawing/2014/main" id="{9F93957A-EF80-4953-BB86-FA671E365EA6}"/>
+              </a:ext>
+            </a:extLst>
+          </p:cNvPr>
+          <p:cNvSpPr/>
+          <p:nvPr/>
+        </p:nvSpPr>
+        <p:spPr>
+          <a:xfrm>
+            <a:off x="-624185" y="661440"/>
+            <a:ext cx="234847" cy="234847"/>
+          </a:xfrm>
+          <a:prstGeom prst="ellipse">
+            <a:avLst/>
+          </a:prstGeom>
+          <a:solidFill>
+            <a:schemeClr val="tx1">
+              <a:lumMod val="50000"/>
+            </a:schemeClr>
+          </a:solidFill>
+          <a:ln>
+            <a:noFill/>
+          </a:ln>
+          <a:effectLst>
+            <a:outerShdw blurRad="50800" dist="38100" dir="2700000" algn="tl" rotWithShape="0">
+              <a:prstClr val="black">
+                <a:alpha val="40000"/>
+              </a:prstClr>
+            </a:outerShdw>
+          </a:effectLst>
+        </p:spPr>
+        <p:style>
+          <a:lnRef idx="2">
+            <a:schemeClr val="accent1">
+              <a:shade val="50000"/>
+            </a:schemeClr>
+          </a:lnRef>
+          <a:fillRef idx="1">
+            <a:schemeClr val="accent1"/>
+          </a:fillRef>
+          <a:effectRef idx="0">
+            <a:schemeClr val="accent1"/>
+          </a:effectRef>
+          <a:fontRef idx="minor">
+            <a:schemeClr val="lt1"/>
+          </a:fontRef>
+        </p:style>
+        <p:txBody>
+          <a:bodyPr rtlCol="0" anchor="ctr"/>
+          <a:lstStyle/>
+          <a:p>
+            <a:pPr algn="ctr"/>
+            <a:endParaRPr lang="zh-CN" altLang="en-US"/>
+          </a:p>
+        </p:txBody>
+      </p:sp>
+      <p:pic>
+        <p:nvPicPr>
+          <p:cNvPr id="5" name="图片 4">
+            <a:extLst>
+              <a:ext uri="{FF2B5EF4-FFF2-40B4-BE49-F238E27FC236}">
+                <a16:creationId xmlns:a16="http://schemas.microsoft.com/office/drawing/2014/main" id="{A22178C5-5AF1-4EA8-BAE5-B7558F380F64}"/>
+              </a:ext>
+            </a:extLst>
+          </p:cNvPr>
+          <p:cNvPicPr>
+            <a:picLocks noChangeAspect="1"/>
+          </p:cNvPicPr>
+          <p:nvPr/>
+        </p:nvPicPr>
+        <p:blipFill>
+          <a:blip r:embed="rId2">
+            <a:extLst>
+              <a:ext uri="{28A0092B-C50C-407E-A947-70E740481C1C}">
+                <a14:useLocalDpi xmlns:a14="http://schemas.microsoft.com/office/drawing/2010/main" val="0"/>
+              </a:ext>
+            </a:extLst>
+          </a:blip>
+          <a:stretch>
+            <a:fillRect/>
+          </a:stretch>
+        </p:blipFill>
+        <p:spPr>
+          <a:xfrm>
+            <a:off x="-558164" y="725806"/>
+            <a:ext cx="106680" cy="106680"/>
+          </a:xfrm>
+          <a:prstGeom prst="rect">
+            <a:avLst/>
+          </a:prstGeom>
+        </p:spPr>
+      </p:pic>
+      <p:sp>
+        <p:nvSpPr>
+          <p:cNvPr id="6" name="矩形 5">
+            <a:extLst>
+              <a:ext uri="{FF2B5EF4-FFF2-40B4-BE49-F238E27FC236}">
+                <a16:creationId xmlns:a16="http://schemas.microsoft.com/office/drawing/2014/main" id="{8DAD2ACB-3E0A-4FB0-8390-8BE6F3BC99DE}"/>
+              </a:ext>
+            </a:extLst>
+          </p:cNvPr>
+          <p:cNvSpPr/>
+          <p:nvPr/>
+        </p:nvSpPr>
+        <p:spPr>
+          <a:xfrm>
+            <a:off x="1280204" y="531406"/>
+            <a:ext cx="548595" cy="423202"/>
+          </a:xfrm>
+          <a:prstGeom prst="rect">
+            <a:avLst/>
+          </a:prstGeom>
+          <a:gradFill flip="none" rotWithShape="1">
+            <a:gsLst>
+              <a:gs pos="43000">
+                <a:srgbClr val="F1F1F1">
+                  <a:alpha val="64000"/>
+                </a:srgbClr>
+              </a:gs>
+              <a:gs pos="0">
+                <a:srgbClr val="F2F2F2">
+                  <a:alpha val="0"/>
+                </a:srgbClr>
+              </a:gs>
+              <a:gs pos="100000">
+                <a:srgbClr val="F1F1F1"/>
+              </a:gs>
+            </a:gsLst>
+            <a:lin ang="0" scaled="0"/>
+            <a:tileRect/>
+          </a:gradFill>
+          <a:ln>
+            <a:noFill/>
+          </a:ln>
+        </p:spPr>
+        <p:style>
+          <a:lnRef idx="2">
+            <a:schemeClr val="accent1">
+              <a:shade val="50000"/>
+            </a:schemeClr>
+          </a:lnRef>
+          <a:fillRef idx="1">
+            <a:schemeClr val="accent1"/>
+          </a:fillRef>
+          <a:effectRef idx="0">
+            <a:schemeClr val="accent1"/>
+          </a:effectRef>
+          <a:fontRef idx="minor">
+            <a:schemeClr val="lt1"/>
+          </a:fontRef>
+        </p:style>
+        <p:txBody>
+          <a:bodyPr rtlCol="0" anchor="ctr"/>
+          <a:lstStyle/>
+          <a:p>
+            <a:pPr algn="ctr"/>
+            <a:endParaRPr lang="zh-CN" altLang="en-US"/>
+          </a:p>
+        </p:txBody>
+      </p:sp>
+      <p:pic>
+        <p:nvPicPr>
+          <p:cNvPr id="9" name="图片 8">
+            <a:extLst>
+              <a:ext uri="{FF2B5EF4-FFF2-40B4-BE49-F238E27FC236}">
+                <a16:creationId xmlns:a16="http://schemas.microsoft.com/office/drawing/2014/main" id="{BA2F4190-ABFC-4160-913A-07AD5DDCA712}"/>
+              </a:ext>
+            </a:extLst>
+          </p:cNvPr>
+          <p:cNvPicPr>
+            <a:picLocks noChangeAspect="1"/>
+          </p:cNvPicPr>
+          <p:nvPr/>
+        </p:nvPicPr>
+        <p:blipFill>
+          <a:blip r:embed="rId3">
+            <a:extLst>
+              <a:ext uri="{28A0092B-C50C-407E-A947-70E740481C1C}">
+                <a14:useLocalDpi xmlns:a14="http://schemas.microsoft.com/office/drawing/2010/main" val="0"/>
+              </a:ext>
+            </a:extLst>
+          </a:blip>
+          <a:srcRect/>
+          <a:stretch/>
+        </p:blipFill>
+        <p:spPr>
+          <a:xfrm>
+            <a:off x="1574264" y="661440"/>
+            <a:ext cx="172621" cy="172621"/>
+          </a:xfrm>
+          <a:prstGeom prst="rect">
+            <a:avLst/>
+          </a:prstGeom>
+        </p:spPr>
+      </p:pic>
+      <p:pic>
+        <p:nvPicPr>
+          <p:cNvPr id="10" name="图片 9">
+            <a:extLst>
+              <a:ext uri="{FF2B5EF4-FFF2-40B4-BE49-F238E27FC236}">
+                <a16:creationId xmlns:a16="http://schemas.microsoft.com/office/drawing/2014/main" id="{F633BF9C-8E99-45F7-AEE5-D6FA0AF4BFD2}"/>
+              </a:ext>
+            </a:extLst>
+          </p:cNvPr>
+          <p:cNvPicPr>
+            <a:picLocks noChangeAspect="1"/>
+          </p:cNvPicPr>
+          <p:nvPr/>
+        </p:nvPicPr>
+        <p:blipFill>
+          <a:blip r:embed="rId4"/>
+          <a:stretch>
+            <a:fillRect/>
+          </a:stretch>
+        </p:blipFill>
+        <p:spPr>
+          <a:xfrm>
+            <a:off x="1221084" y="1112504"/>
+            <a:ext cx="472481" cy="365792"/>
+          </a:xfrm>
+          <a:prstGeom prst="rect">
+            <a:avLst/>
+          </a:prstGeom>
+        </p:spPr>
+      </p:pic>
     </p:spTree>
     <p:extLst>
       <p:ext uri="{BB962C8B-B14F-4D97-AF65-F5344CB8AC3E}">

--- a/live/img.pptx
+++ b/live/img.pptx
@@ -6,7 +6,12 @@
   </p:sldMasterIdLst>
   <p:sldIdLst>
     <p:sldId id="256" r:id="rId2"/>
-    <p:sldId id="257" r:id="rId3"/>
+    <p:sldId id="258" r:id="rId3"/>
+    <p:sldId id="259" r:id="rId4"/>
+    <p:sldId id="260" r:id="rId5"/>
+    <p:sldId id="261" r:id="rId6"/>
+    <p:sldId id="262" r:id="rId7"/>
+    <p:sldId id="257" r:id="rId8"/>
   </p:sldIdLst>
   <p:sldSz cx="3600450" cy="3600450"/>
   <p:notesSz cx="6858000" cy="9144000"/>
@@ -255,7 +260,7 @@
           <a:p>
             <a:fld id="{C764DE79-268F-4C1A-8933-263129D2AF90}" type="datetimeFigureOut">
               <a:rPr lang="en-US" dirty="0"/>
-              <a:t>7/31/2020</a:t>
+              <a:t>8/30/2020</a:t>
             </a:fld>
             <a:endParaRPr lang="en-US" dirty="0"/>
           </a:p>
@@ -425,7 +430,7 @@
           <a:p>
             <a:fld id="{C764DE79-268F-4C1A-8933-263129D2AF90}" type="datetimeFigureOut">
               <a:rPr lang="en-US" dirty="0"/>
-              <a:t>7/31/2020</a:t>
+              <a:t>8/30/2020</a:t>
             </a:fld>
             <a:endParaRPr lang="en-US" dirty="0"/>
           </a:p>
@@ -605,7 +610,7 @@
           <a:p>
             <a:fld id="{C764DE79-268F-4C1A-8933-263129D2AF90}" type="datetimeFigureOut">
               <a:rPr lang="en-US" dirty="0"/>
-              <a:t>7/31/2020</a:t>
+              <a:t>8/30/2020</a:t>
             </a:fld>
             <a:endParaRPr lang="en-US" dirty="0"/>
           </a:p>
@@ -805,7 +810,7 @@
           <a:p>
             <a:fld id="{C764DE79-268F-4C1A-8933-263129D2AF90}" type="datetimeFigureOut">
               <a:rPr lang="en-US" dirty="0"/>
-              <a:t>7/31/2020</a:t>
+              <a:t>8/30/2020</a:t>
             </a:fld>
             <a:endParaRPr lang="en-US" dirty="0"/>
           </a:p>
@@ -1049,7 +1054,7 @@
           <a:p>
             <a:fld id="{C764DE79-268F-4C1A-8933-263129D2AF90}" type="datetimeFigureOut">
               <a:rPr lang="en-US" dirty="0"/>
-              <a:t>7/31/2020</a:t>
+              <a:t>8/30/2020</a:t>
             </a:fld>
             <a:endParaRPr lang="en-US" dirty="0"/>
           </a:p>
@@ -1281,7 +1286,7 @@
           <a:p>
             <a:fld id="{C764DE79-268F-4C1A-8933-263129D2AF90}" type="datetimeFigureOut">
               <a:rPr lang="en-US" dirty="0"/>
-              <a:t>7/31/2020</a:t>
+              <a:t>8/30/2020</a:t>
             </a:fld>
             <a:endParaRPr lang="en-US" dirty="0"/>
           </a:p>
@@ -1648,7 +1653,7 @@
           <a:p>
             <a:fld id="{C764DE79-268F-4C1A-8933-263129D2AF90}" type="datetimeFigureOut">
               <a:rPr lang="en-US" dirty="0"/>
-              <a:t>7/31/2020</a:t>
+              <a:t>8/30/2020</a:t>
             </a:fld>
             <a:endParaRPr lang="en-US" dirty="0"/>
           </a:p>
@@ -1766,7 +1771,7 @@
           <a:p>
             <a:fld id="{C764DE79-268F-4C1A-8933-263129D2AF90}" type="datetimeFigureOut">
               <a:rPr lang="en-US" dirty="0"/>
-              <a:t>7/31/2020</a:t>
+              <a:t>8/30/2020</a:t>
             </a:fld>
             <a:endParaRPr lang="en-US" dirty="0"/>
           </a:p>
@@ -1861,7 +1866,7 @@
           <a:p>
             <a:fld id="{C764DE79-268F-4C1A-8933-263129D2AF90}" type="datetimeFigureOut">
               <a:rPr lang="en-US" dirty="0"/>
-              <a:t>7/31/2020</a:t>
+              <a:t>8/30/2020</a:t>
             </a:fld>
             <a:endParaRPr lang="en-US" dirty="0"/>
           </a:p>
@@ -2138,7 +2143,7 @@
           <a:p>
             <a:fld id="{C764DE79-268F-4C1A-8933-263129D2AF90}" type="datetimeFigureOut">
               <a:rPr lang="en-US" dirty="0"/>
-              <a:t>7/31/2020</a:t>
+              <a:t>8/30/2020</a:t>
             </a:fld>
             <a:endParaRPr lang="en-US" dirty="0"/>
           </a:p>
@@ -2395,7 +2400,7 @@
           <a:p>
             <a:fld id="{C764DE79-268F-4C1A-8933-263129D2AF90}" type="datetimeFigureOut">
               <a:rPr lang="en-US" dirty="0"/>
-              <a:t>7/31/2020</a:t>
+              <a:t>8/30/2020</a:t>
             </a:fld>
             <a:endParaRPr lang="en-US" dirty="0"/>
           </a:p>
@@ -2608,7 +2613,7 @@
           <a:p>
             <a:fld id="{C764DE79-268F-4C1A-8933-263129D2AF90}" type="datetimeFigureOut">
               <a:rPr lang="en-US" dirty="0"/>
-              <a:t>7/31/2020</a:t>
+              <a:t>8/30/2020</a:t>
             </a:fld>
             <a:endParaRPr lang="en-US" dirty="0"/>
           </a:p>
@@ -4217,7 +4222,7 @@
           <a:lstStyle/>
           <a:p>
             <a:pPr algn="ctr"/>
-            <a:endParaRPr lang="zh-CN" altLang="en-US"/>
+            <a:endParaRPr lang="zh-CN" altLang="en-US" dirty="0"/>
           </a:p>
         </p:txBody>
       </p:sp>
@@ -4321,7 +4326,7 @@
           <a:lstStyle/>
           <a:p>
             <a:pPr algn="ctr"/>
-            <a:endParaRPr lang="zh-CN" altLang="en-US"/>
+            <a:endParaRPr lang="zh-CN" altLang="en-US" dirty="0"/>
           </a:p>
         </p:txBody>
       </p:sp>
@@ -5152,6 +5157,153 @@
           <a:xfrm>
             <a:off x="848847" y="2770086"/>
             <a:ext cx="548550" cy="548550"/>
+          </a:xfrm>
+          <a:prstGeom prst="rect">
+            <a:avLst/>
+          </a:prstGeom>
+          <a:noFill/>
+          <a:extLst>
+            <a:ext uri="{909E8E84-426E-40DD-AFC4-6F175D3DCCD1}">
+              <a14:hiddenFill xmlns:a14="http://schemas.microsoft.com/office/drawing/2010/main">
+                <a:solidFill>
+                  <a:srgbClr val="FFFFFF"/>
+                </a:solidFill>
+              </a14:hiddenFill>
+            </a:ext>
+          </a:extLst>
+        </p:spPr>
+      </p:pic>
+      <p:pic>
+        <p:nvPicPr>
+          <p:cNvPr id="2" name="Picture 2">
+            <a:extLst>
+              <a:ext uri="{FF2B5EF4-FFF2-40B4-BE49-F238E27FC236}">
+                <a16:creationId xmlns:a16="http://schemas.microsoft.com/office/drawing/2014/main" id="{26A05020-74DC-47DF-A92C-1B9FB192CDD7}"/>
+              </a:ext>
+            </a:extLst>
+          </p:cNvPr>
+          <p:cNvPicPr>
+            <a:picLocks noChangeAspect="1" noChangeArrowheads="1"/>
+          </p:cNvPicPr>
+          <p:nvPr/>
+        </p:nvPicPr>
+        <p:blipFill rotWithShape="1">
+          <a:blip r:embed="rId24">
+            <a:clrChange>
+              <a:clrFrom>
+                <a:srgbClr val="FCFCFC"/>
+              </a:clrFrom>
+              <a:clrTo>
+                <a:srgbClr val="FCFCFC">
+                  <a:alpha val="0"/>
+                </a:srgbClr>
+              </a:clrTo>
+            </a:clrChange>
+            <a:extLst>
+              <a:ext uri="{28A0092B-C50C-407E-A947-70E740481C1C}">
+                <a14:useLocalDpi xmlns:a14="http://schemas.microsoft.com/office/drawing/2010/main" val="0"/>
+              </a:ext>
+            </a:extLst>
+          </a:blip>
+          <a:srcRect l="12504" t="29848" r="12504" b="29848"/>
+          <a:stretch/>
+        </p:blipFill>
+        <p:spPr bwMode="auto">
+          <a:xfrm>
+            <a:off x="1532307" y="2842262"/>
+            <a:ext cx="512508" cy="318699"/>
+          </a:xfrm>
+          <a:prstGeom prst="rect">
+            <a:avLst/>
+          </a:prstGeom>
+          <a:noFill/>
+          <a:extLst>
+            <a:ext uri="{909E8E84-426E-40DD-AFC4-6F175D3DCCD1}">
+              <a14:hiddenFill xmlns:a14="http://schemas.microsoft.com/office/drawing/2010/main">
+                <a:solidFill>
+                  <a:srgbClr val="FFFFFF"/>
+                </a:solidFill>
+              </a14:hiddenFill>
+            </a:ext>
+          </a:extLst>
+        </p:spPr>
+      </p:pic>
+      <p:pic>
+        <p:nvPicPr>
+          <p:cNvPr id="29" name="Picture 4">
+            <a:extLst>
+              <a:ext uri="{FF2B5EF4-FFF2-40B4-BE49-F238E27FC236}">
+                <a16:creationId xmlns:a16="http://schemas.microsoft.com/office/drawing/2014/main" id="{31F771E0-876A-4A49-874B-46613D364498}"/>
+              </a:ext>
+            </a:extLst>
+          </p:cNvPr>
+          <p:cNvPicPr>
+            <a:picLocks noChangeAspect="1" noChangeArrowheads="1"/>
+          </p:cNvPicPr>
+          <p:nvPr/>
+        </p:nvPicPr>
+        <p:blipFill>
+          <a:blip r:embed="rId25">
+            <a:extLst>
+              <a:ext uri="{28A0092B-C50C-407E-A947-70E740481C1C}">
+                <a14:useLocalDpi xmlns:a14="http://schemas.microsoft.com/office/drawing/2010/main" val="0"/>
+              </a:ext>
+            </a:extLst>
+          </a:blip>
+          <a:srcRect/>
+          <a:stretch>
+            <a:fillRect/>
+          </a:stretch>
+        </p:blipFill>
+        <p:spPr bwMode="auto">
+          <a:xfrm>
+            <a:off x="2235696" y="2899216"/>
+            <a:ext cx="527779" cy="276223"/>
+          </a:xfrm>
+          <a:prstGeom prst="rect">
+            <a:avLst/>
+          </a:prstGeom>
+          <a:noFill/>
+          <a:extLst>
+            <a:ext uri="{909E8E84-426E-40DD-AFC4-6F175D3DCCD1}">
+              <a14:hiddenFill xmlns:a14="http://schemas.microsoft.com/office/drawing/2010/main">
+                <a:solidFill>
+                  <a:srgbClr val="FFFFFF"/>
+                </a:solidFill>
+              </a14:hiddenFill>
+            </a:ext>
+          </a:extLst>
+        </p:spPr>
+      </p:pic>
+      <p:pic>
+        <p:nvPicPr>
+          <p:cNvPr id="31" name="Picture 6">
+            <a:extLst>
+              <a:ext uri="{FF2B5EF4-FFF2-40B4-BE49-F238E27FC236}">
+                <a16:creationId xmlns:a16="http://schemas.microsoft.com/office/drawing/2014/main" id="{0B5DC391-4D26-4377-B420-25BBF7FB72AD}"/>
+              </a:ext>
+            </a:extLst>
+          </p:cNvPr>
+          <p:cNvPicPr>
+            <a:picLocks noChangeAspect="1" noChangeArrowheads="1"/>
+          </p:cNvPicPr>
+          <p:nvPr/>
+        </p:nvPicPr>
+        <p:blipFill rotWithShape="1">
+          <a:blip r:embed="rId26">
+            <a:extLst>
+              <a:ext uri="{28A0092B-C50C-407E-A947-70E740481C1C}">
+                <a14:useLocalDpi xmlns:a14="http://schemas.microsoft.com/office/drawing/2010/main" val="0"/>
+              </a:ext>
+            </a:extLst>
+          </a:blip>
+          <a:srcRect t="22941" b="22941"/>
+          <a:stretch/>
+        </p:blipFill>
+        <p:spPr bwMode="auto">
+          <a:xfrm>
+            <a:off x="2935807" y="2899216"/>
+            <a:ext cx="507248" cy="274508"/>
           </a:xfrm>
           <a:prstGeom prst="rect">
             <a:avLst/>
@@ -5182,6 +5334,7586 @@
 </file>
 
 <file path=ppt/slides/slide2.xml><?xml version="1.0" encoding="utf-8"?>
+<p:sld xmlns:a="http://schemas.openxmlformats.org/drawingml/2006/main" xmlns:r="http://schemas.openxmlformats.org/officeDocument/2006/relationships" xmlns:p="http://schemas.openxmlformats.org/presentationml/2006/main">
+  <p:cSld>
+    <p:spTree>
+      <p:nvGrpSpPr>
+        <p:cNvPr id="1" name=""/>
+        <p:cNvGrpSpPr/>
+        <p:nvPr/>
+      </p:nvGrpSpPr>
+      <p:grpSpPr>
+        <a:xfrm>
+          <a:off x="0" y="0"/>
+          <a:ext cx="0" cy="0"/>
+          <a:chOff x="0" y="0"/>
+          <a:chExt cx="0" cy="0"/>
+        </a:xfrm>
+      </p:grpSpPr>
+      <p:sp>
+        <p:nvSpPr>
+          <p:cNvPr id="4" name="矩形 3">
+            <a:extLst>
+              <a:ext uri="{FF2B5EF4-FFF2-40B4-BE49-F238E27FC236}">
+                <a16:creationId xmlns:a16="http://schemas.microsoft.com/office/drawing/2014/main" id="{4B6A3EA0-EA2F-4118-AC31-A53F87B1A959}"/>
+              </a:ext>
+            </a:extLst>
+          </p:cNvPr>
+          <p:cNvSpPr/>
+          <p:nvPr/>
+        </p:nvSpPr>
+        <p:spPr>
+          <a:xfrm>
+            <a:off x="157395" y="289809"/>
+            <a:ext cx="554637" cy="554637"/>
+          </a:xfrm>
+          <a:prstGeom prst="rect">
+            <a:avLst/>
+          </a:prstGeom>
+          <a:solidFill>
+            <a:schemeClr val="tx1"/>
+          </a:solidFill>
+          <a:ln>
+            <a:noFill/>
+          </a:ln>
+        </p:spPr>
+        <p:style>
+          <a:lnRef idx="2">
+            <a:schemeClr val="accent1">
+              <a:shade val="50000"/>
+            </a:schemeClr>
+          </a:lnRef>
+          <a:fillRef idx="1">
+            <a:schemeClr val="accent1"/>
+          </a:fillRef>
+          <a:effectRef idx="0">
+            <a:schemeClr val="accent1"/>
+          </a:effectRef>
+          <a:fontRef idx="minor">
+            <a:schemeClr val="lt1"/>
+          </a:fontRef>
+        </p:style>
+        <p:txBody>
+          <a:bodyPr rtlCol="0" anchor="ctr"/>
+          <a:lstStyle/>
+          <a:p>
+            <a:pPr algn="ctr"/>
+            <a:endParaRPr lang="zh-CN" altLang="en-US"/>
+          </a:p>
+        </p:txBody>
+      </p:sp>
+      <p:sp>
+        <p:nvSpPr>
+          <p:cNvPr id="5" name="矩形 4">
+            <a:extLst>
+              <a:ext uri="{FF2B5EF4-FFF2-40B4-BE49-F238E27FC236}">
+                <a16:creationId xmlns:a16="http://schemas.microsoft.com/office/drawing/2014/main" id="{562BA60E-1739-4D2A-9B0B-98D8B47FA23E}"/>
+              </a:ext>
+            </a:extLst>
+          </p:cNvPr>
+          <p:cNvSpPr/>
+          <p:nvPr/>
+        </p:nvSpPr>
+        <p:spPr>
+          <a:xfrm>
+            <a:off x="846942" y="289809"/>
+            <a:ext cx="554637" cy="554637"/>
+          </a:xfrm>
+          <a:prstGeom prst="rect">
+            <a:avLst/>
+          </a:prstGeom>
+          <a:solidFill>
+            <a:schemeClr val="tx1"/>
+          </a:solidFill>
+          <a:ln>
+            <a:noFill/>
+          </a:ln>
+        </p:spPr>
+        <p:style>
+          <a:lnRef idx="2">
+            <a:schemeClr val="accent1">
+              <a:shade val="50000"/>
+            </a:schemeClr>
+          </a:lnRef>
+          <a:fillRef idx="1">
+            <a:schemeClr val="accent1"/>
+          </a:fillRef>
+          <a:effectRef idx="0">
+            <a:schemeClr val="accent1"/>
+          </a:effectRef>
+          <a:fontRef idx="minor">
+            <a:schemeClr val="lt1"/>
+          </a:fontRef>
+        </p:style>
+        <p:txBody>
+          <a:bodyPr rtlCol="0" anchor="ctr"/>
+          <a:lstStyle/>
+          <a:p>
+            <a:pPr algn="ctr"/>
+            <a:endParaRPr lang="zh-CN" altLang="en-US"/>
+          </a:p>
+        </p:txBody>
+      </p:sp>
+      <p:sp>
+        <p:nvSpPr>
+          <p:cNvPr id="6" name="矩形 5">
+            <a:extLst>
+              <a:ext uri="{FF2B5EF4-FFF2-40B4-BE49-F238E27FC236}">
+                <a16:creationId xmlns:a16="http://schemas.microsoft.com/office/drawing/2014/main" id="{428B6E96-377D-4C70-968B-5E5BC3ADDFB4}"/>
+              </a:ext>
+            </a:extLst>
+          </p:cNvPr>
+          <p:cNvSpPr/>
+          <p:nvPr/>
+        </p:nvSpPr>
+        <p:spPr>
+          <a:xfrm>
+            <a:off x="1536489" y="292307"/>
+            <a:ext cx="554637" cy="554637"/>
+          </a:xfrm>
+          <a:prstGeom prst="rect">
+            <a:avLst/>
+          </a:prstGeom>
+          <a:solidFill>
+            <a:schemeClr val="tx1"/>
+          </a:solidFill>
+          <a:ln>
+            <a:noFill/>
+          </a:ln>
+        </p:spPr>
+        <p:style>
+          <a:lnRef idx="2">
+            <a:schemeClr val="accent1">
+              <a:shade val="50000"/>
+            </a:schemeClr>
+          </a:lnRef>
+          <a:fillRef idx="1">
+            <a:schemeClr val="accent1"/>
+          </a:fillRef>
+          <a:effectRef idx="0">
+            <a:schemeClr val="accent1"/>
+          </a:effectRef>
+          <a:fontRef idx="minor">
+            <a:schemeClr val="lt1"/>
+          </a:fontRef>
+        </p:style>
+        <p:txBody>
+          <a:bodyPr rtlCol="0" anchor="ctr"/>
+          <a:lstStyle/>
+          <a:p>
+            <a:pPr algn="ctr"/>
+            <a:endParaRPr lang="zh-CN" altLang="en-US" dirty="0"/>
+          </a:p>
+        </p:txBody>
+      </p:sp>
+      <p:sp>
+        <p:nvSpPr>
+          <p:cNvPr id="7" name="矩形 6">
+            <a:extLst>
+              <a:ext uri="{FF2B5EF4-FFF2-40B4-BE49-F238E27FC236}">
+                <a16:creationId xmlns:a16="http://schemas.microsoft.com/office/drawing/2014/main" id="{51C6EBFE-C566-42FB-B1A8-FD264B541A36}"/>
+              </a:ext>
+            </a:extLst>
+          </p:cNvPr>
+          <p:cNvSpPr/>
+          <p:nvPr/>
+        </p:nvSpPr>
+        <p:spPr>
+          <a:xfrm>
+            <a:off x="2226036" y="289809"/>
+            <a:ext cx="554637" cy="554637"/>
+          </a:xfrm>
+          <a:prstGeom prst="rect">
+            <a:avLst/>
+          </a:prstGeom>
+          <a:solidFill>
+            <a:schemeClr val="tx1"/>
+          </a:solidFill>
+          <a:ln>
+            <a:noFill/>
+          </a:ln>
+        </p:spPr>
+        <p:style>
+          <a:lnRef idx="2">
+            <a:schemeClr val="accent1">
+              <a:shade val="50000"/>
+            </a:schemeClr>
+          </a:lnRef>
+          <a:fillRef idx="1">
+            <a:schemeClr val="accent1"/>
+          </a:fillRef>
+          <a:effectRef idx="0">
+            <a:schemeClr val="accent1"/>
+          </a:effectRef>
+          <a:fontRef idx="minor">
+            <a:schemeClr val="lt1"/>
+          </a:fontRef>
+        </p:style>
+        <p:txBody>
+          <a:bodyPr rtlCol="0" anchor="ctr"/>
+          <a:lstStyle/>
+          <a:p>
+            <a:pPr algn="ctr"/>
+            <a:endParaRPr lang="zh-CN" altLang="en-US"/>
+          </a:p>
+        </p:txBody>
+      </p:sp>
+      <p:sp>
+        <p:nvSpPr>
+          <p:cNvPr id="8" name="矩形 7">
+            <a:extLst>
+              <a:ext uri="{FF2B5EF4-FFF2-40B4-BE49-F238E27FC236}">
+                <a16:creationId xmlns:a16="http://schemas.microsoft.com/office/drawing/2014/main" id="{FE04E00E-C242-47C1-8014-C24AE13535F4}"/>
+              </a:ext>
+            </a:extLst>
+          </p:cNvPr>
+          <p:cNvSpPr/>
+          <p:nvPr/>
+        </p:nvSpPr>
+        <p:spPr>
+          <a:xfrm>
+            <a:off x="2915583" y="289809"/>
+            <a:ext cx="554637" cy="554637"/>
+          </a:xfrm>
+          <a:prstGeom prst="rect">
+            <a:avLst/>
+          </a:prstGeom>
+          <a:solidFill>
+            <a:schemeClr val="tx1"/>
+          </a:solidFill>
+          <a:ln>
+            <a:noFill/>
+          </a:ln>
+        </p:spPr>
+        <p:style>
+          <a:lnRef idx="2">
+            <a:schemeClr val="accent1">
+              <a:shade val="50000"/>
+            </a:schemeClr>
+          </a:lnRef>
+          <a:fillRef idx="1">
+            <a:schemeClr val="accent1"/>
+          </a:fillRef>
+          <a:effectRef idx="0">
+            <a:schemeClr val="accent1"/>
+          </a:effectRef>
+          <a:fontRef idx="minor">
+            <a:schemeClr val="lt1"/>
+          </a:fontRef>
+        </p:style>
+        <p:txBody>
+          <a:bodyPr rtlCol="0" anchor="ctr"/>
+          <a:lstStyle/>
+          <a:p>
+            <a:pPr algn="ctr"/>
+            <a:endParaRPr lang="zh-CN" altLang="en-US"/>
+          </a:p>
+        </p:txBody>
+      </p:sp>
+      <p:sp>
+        <p:nvSpPr>
+          <p:cNvPr id="9" name="矩形 8">
+            <a:extLst>
+              <a:ext uri="{FF2B5EF4-FFF2-40B4-BE49-F238E27FC236}">
+                <a16:creationId xmlns:a16="http://schemas.microsoft.com/office/drawing/2014/main" id="{0CB4B264-6FCA-46B9-AFD7-A465EBB76D85}"/>
+              </a:ext>
+            </a:extLst>
+          </p:cNvPr>
+          <p:cNvSpPr/>
+          <p:nvPr/>
+        </p:nvSpPr>
+        <p:spPr>
+          <a:xfrm>
+            <a:off x="157395" y="909402"/>
+            <a:ext cx="554637" cy="554637"/>
+          </a:xfrm>
+          <a:prstGeom prst="rect">
+            <a:avLst/>
+          </a:prstGeom>
+          <a:solidFill>
+            <a:schemeClr val="tx1"/>
+          </a:solidFill>
+          <a:ln>
+            <a:noFill/>
+          </a:ln>
+        </p:spPr>
+        <p:style>
+          <a:lnRef idx="2">
+            <a:schemeClr val="accent1">
+              <a:shade val="50000"/>
+            </a:schemeClr>
+          </a:lnRef>
+          <a:fillRef idx="1">
+            <a:schemeClr val="accent1"/>
+          </a:fillRef>
+          <a:effectRef idx="0">
+            <a:schemeClr val="accent1"/>
+          </a:effectRef>
+          <a:fontRef idx="minor">
+            <a:schemeClr val="lt1"/>
+          </a:fontRef>
+        </p:style>
+        <p:txBody>
+          <a:bodyPr rtlCol="0" anchor="ctr"/>
+          <a:lstStyle/>
+          <a:p>
+            <a:pPr algn="ctr"/>
+            <a:endParaRPr lang="zh-CN" altLang="en-US" dirty="0"/>
+          </a:p>
+        </p:txBody>
+      </p:sp>
+      <p:sp>
+        <p:nvSpPr>
+          <p:cNvPr id="10" name="矩形 9">
+            <a:extLst>
+              <a:ext uri="{FF2B5EF4-FFF2-40B4-BE49-F238E27FC236}">
+                <a16:creationId xmlns:a16="http://schemas.microsoft.com/office/drawing/2014/main" id="{4802AAAA-3166-46BB-BA77-BB5A528FEED6}"/>
+              </a:ext>
+            </a:extLst>
+          </p:cNvPr>
+          <p:cNvSpPr/>
+          <p:nvPr/>
+        </p:nvSpPr>
+        <p:spPr>
+          <a:xfrm>
+            <a:off x="846942" y="909402"/>
+            <a:ext cx="554637" cy="554637"/>
+          </a:xfrm>
+          <a:prstGeom prst="rect">
+            <a:avLst/>
+          </a:prstGeom>
+          <a:solidFill>
+            <a:schemeClr val="tx1"/>
+          </a:solidFill>
+          <a:ln>
+            <a:noFill/>
+          </a:ln>
+        </p:spPr>
+        <p:style>
+          <a:lnRef idx="2">
+            <a:schemeClr val="accent1">
+              <a:shade val="50000"/>
+            </a:schemeClr>
+          </a:lnRef>
+          <a:fillRef idx="1">
+            <a:schemeClr val="accent1"/>
+          </a:fillRef>
+          <a:effectRef idx="0">
+            <a:schemeClr val="accent1"/>
+          </a:effectRef>
+          <a:fontRef idx="minor">
+            <a:schemeClr val="lt1"/>
+          </a:fontRef>
+        </p:style>
+        <p:txBody>
+          <a:bodyPr rtlCol="0" anchor="ctr"/>
+          <a:lstStyle/>
+          <a:p>
+            <a:pPr algn="ctr"/>
+            <a:endParaRPr lang="zh-CN" altLang="en-US" dirty="0"/>
+          </a:p>
+        </p:txBody>
+      </p:sp>
+      <p:sp>
+        <p:nvSpPr>
+          <p:cNvPr id="11" name="矩形 10">
+            <a:extLst>
+              <a:ext uri="{FF2B5EF4-FFF2-40B4-BE49-F238E27FC236}">
+                <a16:creationId xmlns:a16="http://schemas.microsoft.com/office/drawing/2014/main" id="{86E53BFC-9145-415C-80CC-EC608471974C}"/>
+              </a:ext>
+            </a:extLst>
+          </p:cNvPr>
+          <p:cNvSpPr/>
+          <p:nvPr/>
+        </p:nvSpPr>
+        <p:spPr>
+          <a:xfrm>
+            <a:off x="1536489" y="911900"/>
+            <a:ext cx="554637" cy="554637"/>
+          </a:xfrm>
+          <a:prstGeom prst="rect">
+            <a:avLst/>
+          </a:prstGeom>
+          <a:solidFill>
+            <a:schemeClr val="tx1"/>
+          </a:solidFill>
+          <a:ln>
+            <a:noFill/>
+          </a:ln>
+        </p:spPr>
+        <p:style>
+          <a:lnRef idx="2">
+            <a:schemeClr val="accent1">
+              <a:shade val="50000"/>
+            </a:schemeClr>
+          </a:lnRef>
+          <a:fillRef idx="1">
+            <a:schemeClr val="accent1"/>
+          </a:fillRef>
+          <a:effectRef idx="0">
+            <a:schemeClr val="accent1"/>
+          </a:effectRef>
+          <a:fontRef idx="minor">
+            <a:schemeClr val="lt1"/>
+          </a:fontRef>
+        </p:style>
+        <p:txBody>
+          <a:bodyPr rtlCol="0" anchor="ctr"/>
+          <a:lstStyle/>
+          <a:p>
+            <a:pPr algn="ctr"/>
+            <a:endParaRPr lang="zh-CN" altLang="en-US"/>
+          </a:p>
+        </p:txBody>
+      </p:sp>
+      <p:sp>
+        <p:nvSpPr>
+          <p:cNvPr id="12" name="矩形 11">
+            <a:extLst>
+              <a:ext uri="{FF2B5EF4-FFF2-40B4-BE49-F238E27FC236}">
+                <a16:creationId xmlns:a16="http://schemas.microsoft.com/office/drawing/2014/main" id="{564E6D32-4661-48D3-9B11-DA6F3723E58D}"/>
+              </a:ext>
+            </a:extLst>
+          </p:cNvPr>
+          <p:cNvSpPr/>
+          <p:nvPr/>
+        </p:nvSpPr>
+        <p:spPr>
+          <a:xfrm>
+            <a:off x="2226036" y="909402"/>
+            <a:ext cx="554637" cy="554637"/>
+          </a:xfrm>
+          <a:prstGeom prst="rect">
+            <a:avLst/>
+          </a:prstGeom>
+          <a:solidFill>
+            <a:schemeClr val="tx1"/>
+          </a:solidFill>
+          <a:ln>
+            <a:noFill/>
+          </a:ln>
+        </p:spPr>
+        <p:style>
+          <a:lnRef idx="2">
+            <a:schemeClr val="accent1">
+              <a:shade val="50000"/>
+            </a:schemeClr>
+          </a:lnRef>
+          <a:fillRef idx="1">
+            <a:schemeClr val="accent1"/>
+          </a:fillRef>
+          <a:effectRef idx="0">
+            <a:schemeClr val="accent1"/>
+          </a:effectRef>
+          <a:fontRef idx="minor">
+            <a:schemeClr val="lt1"/>
+          </a:fontRef>
+        </p:style>
+        <p:txBody>
+          <a:bodyPr rtlCol="0" anchor="ctr"/>
+          <a:lstStyle/>
+          <a:p>
+            <a:pPr algn="ctr"/>
+            <a:endParaRPr lang="zh-CN" altLang="en-US"/>
+          </a:p>
+        </p:txBody>
+      </p:sp>
+      <p:sp>
+        <p:nvSpPr>
+          <p:cNvPr id="13" name="矩形 12">
+            <a:extLst>
+              <a:ext uri="{FF2B5EF4-FFF2-40B4-BE49-F238E27FC236}">
+                <a16:creationId xmlns:a16="http://schemas.microsoft.com/office/drawing/2014/main" id="{0A8318E4-DB05-4180-82C0-22368200204B}"/>
+              </a:ext>
+            </a:extLst>
+          </p:cNvPr>
+          <p:cNvSpPr/>
+          <p:nvPr/>
+        </p:nvSpPr>
+        <p:spPr>
+          <a:xfrm>
+            <a:off x="2915583" y="909402"/>
+            <a:ext cx="554637" cy="554637"/>
+          </a:xfrm>
+          <a:prstGeom prst="rect">
+            <a:avLst/>
+          </a:prstGeom>
+          <a:solidFill>
+            <a:schemeClr val="tx1"/>
+          </a:solidFill>
+          <a:ln>
+            <a:noFill/>
+          </a:ln>
+        </p:spPr>
+        <p:style>
+          <a:lnRef idx="2">
+            <a:schemeClr val="accent1">
+              <a:shade val="50000"/>
+            </a:schemeClr>
+          </a:lnRef>
+          <a:fillRef idx="1">
+            <a:schemeClr val="accent1"/>
+          </a:fillRef>
+          <a:effectRef idx="0">
+            <a:schemeClr val="accent1"/>
+          </a:effectRef>
+          <a:fontRef idx="minor">
+            <a:schemeClr val="lt1"/>
+          </a:fontRef>
+        </p:style>
+        <p:txBody>
+          <a:bodyPr rtlCol="0" anchor="ctr"/>
+          <a:lstStyle/>
+          <a:p>
+            <a:pPr algn="ctr"/>
+            <a:endParaRPr lang="zh-CN" altLang="en-US"/>
+          </a:p>
+        </p:txBody>
+      </p:sp>
+      <p:sp>
+        <p:nvSpPr>
+          <p:cNvPr id="14" name="矩形 13">
+            <a:extLst>
+              <a:ext uri="{FF2B5EF4-FFF2-40B4-BE49-F238E27FC236}">
+                <a16:creationId xmlns:a16="http://schemas.microsoft.com/office/drawing/2014/main" id="{05463C1E-D282-4E1D-BB7A-1BA940D1C547}"/>
+              </a:ext>
+            </a:extLst>
+          </p:cNvPr>
+          <p:cNvSpPr/>
+          <p:nvPr/>
+        </p:nvSpPr>
+        <p:spPr>
+          <a:xfrm>
+            <a:off x="157395" y="1528995"/>
+            <a:ext cx="554637" cy="554637"/>
+          </a:xfrm>
+          <a:prstGeom prst="rect">
+            <a:avLst/>
+          </a:prstGeom>
+          <a:solidFill>
+            <a:schemeClr val="tx1"/>
+          </a:solidFill>
+          <a:ln>
+            <a:noFill/>
+          </a:ln>
+        </p:spPr>
+        <p:style>
+          <a:lnRef idx="2">
+            <a:schemeClr val="accent1">
+              <a:shade val="50000"/>
+            </a:schemeClr>
+          </a:lnRef>
+          <a:fillRef idx="1">
+            <a:schemeClr val="accent1"/>
+          </a:fillRef>
+          <a:effectRef idx="0">
+            <a:schemeClr val="accent1"/>
+          </a:effectRef>
+          <a:fontRef idx="minor">
+            <a:schemeClr val="lt1"/>
+          </a:fontRef>
+        </p:style>
+        <p:txBody>
+          <a:bodyPr rtlCol="0" anchor="ctr"/>
+          <a:lstStyle/>
+          <a:p>
+            <a:pPr algn="ctr"/>
+            <a:endParaRPr lang="zh-CN" altLang="en-US" dirty="0"/>
+          </a:p>
+        </p:txBody>
+      </p:sp>
+      <p:sp>
+        <p:nvSpPr>
+          <p:cNvPr id="15" name="矩形 14">
+            <a:extLst>
+              <a:ext uri="{FF2B5EF4-FFF2-40B4-BE49-F238E27FC236}">
+                <a16:creationId xmlns:a16="http://schemas.microsoft.com/office/drawing/2014/main" id="{53DEB41E-B962-4CBF-AB96-C08991C65A7F}"/>
+              </a:ext>
+            </a:extLst>
+          </p:cNvPr>
+          <p:cNvSpPr/>
+          <p:nvPr/>
+        </p:nvSpPr>
+        <p:spPr>
+          <a:xfrm>
+            <a:off x="846942" y="1528995"/>
+            <a:ext cx="554637" cy="554637"/>
+          </a:xfrm>
+          <a:prstGeom prst="rect">
+            <a:avLst/>
+          </a:prstGeom>
+          <a:solidFill>
+            <a:schemeClr val="tx1"/>
+          </a:solidFill>
+          <a:ln>
+            <a:noFill/>
+          </a:ln>
+        </p:spPr>
+        <p:style>
+          <a:lnRef idx="2">
+            <a:schemeClr val="accent1">
+              <a:shade val="50000"/>
+            </a:schemeClr>
+          </a:lnRef>
+          <a:fillRef idx="1">
+            <a:schemeClr val="accent1"/>
+          </a:fillRef>
+          <a:effectRef idx="0">
+            <a:schemeClr val="accent1"/>
+          </a:effectRef>
+          <a:fontRef idx="minor">
+            <a:schemeClr val="lt1"/>
+          </a:fontRef>
+        </p:style>
+        <p:txBody>
+          <a:bodyPr rtlCol="0" anchor="ctr"/>
+          <a:lstStyle/>
+          <a:p>
+            <a:pPr algn="ctr"/>
+            <a:endParaRPr lang="zh-CN" altLang="en-US"/>
+          </a:p>
+        </p:txBody>
+      </p:sp>
+      <p:sp>
+        <p:nvSpPr>
+          <p:cNvPr id="16" name="矩形 15">
+            <a:extLst>
+              <a:ext uri="{FF2B5EF4-FFF2-40B4-BE49-F238E27FC236}">
+                <a16:creationId xmlns:a16="http://schemas.microsoft.com/office/drawing/2014/main" id="{54C6CF70-FBB2-4056-BBFD-92592C5B1C10}"/>
+              </a:ext>
+            </a:extLst>
+          </p:cNvPr>
+          <p:cNvSpPr/>
+          <p:nvPr/>
+        </p:nvSpPr>
+        <p:spPr>
+          <a:xfrm>
+            <a:off x="1536489" y="1531493"/>
+            <a:ext cx="554637" cy="554637"/>
+          </a:xfrm>
+          <a:prstGeom prst="rect">
+            <a:avLst/>
+          </a:prstGeom>
+          <a:solidFill>
+            <a:schemeClr val="tx1"/>
+          </a:solidFill>
+          <a:ln>
+            <a:noFill/>
+          </a:ln>
+        </p:spPr>
+        <p:style>
+          <a:lnRef idx="2">
+            <a:schemeClr val="accent1">
+              <a:shade val="50000"/>
+            </a:schemeClr>
+          </a:lnRef>
+          <a:fillRef idx="1">
+            <a:schemeClr val="accent1"/>
+          </a:fillRef>
+          <a:effectRef idx="0">
+            <a:schemeClr val="accent1"/>
+          </a:effectRef>
+          <a:fontRef idx="minor">
+            <a:schemeClr val="lt1"/>
+          </a:fontRef>
+        </p:style>
+        <p:txBody>
+          <a:bodyPr rtlCol="0" anchor="ctr"/>
+          <a:lstStyle/>
+          <a:p>
+            <a:pPr algn="ctr"/>
+            <a:endParaRPr lang="zh-CN" altLang="en-US" dirty="0"/>
+          </a:p>
+        </p:txBody>
+      </p:sp>
+      <p:sp>
+        <p:nvSpPr>
+          <p:cNvPr id="17" name="矩形 16">
+            <a:extLst>
+              <a:ext uri="{FF2B5EF4-FFF2-40B4-BE49-F238E27FC236}">
+                <a16:creationId xmlns:a16="http://schemas.microsoft.com/office/drawing/2014/main" id="{E13FCCE0-12BB-4846-ABA9-FA1E3E3546C5}"/>
+              </a:ext>
+            </a:extLst>
+          </p:cNvPr>
+          <p:cNvSpPr/>
+          <p:nvPr/>
+        </p:nvSpPr>
+        <p:spPr>
+          <a:xfrm>
+            <a:off x="2226036" y="1528995"/>
+            <a:ext cx="554637" cy="554637"/>
+          </a:xfrm>
+          <a:prstGeom prst="rect">
+            <a:avLst/>
+          </a:prstGeom>
+          <a:solidFill>
+            <a:schemeClr val="tx1"/>
+          </a:solidFill>
+          <a:ln>
+            <a:noFill/>
+          </a:ln>
+        </p:spPr>
+        <p:style>
+          <a:lnRef idx="2">
+            <a:schemeClr val="accent1">
+              <a:shade val="50000"/>
+            </a:schemeClr>
+          </a:lnRef>
+          <a:fillRef idx="1">
+            <a:schemeClr val="accent1"/>
+          </a:fillRef>
+          <a:effectRef idx="0">
+            <a:schemeClr val="accent1"/>
+          </a:effectRef>
+          <a:fontRef idx="minor">
+            <a:schemeClr val="lt1"/>
+          </a:fontRef>
+        </p:style>
+        <p:txBody>
+          <a:bodyPr rtlCol="0" anchor="ctr"/>
+          <a:lstStyle/>
+          <a:p>
+            <a:pPr algn="ctr"/>
+            <a:endParaRPr lang="zh-CN" altLang="en-US"/>
+          </a:p>
+        </p:txBody>
+      </p:sp>
+      <p:sp>
+        <p:nvSpPr>
+          <p:cNvPr id="18" name="矩形 17">
+            <a:extLst>
+              <a:ext uri="{FF2B5EF4-FFF2-40B4-BE49-F238E27FC236}">
+                <a16:creationId xmlns:a16="http://schemas.microsoft.com/office/drawing/2014/main" id="{2082353D-0B67-48A6-A5BF-33F9236FE2E5}"/>
+              </a:ext>
+            </a:extLst>
+          </p:cNvPr>
+          <p:cNvSpPr/>
+          <p:nvPr/>
+        </p:nvSpPr>
+        <p:spPr>
+          <a:xfrm>
+            <a:off x="2915583" y="1528995"/>
+            <a:ext cx="554637" cy="554637"/>
+          </a:xfrm>
+          <a:prstGeom prst="rect">
+            <a:avLst/>
+          </a:prstGeom>
+          <a:solidFill>
+            <a:schemeClr val="tx1"/>
+          </a:solidFill>
+          <a:ln>
+            <a:noFill/>
+          </a:ln>
+        </p:spPr>
+        <p:style>
+          <a:lnRef idx="2">
+            <a:schemeClr val="accent1">
+              <a:shade val="50000"/>
+            </a:schemeClr>
+          </a:lnRef>
+          <a:fillRef idx="1">
+            <a:schemeClr val="accent1"/>
+          </a:fillRef>
+          <a:effectRef idx="0">
+            <a:schemeClr val="accent1"/>
+          </a:effectRef>
+          <a:fontRef idx="minor">
+            <a:schemeClr val="lt1"/>
+          </a:fontRef>
+        </p:style>
+        <p:txBody>
+          <a:bodyPr rtlCol="0" anchor="ctr"/>
+          <a:lstStyle/>
+          <a:p>
+            <a:pPr algn="ctr"/>
+            <a:endParaRPr lang="zh-CN" altLang="en-US"/>
+          </a:p>
+        </p:txBody>
+      </p:sp>
+      <p:sp>
+        <p:nvSpPr>
+          <p:cNvPr id="19" name="矩形 18">
+            <a:extLst>
+              <a:ext uri="{FF2B5EF4-FFF2-40B4-BE49-F238E27FC236}">
+                <a16:creationId xmlns:a16="http://schemas.microsoft.com/office/drawing/2014/main" id="{EFA50990-19C8-4B96-A446-8915B9B67BD7}"/>
+              </a:ext>
+            </a:extLst>
+          </p:cNvPr>
+          <p:cNvSpPr/>
+          <p:nvPr/>
+        </p:nvSpPr>
+        <p:spPr>
+          <a:xfrm>
+            <a:off x="157395" y="2148588"/>
+            <a:ext cx="554637" cy="554637"/>
+          </a:xfrm>
+          <a:prstGeom prst="rect">
+            <a:avLst/>
+          </a:prstGeom>
+          <a:solidFill>
+            <a:schemeClr val="tx1"/>
+          </a:solidFill>
+          <a:ln>
+            <a:noFill/>
+          </a:ln>
+        </p:spPr>
+        <p:style>
+          <a:lnRef idx="2">
+            <a:schemeClr val="accent1">
+              <a:shade val="50000"/>
+            </a:schemeClr>
+          </a:lnRef>
+          <a:fillRef idx="1">
+            <a:schemeClr val="accent1"/>
+          </a:fillRef>
+          <a:effectRef idx="0">
+            <a:schemeClr val="accent1"/>
+          </a:effectRef>
+          <a:fontRef idx="minor">
+            <a:schemeClr val="lt1"/>
+          </a:fontRef>
+        </p:style>
+        <p:txBody>
+          <a:bodyPr rtlCol="0" anchor="ctr"/>
+          <a:lstStyle/>
+          <a:p>
+            <a:pPr algn="ctr"/>
+            <a:endParaRPr lang="zh-CN" altLang="en-US" dirty="0"/>
+          </a:p>
+        </p:txBody>
+      </p:sp>
+      <p:sp>
+        <p:nvSpPr>
+          <p:cNvPr id="20" name="矩形 19">
+            <a:extLst>
+              <a:ext uri="{FF2B5EF4-FFF2-40B4-BE49-F238E27FC236}">
+                <a16:creationId xmlns:a16="http://schemas.microsoft.com/office/drawing/2014/main" id="{E31FC630-9F49-4348-A99D-91BC522C2B54}"/>
+              </a:ext>
+            </a:extLst>
+          </p:cNvPr>
+          <p:cNvSpPr/>
+          <p:nvPr/>
+        </p:nvSpPr>
+        <p:spPr>
+          <a:xfrm>
+            <a:off x="846942" y="2148588"/>
+            <a:ext cx="554637" cy="554637"/>
+          </a:xfrm>
+          <a:prstGeom prst="rect">
+            <a:avLst/>
+          </a:prstGeom>
+          <a:solidFill>
+            <a:schemeClr val="tx1"/>
+          </a:solidFill>
+          <a:ln>
+            <a:noFill/>
+          </a:ln>
+        </p:spPr>
+        <p:style>
+          <a:lnRef idx="2">
+            <a:schemeClr val="accent1">
+              <a:shade val="50000"/>
+            </a:schemeClr>
+          </a:lnRef>
+          <a:fillRef idx="1">
+            <a:schemeClr val="accent1"/>
+          </a:fillRef>
+          <a:effectRef idx="0">
+            <a:schemeClr val="accent1"/>
+          </a:effectRef>
+          <a:fontRef idx="minor">
+            <a:schemeClr val="lt1"/>
+          </a:fontRef>
+        </p:style>
+        <p:txBody>
+          <a:bodyPr rtlCol="0" anchor="ctr"/>
+          <a:lstStyle/>
+          <a:p>
+            <a:pPr algn="ctr"/>
+            <a:endParaRPr lang="zh-CN" altLang="en-US" dirty="0"/>
+          </a:p>
+        </p:txBody>
+      </p:sp>
+      <p:sp>
+        <p:nvSpPr>
+          <p:cNvPr id="21" name="矩形 20">
+            <a:extLst>
+              <a:ext uri="{FF2B5EF4-FFF2-40B4-BE49-F238E27FC236}">
+                <a16:creationId xmlns:a16="http://schemas.microsoft.com/office/drawing/2014/main" id="{ED3B4B37-535C-41FA-8190-5F1ECCC99053}"/>
+              </a:ext>
+            </a:extLst>
+          </p:cNvPr>
+          <p:cNvSpPr/>
+          <p:nvPr/>
+        </p:nvSpPr>
+        <p:spPr>
+          <a:xfrm>
+            <a:off x="1536489" y="2151086"/>
+            <a:ext cx="554637" cy="554637"/>
+          </a:xfrm>
+          <a:prstGeom prst="rect">
+            <a:avLst/>
+          </a:prstGeom>
+          <a:solidFill>
+            <a:schemeClr val="tx1"/>
+          </a:solidFill>
+          <a:ln>
+            <a:noFill/>
+          </a:ln>
+        </p:spPr>
+        <p:style>
+          <a:lnRef idx="2">
+            <a:schemeClr val="accent1">
+              <a:shade val="50000"/>
+            </a:schemeClr>
+          </a:lnRef>
+          <a:fillRef idx="1">
+            <a:schemeClr val="accent1"/>
+          </a:fillRef>
+          <a:effectRef idx="0">
+            <a:schemeClr val="accent1"/>
+          </a:effectRef>
+          <a:fontRef idx="minor">
+            <a:schemeClr val="lt1"/>
+          </a:fontRef>
+        </p:style>
+        <p:txBody>
+          <a:bodyPr rtlCol="0" anchor="ctr"/>
+          <a:lstStyle/>
+          <a:p>
+            <a:pPr algn="ctr"/>
+            <a:endParaRPr lang="zh-CN" altLang="en-US"/>
+          </a:p>
+        </p:txBody>
+      </p:sp>
+      <p:sp>
+        <p:nvSpPr>
+          <p:cNvPr id="22" name="矩形 21">
+            <a:extLst>
+              <a:ext uri="{FF2B5EF4-FFF2-40B4-BE49-F238E27FC236}">
+                <a16:creationId xmlns:a16="http://schemas.microsoft.com/office/drawing/2014/main" id="{CB76759C-7F6B-41C6-95F1-5C51CDE42FC2}"/>
+              </a:ext>
+            </a:extLst>
+          </p:cNvPr>
+          <p:cNvSpPr/>
+          <p:nvPr/>
+        </p:nvSpPr>
+        <p:spPr>
+          <a:xfrm>
+            <a:off x="2226036" y="2148588"/>
+            <a:ext cx="554637" cy="554637"/>
+          </a:xfrm>
+          <a:prstGeom prst="rect">
+            <a:avLst/>
+          </a:prstGeom>
+          <a:solidFill>
+            <a:schemeClr val="tx1"/>
+          </a:solidFill>
+          <a:ln>
+            <a:noFill/>
+          </a:ln>
+        </p:spPr>
+        <p:style>
+          <a:lnRef idx="2">
+            <a:schemeClr val="accent1">
+              <a:shade val="50000"/>
+            </a:schemeClr>
+          </a:lnRef>
+          <a:fillRef idx="1">
+            <a:schemeClr val="accent1"/>
+          </a:fillRef>
+          <a:effectRef idx="0">
+            <a:schemeClr val="accent1"/>
+          </a:effectRef>
+          <a:fontRef idx="minor">
+            <a:schemeClr val="lt1"/>
+          </a:fontRef>
+        </p:style>
+        <p:txBody>
+          <a:bodyPr rtlCol="0" anchor="ctr"/>
+          <a:lstStyle/>
+          <a:p>
+            <a:pPr algn="ctr"/>
+            <a:endParaRPr lang="zh-CN" altLang="en-US" dirty="0"/>
+          </a:p>
+        </p:txBody>
+      </p:sp>
+      <p:sp>
+        <p:nvSpPr>
+          <p:cNvPr id="23" name="矩形 22">
+            <a:extLst>
+              <a:ext uri="{FF2B5EF4-FFF2-40B4-BE49-F238E27FC236}">
+                <a16:creationId xmlns:a16="http://schemas.microsoft.com/office/drawing/2014/main" id="{6DA5D0B7-EAB8-445B-9AED-C907AA82EE9D}"/>
+              </a:ext>
+            </a:extLst>
+          </p:cNvPr>
+          <p:cNvSpPr/>
+          <p:nvPr/>
+        </p:nvSpPr>
+        <p:spPr>
+          <a:xfrm>
+            <a:off x="2915583" y="2148588"/>
+            <a:ext cx="554637" cy="554637"/>
+          </a:xfrm>
+          <a:prstGeom prst="rect">
+            <a:avLst/>
+          </a:prstGeom>
+          <a:solidFill>
+            <a:schemeClr val="tx1"/>
+          </a:solidFill>
+          <a:ln>
+            <a:noFill/>
+          </a:ln>
+        </p:spPr>
+        <p:style>
+          <a:lnRef idx="2">
+            <a:schemeClr val="accent1">
+              <a:shade val="50000"/>
+            </a:schemeClr>
+          </a:lnRef>
+          <a:fillRef idx="1">
+            <a:schemeClr val="accent1"/>
+          </a:fillRef>
+          <a:effectRef idx="0">
+            <a:schemeClr val="accent1"/>
+          </a:effectRef>
+          <a:fontRef idx="minor">
+            <a:schemeClr val="lt1"/>
+          </a:fontRef>
+        </p:style>
+        <p:txBody>
+          <a:bodyPr rtlCol="0" anchor="ctr"/>
+          <a:lstStyle/>
+          <a:p>
+            <a:pPr algn="ctr"/>
+            <a:endParaRPr lang="zh-CN" altLang="en-US" dirty="0"/>
+          </a:p>
+        </p:txBody>
+      </p:sp>
+      <p:sp>
+        <p:nvSpPr>
+          <p:cNvPr id="24" name="矩形 23">
+            <a:extLst>
+              <a:ext uri="{FF2B5EF4-FFF2-40B4-BE49-F238E27FC236}">
+                <a16:creationId xmlns:a16="http://schemas.microsoft.com/office/drawing/2014/main" id="{7A39B9A3-F1C6-4044-9C7B-40E22A3EEDCB}"/>
+              </a:ext>
+            </a:extLst>
+          </p:cNvPr>
+          <p:cNvSpPr/>
+          <p:nvPr/>
+        </p:nvSpPr>
+        <p:spPr>
+          <a:xfrm>
+            <a:off x="157395" y="2768181"/>
+            <a:ext cx="554637" cy="554637"/>
+          </a:xfrm>
+          <a:prstGeom prst="rect">
+            <a:avLst/>
+          </a:prstGeom>
+          <a:solidFill>
+            <a:schemeClr val="tx1"/>
+          </a:solidFill>
+          <a:ln>
+            <a:noFill/>
+          </a:ln>
+        </p:spPr>
+        <p:style>
+          <a:lnRef idx="2">
+            <a:schemeClr val="accent1">
+              <a:shade val="50000"/>
+            </a:schemeClr>
+          </a:lnRef>
+          <a:fillRef idx="1">
+            <a:schemeClr val="accent1"/>
+          </a:fillRef>
+          <a:effectRef idx="0">
+            <a:schemeClr val="accent1"/>
+          </a:effectRef>
+          <a:fontRef idx="minor">
+            <a:schemeClr val="lt1"/>
+          </a:fontRef>
+        </p:style>
+        <p:txBody>
+          <a:bodyPr rtlCol="0" anchor="ctr"/>
+          <a:lstStyle/>
+          <a:p>
+            <a:pPr algn="ctr"/>
+            <a:endParaRPr lang="zh-CN" altLang="en-US"/>
+          </a:p>
+        </p:txBody>
+      </p:sp>
+      <p:sp>
+        <p:nvSpPr>
+          <p:cNvPr id="25" name="矩形 24">
+            <a:extLst>
+              <a:ext uri="{FF2B5EF4-FFF2-40B4-BE49-F238E27FC236}">
+                <a16:creationId xmlns:a16="http://schemas.microsoft.com/office/drawing/2014/main" id="{0F2ACE08-0C18-4918-BDCC-34707451CC1B}"/>
+              </a:ext>
+            </a:extLst>
+          </p:cNvPr>
+          <p:cNvSpPr/>
+          <p:nvPr/>
+        </p:nvSpPr>
+        <p:spPr>
+          <a:xfrm>
+            <a:off x="846942" y="2768181"/>
+            <a:ext cx="554637" cy="554637"/>
+          </a:xfrm>
+          <a:prstGeom prst="rect">
+            <a:avLst/>
+          </a:prstGeom>
+          <a:solidFill>
+            <a:schemeClr val="tx1"/>
+          </a:solidFill>
+          <a:ln>
+            <a:noFill/>
+          </a:ln>
+        </p:spPr>
+        <p:style>
+          <a:lnRef idx="2">
+            <a:schemeClr val="accent1">
+              <a:shade val="50000"/>
+            </a:schemeClr>
+          </a:lnRef>
+          <a:fillRef idx="1">
+            <a:schemeClr val="accent1"/>
+          </a:fillRef>
+          <a:effectRef idx="0">
+            <a:schemeClr val="accent1"/>
+          </a:effectRef>
+          <a:fontRef idx="minor">
+            <a:schemeClr val="lt1"/>
+          </a:fontRef>
+        </p:style>
+        <p:txBody>
+          <a:bodyPr rtlCol="0" anchor="ctr"/>
+          <a:lstStyle/>
+          <a:p>
+            <a:pPr algn="ctr"/>
+            <a:endParaRPr lang="zh-CN" altLang="en-US" dirty="0"/>
+          </a:p>
+        </p:txBody>
+      </p:sp>
+      <p:sp>
+        <p:nvSpPr>
+          <p:cNvPr id="26" name="矩形 25">
+            <a:extLst>
+              <a:ext uri="{FF2B5EF4-FFF2-40B4-BE49-F238E27FC236}">
+                <a16:creationId xmlns:a16="http://schemas.microsoft.com/office/drawing/2014/main" id="{C650C220-A923-4878-976E-B8AC3D3B3729}"/>
+              </a:ext>
+            </a:extLst>
+          </p:cNvPr>
+          <p:cNvSpPr/>
+          <p:nvPr/>
+        </p:nvSpPr>
+        <p:spPr>
+          <a:xfrm>
+            <a:off x="1536489" y="2770679"/>
+            <a:ext cx="554637" cy="554637"/>
+          </a:xfrm>
+          <a:prstGeom prst="rect">
+            <a:avLst/>
+          </a:prstGeom>
+          <a:solidFill>
+            <a:schemeClr val="tx1"/>
+          </a:solidFill>
+          <a:ln>
+            <a:noFill/>
+          </a:ln>
+        </p:spPr>
+        <p:style>
+          <a:lnRef idx="2">
+            <a:schemeClr val="accent1">
+              <a:shade val="50000"/>
+            </a:schemeClr>
+          </a:lnRef>
+          <a:fillRef idx="1">
+            <a:schemeClr val="accent1"/>
+          </a:fillRef>
+          <a:effectRef idx="0">
+            <a:schemeClr val="accent1"/>
+          </a:effectRef>
+          <a:fontRef idx="minor">
+            <a:schemeClr val="lt1"/>
+          </a:fontRef>
+        </p:style>
+        <p:txBody>
+          <a:bodyPr rtlCol="0" anchor="ctr"/>
+          <a:lstStyle/>
+          <a:p>
+            <a:pPr algn="ctr"/>
+            <a:endParaRPr lang="zh-CN" altLang="en-US" dirty="0"/>
+          </a:p>
+        </p:txBody>
+      </p:sp>
+      <p:sp>
+        <p:nvSpPr>
+          <p:cNvPr id="27" name="矩形 26">
+            <a:extLst>
+              <a:ext uri="{FF2B5EF4-FFF2-40B4-BE49-F238E27FC236}">
+                <a16:creationId xmlns:a16="http://schemas.microsoft.com/office/drawing/2014/main" id="{13C560D2-DC79-4667-AE29-5C60814FAFB0}"/>
+              </a:ext>
+            </a:extLst>
+          </p:cNvPr>
+          <p:cNvSpPr/>
+          <p:nvPr/>
+        </p:nvSpPr>
+        <p:spPr>
+          <a:xfrm>
+            <a:off x="2226036" y="2768181"/>
+            <a:ext cx="554637" cy="554637"/>
+          </a:xfrm>
+          <a:prstGeom prst="rect">
+            <a:avLst/>
+          </a:prstGeom>
+          <a:solidFill>
+            <a:schemeClr val="tx1"/>
+          </a:solidFill>
+          <a:ln>
+            <a:noFill/>
+          </a:ln>
+        </p:spPr>
+        <p:style>
+          <a:lnRef idx="2">
+            <a:schemeClr val="accent1">
+              <a:shade val="50000"/>
+            </a:schemeClr>
+          </a:lnRef>
+          <a:fillRef idx="1">
+            <a:schemeClr val="accent1"/>
+          </a:fillRef>
+          <a:effectRef idx="0">
+            <a:schemeClr val="accent1"/>
+          </a:effectRef>
+          <a:fontRef idx="minor">
+            <a:schemeClr val="lt1"/>
+          </a:fontRef>
+        </p:style>
+        <p:txBody>
+          <a:bodyPr rtlCol="0" anchor="ctr"/>
+          <a:lstStyle/>
+          <a:p>
+            <a:pPr algn="ctr"/>
+            <a:endParaRPr lang="zh-CN" altLang="en-US"/>
+          </a:p>
+        </p:txBody>
+      </p:sp>
+      <p:sp>
+        <p:nvSpPr>
+          <p:cNvPr id="28" name="矩形 27">
+            <a:extLst>
+              <a:ext uri="{FF2B5EF4-FFF2-40B4-BE49-F238E27FC236}">
+                <a16:creationId xmlns:a16="http://schemas.microsoft.com/office/drawing/2014/main" id="{6A7DF887-5500-4D00-9A17-5066E0D960B4}"/>
+              </a:ext>
+            </a:extLst>
+          </p:cNvPr>
+          <p:cNvSpPr/>
+          <p:nvPr/>
+        </p:nvSpPr>
+        <p:spPr>
+          <a:xfrm>
+            <a:off x="2915583" y="2768181"/>
+            <a:ext cx="554637" cy="554637"/>
+          </a:xfrm>
+          <a:prstGeom prst="rect">
+            <a:avLst/>
+          </a:prstGeom>
+          <a:solidFill>
+            <a:schemeClr val="tx1"/>
+          </a:solidFill>
+          <a:ln>
+            <a:noFill/>
+          </a:ln>
+        </p:spPr>
+        <p:style>
+          <a:lnRef idx="2">
+            <a:schemeClr val="accent1">
+              <a:shade val="50000"/>
+            </a:schemeClr>
+          </a:lnRef>
+          <a:fillRef idx="1">
+            <a:schemeClr val="accent1"/>
+          </a:fillRef>
+          <a:effectRef idx="0">
+            <a:schemeClr val="accent1"/>
+          </a:effectRef>
+          <a:fontRef idx="minor">
+            <a:schemeClr val="lt1"/>
+          </a:fontRef>
+        </p:style>
+        <p:txBody>
+          <a:bodyPr rtlCol="0" anchor="ctr"/>
+          <a:lstStyle/>
+          <a:p>
+            <a:pPr algn="ctr"/>
+            <a:endParaRPr lang="zh-CN" altLang="en-US" dirty="0"/>
+          </a:p>
+        </p:txBody>
+      </p:sp>
+      <p:pic>
+        <p:nvPicPr>
+          <p:cNvPr id="2050" name="Picture 2">
+            <a:extLst>
+              <a:ext uri="{FF2B5EF4-FFF2-40B4-BE49-F238E27FC236}">
+                <a16:creationId xmlns:a16="http://schemas.microsoft.com/office/drawing/2014/main" id="{8276343A-3761-4C66-B498-4A045EF910F4}"/>
+              </a:ext>
+            </a:extLst>
+          </p:cNvPr>
+          <p:cNvPicPr>
+            <a:picLocks noChangeAspect="1" noChangeArrowheads="1"/>
+          </p:cNvPicPr>
+          <p:nvPr/>
+        </p:nvPicPr>
+        <p:blipFill>
+          <a:blip r:embed="rId2">
+            <a:extLst>
+              <a:ext uri="{28A0092B-C50C-407E-A947-70E740481C1C}">
+                <a14:useLocalDpi xmlns:a14="http://schemas.microsoft.com/office/drawing/2010/main" val="0"/>
+              </a:ext>
+            </a:extLst>
+          </a:blip>
+          <a:srcRect/>
+          <a:stretch>
+            <a:fillRect/>
+          </a:stretch>
+        </p:blipFill>
+        <p:spPr bwMode="auto">
+          <a:xfrm>
+            <a:off x="187599" y="437283"/>
+            <a:ext cx="494229" cy="293094"/>
+          </a:xfrm>
+          <a:prstGeom prst="rect">
+            <a:avLst/>
+          </a:prstGeom>
+          <a:noFill/>
+          <a:extLst>
+            <a:ext uri="{909E8E84-426E-40DD-AFC4-6F175D3DCCD1}">
+              <a14:hiddenFill xmlns:a14="http://schemas.microsoft.com/office/drawing/2010/main">
+                <a:solidFill>
+                  <a:srgbClr val="FFFFFF"/>
+                </a:solidFill>
+              </a14:hiddenFill>
+            </a:ext>
+          </a:extLst>
+        </p:spPr>
+      </p:pic>
+      <p:pic>
+        <p:nvPicPr>
+          <p:cNvPr id="2052" name="Picture 4">
+            <a:extLst>
+              <a:ext uri="{FF2B5EF4-FFF2-40B4-BE49-F238E27FC236}">
+                <a16:creationId xmlns:a16="http://schemas.microsoft.com/office/drawing/2014/main" id="{70AD761A-2A03-4E0C-A928-CCB5FB9FAD27}"/>
+              </a:ext>
+            </a:extLst>
+          </p:cNvPr>
+          <p:cNvPicPr>
+            <a:picLocks noChangeAspect="1" noChangeArrowheads="1"/>
+          </p:cNvPicPr>
+          <p:nvPr/>
+        </p:nvPicPr>
+        <p:blipFill>
+          <a:blip r:embed="rId3">
+            <a:extLst>
+              <a:ext uri="{28A0092B-C50C-407E-A947-70E740481C1C}">
+                <a14:useLocalDpi xmlns:a14="http://schemas.microsoft.com/office/drawing/2010/main" val="0"/>
+              </a:ext>
+            </a:extLst>
+          </a:blip>
+          <a:srcRect/>
+          <a:stretch>
+            <a:fillRect/>
+          </a:stretch>
+        </p:blipFill>
+        <p:spPr bwMode="auto">
+          <a:xfrm>
+            <a:off x="892160" y="452356"/>
+            <a:ext cx="494229" cy="293094"/>
+          </a:xfrm>
+          <a:prstGeom prst="rect">
+            <a:avLst/>
+          </a:prstGeom>
+          <a:noFill/>
+          <a:extLst>
+            <a:ext uri="{909E8E84-426E-40DD-AFC4-6F175D3DCCD1}">
+              <a14:hiddenFill xmlns:a14="http://schemas.microsoft.com/office/drawing/2010/main">
+                <a:solidFill>
+                  <a:srgbClr val="FFFFFF"/>
+                </a:solidFill>
+              </a14:hiddenFill>
+            </a:ext>
+          </a:extLst>
+        </p:spPr>
+      </p:pic>
+      <p:pic>
+        <p:nvPicPr>
+          <p:cNvPr id="2054" name="Picture 6">
+            <a:extLst>
+              <a:ext uri="{FF2B5EF4-FFF2-40B4-BE49-F238E27FC236}">
+                <a16:creationId xmlns:a16="http://schemas.microsoft.com/office/drawing/2014/main" id="{548160F0-895E-4A36-81BB-59A88D73702B}"/>
+              </a:ext>
+            </a:extLst>
+          </p:cNvPr>
+          <p:cNvPicPr>
+            <a:picLocks noChangeAspect="1" noChangeArrowheads="1"/>
+          </p:cNvPicPr>
+          <p:nvPr/>
+        </p:nvPicPr>
+        <p:blipFill rotWithShape="1">
+          <a:blip r:embed="rId4">
+            <a:extLst>
+              <a:ext uri="{28A0092B-C50C-407E-A947-70E740481C1C}">
+                <a14:useLocalDpi xmlns:a14="http://schemas.microsoft.com/office/drawing/2010/main" val="0"/>
+              </a:ext>
+            </a:extLst>
+          </a:blip>
+          <a:srcRect l="20660" r="20660"/>
+          <a:stretch/>
+        </p:blipFill>
+        <p:spPr bwMode="auto">
+          <a:xfrm>
+            <a:off x="1580635" y="371666"/>
+            <a:ext cx="466344" cy="454474"/>
+          </a:xfrm>
+          <a:prstGeom prst="rect">
+            <a:avLst/>
+          </a:prstGeom>
+          <a:noFill/>
+          <a:extLst>
+            <a:ext uri="{909E8E84-426E-40DD-AFC4-6F175D3DCCD1}">
+              <a14:hiddenFill xmlns:a14="http://schemas.microsoft.com/office/drawing/2010/main">
+                <a:solidFill>
+                  <a:srgbClr val="FFFFFF"/>
+                </a:solidFill>
+              </a14:hiddenFill>
+            </a:ext>
+          </a:extLst>
+        </p:spPr>
+      </p:pic>
+      <p:pic>
+        <p:nvPicPr>
+          <p:cNvPr id="2056" name="Picture 8">
+            <a:extLst>
+              <a:ext uri="{FF2B5EF4-FFF2-40B4-BE49-F238E27FC236}">
+                <a16:creationId xmlns:a16="http://schemas.microsoft.com/office/drawing/2014/main" id="{03FAF326-6541-4A2D-9D9C-F071F2B8A58D}"/>
+              </a:ext>
+            </a:extLst>
+          </p:cNvPr>
+          <p:cNvPicPr>
+            <a:picLocks noChangeAspect="1" noChangeArrowheads="1"/>
+          </p:cNvPicPr>
+          <p:nvPr/>
+        </p:nvPicPr>
+        <p:blipFill rotWithShape="1">
+          <a:blip r:embed="rId5">
+            <a:extLst>
+              <a:ext uri="{28A0092B-C50C-407E-A947-70E740481C1C}">
+                <a14:useLocalDpi xmlns:a14="http://schemas.microsoft.com/office/drawing/2010/main" val="0"/>
+              </a:ext>
+            </a:extLst>
+          </a:blip>
+          <a:srcRect l="22745" t="26823" r="19397" b="26823"/>
+          <a:stretch/>
+        </p:blipFill>
+        <p:spPr bwMode="auto">
+          <a:xfrm>
+            <a:off x="2226035" y="418225"/>
+            <a:ext cx="554638" cy="297803"/>
+          </a:xfrm>
+          <a:prstGeom prst="rect">
+            <a:avLst/>
+          </a:prstGeom>
+          <a:noFill/>
+          <a:extLst>
+            <a:ext uri="{909E8E84-426E-40DD-AFC4-6F175D3DCCD1}">
+              <a14:hiddenFill xmlns:a14="http://schemas.microsoft.com/office/drawing/2010/main">
+                <a:solidFill>
+                  <a:srgbClr val="FFFFFF"/>
+                </a:solidFill>
+              </a14:hiddenFill>
+            </a:ext>
+          </a:extLst>
+        </p:spPr>
+      </p:pic>
+      <p:pic>
+        <p:nvPicPr>
+          <p:cNvPr id="2058" name="Picture 10">
+            <a:extLst>
+              <a:ext uri="{FF2B5EF4-FFF2-40B4-BE49-F238E27FC236}">
+                <a16:creationId xmlns:a16="http://schemas.microsoft.com/office/drawing/2014/main" id="{8AE92DE3-94E8-4CD9-BF17-0666053BB061}"/>
+              </a:ext>
+            </a:extLst>
+          </p:cNvPr>
+          <p:cNvPicPr>
+            <a:picLocks noChangeAspect="1" noChangeArrowheads="1"/>
+          </p:cNvPicPr>
+          <p:nvPr/>
+        </p:nvPicPr>
+        <p:blipFill rotWithShape="1">
+          <a:blip r:embed="rId6">
+            <a:extLst>
+              <a:ext uri="{28A0092B-C50C-407E-A947-70E740481C1C}">
+                <a14:useLocalDpi xmlns:a14="http://schemas.microsoft.com/office/drawing/2010/main" val="0"/>
+              </a:ext>
+            </a:extLst>
+          </a:blip>
+          <a:srcRect l="13054" t="32928" r="13054" b="32928"/>
+          <a:stretch/>
+        </p:blipFill>
+        <p:spPr bwMode="auto">
+          <a:xfrm>
+            <a:off x="2929961" y="418225"/>
+            <a:ext cx="525880" cy="281160"/>
+          </a:xfrm>
+          <a:prstGeom prst="rect">
+            <a:avLst/>
+          </a:prstGeom>
+          <a:noFill/>
+          <a:extLst>
+            <a:ext uri="{909E8E84-426E-40DD-AFC4-6F175D3DCCD1}">
+              <a14:hiddenFill xmlns:a14="http://schemas.microsoft.com/office/drawing/2010/main">
+                <a:solidFill>
+                  <a:srgbClr val="FFFFFF"/>
+                </a:solidFill>
+              </a14:hiddenFill>
+            </a:ext>
+          </a:extLst>
+        </p:spPr>
+      </p:pic>
+      <p:pic>
+        <p:nvPicPr>
+          <p:cNvPr id="2060" name="Picture 12">
+            <a:extLst>
+              <a:ext uri="{FF2B5EF4-FFF2-40B4-BE49-F238E27FC236}">
+                <a16:creationId xmlns:a16="http://schemas.microsoft.com/office/drawing/2014/main" id="{D8619299-DFD8-4102-93AD-F3969E5FC003}"/>
+              </a:ext>
+            </a:extLst>
+          </p:cNvPr>
+          <p:cNvPicPr>
+            <a:picLocks noChangeAspect="1" noChangeArrowheads="1"/>
+          </p:cNvPicPr>
+          <p:nvPr/>
+        </p:nvPicPr>
+        <p:blipFill>
+          <a:blip r:embed="rId7">
+            <a:extLst>
+              <a:ext uri="{28A0092B-C50C-407E-A947-70E740481C1C}">
+                <a14:useLocalDpi xmlns:a14="http://schemas.microsoft.com/office/drawing/2010/main" val="0"/>
+              </a:ext>
+            </a:extLst>
+          </a:blip>
+          <a:srcRect/>
+          <a:stretch>
+            <a:fillRect/>
+          </a:stretch>
+        </p:blipFill>
+        <p:spPr bwMode="auto">
+          <a:xfrm>
+            <a:off x="187599" y="1057235"/>
+            <a:ext cx="494229" cy="306340"/>
+          </a:xfrm>
+          <a:prstGeom prst="rect">
+            <a:avLst/>
+          </a:prstGeom>
+          <a:noFill/>
+          <a:extLst>
+            <a:ext uri="{909E8E84-426E-40DD-AFC4-6F175D3DCCD1}">
+              <a14:hiddenFill xmlns:a14="http://schemas.microsoft.com/office/drawing/2010/main">
+                <a:solidFill>
+                  <a:srgbClr val="FFFFFF"/>
+                </a:solidFill>
+              </a14:hiddenFill>
+            </a:ext>
+          </a:extLst>
+        </p:spPr>
+      </p:pic>
+      <p:pic>
+        <p:nvPicPr>
+          <p:cNvPr id="2062" name="Picture 14">
+            <a:extLst>
+              <a:ext uri="{FF2B5EF4-FFF2-40B4-BE49-F238E27FC236}">
+                <a16:creationId xmlns:a16="http://schemas.microsoft.com/office/drawing/2014/main" id="{83ED09E7-F080-4DC9-9CDF-3216F03E6A46}"/>
+              </a:ext>
+            </a:extLst>
+          </p:cNvPr>
+          <p:cNvPicPr>
+            <a:picLocks noChangeAspect="1" noChangeArrowheads="1"/>
+          </p:cNvPicPr>
+          <p:nvPr/>
+        </p:nvPicPr>
+        <p:blipFill>
+          <a:blip r:embed="rId8">
+            <a:extLst>
+              <a:ext uri="{28A0092B-C50C-407E-A947-70E740481C1C}">
+                <a14:useLocalDpi xmlns:a14="http://schemas.microsoft.com/office/drawing/2010/main" val="0"/>
+              </a:ext>
+            </a:extLst>
+          </a:blip>
+          <a:srcRect/>
+          <a:stretch>
+            <a:fillRect/>
+          </a:stretch>
+        </p:blipFill>
+        <p:spPr bwMode="auto">
+          <a:xfrm>
+            <a:off x="848720" y="1039064"/>
+            <a:ext cx="552859" cy="342681"/>
+          </a:xfrm>
+          <a:prstGeom prst="rect">
+            <a:avLst/>
+          </a:prstGeom>
+          <a:noFill/>
+          <a:extLst>
+            <a:ext uri="{909E8E84-426E-40DD-AFC4-6F175D3DCCD1}">
+              <a14:hiddenFill xmlns:a14="http://schemas.microsoft.com/office/drawing/2010/main">
+                <a:solidFill>
+                  <a:srgbClr val="FFFFFF"/>
+                </a:solidFill>
+              </a14:hiddenFill>
+            </a:ext>
+          </a:extLst>
+        </p:spPr>
+      </p:pic>
+      <p:pic>
+        <p:nvPicPr>
+          <p:cNvPr id="2064" name="Picture 16">
+            <a:extLst>
+              <a:ext uri="{FF2B5EF4-FFF2-40B4-BE49-F238E27FC236}">
+                <a16:creationId xmlns:a16="http://schemas.microsoft.com/office/drawing/2014/main" id="{D3F3240B-38F4-4046-A628-6B8CBC7C6122}"/>
+              </a:ext>
+            </a:extLst>
+          </p:cNvPr>
+          <p:cNvPicPr>
+            <a:picLocks noChangeAspect="1" noChangeArrowheads="1"/>
+          </p:cNvPicPr>
+          <p:nvPr/>
+        </p:nvPicPr>
+        <p:blipFill rotWithShape="1">
+          <a:blip r:embed="rId9">
+            <a:extLst>
+              <a:ext uri="{28A0092B-C50C-407E-A947-70E740481C1C}">
+                <a14:useLocalDpi xmlns:a14="http://schemas.microsoft.com/office/drawing/2010/main" val="0"/>
+              </a:ext>
+            </a:extLst>
+          </a:blip>
+          <a:srcRect l="11390" t="7299" r="11390" b="7299"/>
+          <a:stretch/>
+        </p:blipFill>
+        <p:spPr bwMode="auto">
+          <a:xfrm>
+            <a:off x="1536488" y="1037471"/>
+            <a:ext cx="510491" cy="344274"/>
+          </a:xfrm>
+          <a:prstGeom prst="rect">
+            <a:avLst/>
+          </a:prstGeom>
+          <a:noFill/>
+          <a:extLst>
+            <a:ext uri="{909E8E84-426E-40DD-AFC4-6F175D3DCCD1}">
+              <a14:hiddenFill xmlns:a14="http://schemas.microsoft.com/office/drawing/2010/main">
+                <a:solidFill>
+                  <a:srgbClr val="FFFFFF"/>
+                </a:solidFill>
+              </a14:hiddenFill>
+            </a:ext>
+          </a:extLst>
+        </p:spPr>
+      </p:pic>
+      <p:pic>
+        <p:nvPicPr>
+          <p:cNvPr id="2066" name="Picture 18">
+            <a:extLst>
+              <a:ext uri="{FF2B5EF4-FFF2-40B4-BE49-F238E27FC236}">
+                <a16:creationId xmlns:a16="http://schemas.microsoft.com/office/drawing/2014/main" id="{2CB0C222-9455-42AE-BFCC-65342E352865}"/>
+              </a:ext>
+            </a:extLst>
+          </p:cNvPr>
+          <p:cNvPicPr>
+            <a:picLocks noChangeAspect="1" noChangeArrowheads="1"/>
+          </p:cNvPicPr>
+          <p:nvPr/>
+        </p:nvPicPr>
+        <p:blipFill>
+          <a:blip r:embed="rId10">
+            <a:extLst>
+              <a:ext uri="{28A0092B-C50C-407E-A947-70E740481C1C}">
+                <a14:useLocalDpi xmlns:a14="http://schemas.microsoft.com/office/drawing/2010/main" val="0"/>
+              </a:ext>
+            </a:extLst>
+          </a:blip>
+          <a:srcRect/>
+          <a:stretch>
+            <a:fillRect/>
+          </a:stretch>
+        </p:blipFill>
+        <p:spPr bwMode="auto">
+          <a:xfrm>
+            <a:off x="2241107" y="1103787"/>
+            <a:ext cx="525695" cy="182417"/>
+          </a:xfrm>
+          <a:prstGeom prst="rect">
+            <a:avLst/>
+          </a:prstGeom>
+          <a:noFill/>
+          <a:extLst>
+            <a:ext uri="{909E8E84-426E-40DD-AFC4-6F175D3DCCD1}">
+              <a14:hiddenFill xmlns:a14="http://schemas.microsoft.com/office/drawing/2010/main">
+                <a:solidFill>
+                  <a:srgbClr val="FFFFFF"/>
+                </a:solidFill>
+              </a14:hiddenFill>
+            </a:ext>
+          </a:extLst>
+        </p:spPr>
+      </p:pic>
+      <p:pic>
+        <p:nvPicPr>
+          <p:cNvPr id="2068" name="Picture 20">
+            <a:extLst>
+              <a:ext uri="{FF2B5EF4-FFF2-40B4-BE49-F238E27FC236}">
+                <a16:creationId xmlns:a16="http://schemas.microsoft.com/office/drawing/2014/main" id="{F0C903C6-F2E7-42F8-8005-BCE137C08EC2}"/>
+              </a:ext>
+            </a:extLst>
+          </p:cNvPr>
+          <p:cNvPicPr>
+            <a:picLocks noChangeAspect="1" noChangeArrowheads="1"/>
+          </p:cNvPicPr>
+          <p:nvPr/>
+        </p:nvPicPr>
+        <p:blipFill>
+          <a:blip r:embed="rId11">
+            <a:extLst>
+              <a:ext uri="{28A0092B-C50C-407E-A947-70E740481C1C}">
+                <a14:useLocalDpi xmlns:a14="http://schemas.microsoft.com/office/drawing/2010/main" val="0"/>
+              </a:ext>
+            </a:extLst>
+          </a:blip>
+          <a:srcRect/>
+          <a:stretch>
+            <a:fillRect/>
+          </a:stretch>
+        </p:blipFill>
+        <p:spPr bwMode="auto">
+          <a:xfrm>
+            <a:off x="2932564" y="1071961"/>
+            <a:ext cx="510491" cy="316420"/>
+          </a:xfrm>
+          <a:prstGeom prst="rect">
+            <a:avLst/>
+          </a:prstGeom>
+          <a:noFill/>
+          <a:extLst>
+            <a:ext uri="{909E8E84-426E-40DD-AFC4-6F175D3DCCD1}">
+              <a14:hiddenFill xmlns:a14="http://schemas.microsoft.com/office/drawing/2010/main">
+                <a:solidFill>
+                  <a:srgbClr val="FFFFFF"/>
+                </a:solidFill>
+              </a14:hiddenFill>
+            </a:ext>
+          </a:extLst>
+        </p:spPr>
+      </p:pic>
+      <p:pic>
+        <p:nvPicPr>
+          <p:cNvPr id="2070" name="Picture 22">
+            <a:extLst>
+              <a:ext uri="{FF2B5EF4-FFF2-40B4-BE49-F238E27FC236}">
+                <a16:creationId xmlns:a16="http://schemas.microsoft.com/office/drawing/2014/main" id="{C6D6549E-C24E-40E6-A6B1-A7A0499E60DC}"/>
+              </a:ext>
+            </a:extLst>
+          </p:cNvPr>
+          <p:cNvPicPr>
+            <a:picLocks noChangeAspect="1" noChangeArrowheads="1"/>
+          </p:cNvPicPr>
+          <p:nvPr/>
+        </p:nvPicPr>
+        <p:blipFill>
+          <a:blip r:embed="rId12">
+            <a:extLst>
+              <a:ext uri="{28A0092B-C50C-407E-A947-70E740481C1C}">
+                <a14:useLocalDpi xmlns:a14="http://schemas.microsoft.com/office/drawing/2010/main" val="0"/>
+              </a:ext>
+            </a:extLst>
+          </a:blip>
+          <a:srcRect/>
+          <a:stretch>
+            <a:fillRect/>
+          </a:stretch>
+        </p:blipFill>
+        <p:spPr bwMode="auto">
+          <a:xfrm>
+            <a:off x="187599" y="1654364"/>
+            <a:ext cx="494229" cy="308893"/>
+          </a:xfrm>
+          <a:prstGeom prst="rect">
+            <a:avLst/>
+          </a:prstGeom>
+          <a:noFill/>
+          <a:extLst>
+            <a:ext uri="{909E8E84-426E-40DD-AFC4-6F175D3DCCD1}">
+              <a14:hiddenFill xmlns:a14="http://schemas.microsoft.com/office/drawing/2010/main">
+                <a:solidFill>
+                  <a:srgbClr val="FFFFFF"/>
+                </a:solidFill>
+              </a14:hiddenFill>
+            </a:ext>
+          </a:extLst>
+        </p:spPr>
+      </p:pic>
+      <p:pic>
+        <p:nvPicPr>
+          <p:cNvPr id="2072" name="Picture 24">
+            <a:extLst>
+              <a:ext uri="{FF2B5EF4-FFF2-40B4-BE49-F238E27FC236}">
+                <a16:creationId xmlns:a16="http://schemas.microsoft.com/office/drawing/2014/main" id="{F5E56389-B81A-4DB0-973F-D7A6EAA093DB}"/>
+              </a:ext>
+            </a:extLst>
+          </p:cNvPr>
+          <p:cNvPicPr>
+            <a:picLocks noChangeAspect="1" noChangeArrowheads="1"/>
+          </p:cNvPicPr>
+          <p:nvPr/>
+        </p:nvPicPr>
+        <p:blipFill rotWithShape="1">
+          <a:blip r:embed="rId13">
+            <a:extLst>
+              <a:ext uri="{28A0092B-C50C-407E-A947-70E740481C1C}">
+                <a14:useLocalDpi xmlns:a14="http://schemas.microsoft.com/office/drawing/2010/main" val="0"/>
+              </a:ext>
+            </a:extLst>
+          </a:blip>
+          <a:srcRect l="14648" r="14648"/>
+          <a:stretch/>
+        </p:blipFill>
+        <p:spPr bwMode="auto">
+          <a:xfrm>
+            <a:off x="900986" y="1695626"/>
+            <a:ext cx="430422" cy="266802"/>
+          </a:xfrm>
+          <a:prstGeom prst="rect">
+            <a:avLst/>
+          </a:prstGeom>
+          <a:noFill/>
+          <a:extLst>
+            <a:ext uri="{909E8E84-426E-40DD-AFC4-6F175D3DCCD1}">
+              <a14:hiddenFill xmlns:a14="http://schemas.microsoft.com/office/drawing/2010/main">
+                <a:solidFill>
+                  <a:srgbClr val="FFFFFF"/>
+                </a:solidFill>
+              </a14:hiddenFill>
+            </a:ext>
+          </a:extLst>
+        </p:spPr>
+      </p:pic>
+      <p:pic>
+        <p:nvPicPr>
+          <p:cNvPr id="2074" name="Picture 26">
+            <a:extLst>
+              <a:ext uri="{FF2B5EF4-FFF2-40B4-BE49-F238E27FC236}">
+                <a16:creationId xmlns:a16="http://schemas.microsoft.com/office/drawing/2014/main" id="{2B830942-A86B-4BCB-B237-D9622FCCDBB8}"/>
+              </a:ext>
+            </a:extLst>
+          </p:cNvPr>
+          <p:cNvPicPr>
+            <a:picLocks noChangeAspect="1" noChangeArrowheads="1"/>
+          </p:cNvPicPr>
+          <p:nvPr/>
+        </p:nvPicPr>
+        <p:blipFill>
+          <a:blip r:embed="rId14">
+            <a:extLst>
+              <a:ext uri="{28A0092B-C50C-407E-A947-70E740481C1C}">
+                <a14:useLocalDpi xmlns:a14="http://schemas.microsoft.com/office/drawing/2010/main" val="0"/>
+              </a:ext>
+            </a:extLst>
+          </a:blip>
+          <a:srcRect/>
+          <a:stretch>
+            <a:fillRect/>
+          </a:stretch>
+        </p:blipFill>
+        <p:spPr bwMode="auto">
+          <a:xfrm>
+            <a:off x="1555486" y="1530289"/>
+            <a:ext cx="526690" cy="526690"/>
+          </a:xfrm>
+          <a:prstGeom prst="rect">
+            <a:avLst/>
+          </a:prstGeom>
+          <a:noFill/>
+          <a:extLst>
+            <a:ext uri="{909E8E84-426E-40DD-AFC4-6F175D3DCCD1}">
+              <a14:hiddenFill xmlns:a14="http://schemas.microsoft.com/office/drawing/2010/main">
+                <a:solidFill>
+                  <a:srgbClr val="FFFFFF"/>
+                </a:solidFill>
+              </a14:hiddenFill>
+            </a:ext>
+          </a:extLst>
+        </p:spPr>
+      </p:pic>
+      <p:pic>
+        <p:nvPicPr>
+          <p:cNvPr id="2076" name="Picture 28">
+            <a:extLst>
+              <a:ext uri="{FF2B5EF4-FFF2-40B4-BE49-F238E27FC236}">
+                <a16:creationId xmlns:a16="http://schemas.microsoft.com/office/drawing/2014/main" id="{8864C3BF-36BC-4D5F-961F-95D49BBA4243}"/>
+              </a:ext>
+            </a:extLst>
+          </p:cNvPr>
+          <p:cNvPicPr>
+            <a:picLocks noChangeAspect="1" noChangeArrowheads="1"/>
+          </p:cNvPicPr>
+          <p:nvPr/>
+        </p:nvPicPr>
+        <p:blipFill>
+          <a:blip r:embed="rId15">
+            <a:extLst>
+              <a:ext uri="{28A0092B-C50C-407E-A947-70E740481C1C}">
+                <a14:useLocalDpi xmlns:a14="http://schemas.microsoft.com/office/drawing/2010/main" val="0"/>
+              </a:ext>
+            </a:extLst>
+          </a:blip>
+          <a:srcRect/>
+          <a:stretch>
+            <a:fillRect/>
+          </a:stretch>
+        </p:blipFill>
+        <p:spPr bwMode="auto">
+          <a:xfrm>
+            <a:off x="2265968" y="1666246"/>
+            <a:ext cx="500834" cy="297011"/>
+          </a:xfrm>
+          <a:prstGeom prst="rect">
+            <a:avLst/>
+          </a:prstGeom>
+          <a:noFill/>
+          <a:extLst>
+            <a:ext uri="{909E8E84-426E-40DD-AFC4-6F175D3DCCD1}">
+              <a14:hiddenFill xmlns:a14="http://schemas.microsoft.com/office/drawing/2010/main">
+                <a:solidFill>
+                  <a:srgbClr val="FFFFFF"/>
+                </a:solidFill>
+              </a14:hiddenFill>
+            </a:ext>
+          </a:extLst>
+        </p:spPr>
+      </p:pic>
+      <p:pic>
+        <p:nvPicPr>
+          <p:cNvPr id="2078" name="Picture 30">
+            <a:extLst>
+              <a:ext uri="{FF2B5EF4-FFF2-40B4-BE49-F238E27FC236}">
+                <a16:creationId xmlns:a16="http://schemas.microsoft.com/office/drawing/2014/main" id="{CE1AF838-34BF-47FE-9E97-55244EBFEE94}"/>
+              </a:ext>
+            </a:extLst>
+          </p:cNvPr>
+          <p:cNvPicPr>
+            <a:picLocks noChangeAspect="1" noChangeArrowheads="1"/>
+          </p:cNvPicPr>
+          <p:nvPr/>
+        </p:nvPicPr>
+        <p:blipFill>
+          <a:blip r:embed="rId16">
+            <a:extLst>
+              <a:ext uri="{28A0092B-C50C-407E-A947-70E740481C1C}">
+                <a14:useLocalDpi xmlns:a14="http://schemas.microsoft.com/office/drawing/2010/main" val="0"/>
+              </a:ext>
+            </a:extLst>
+          </a:blip>
+          <a:srcRect/>
+          <a:stretch>
+            <a:fillRect/>
+          </a:stretch>
+        </p:blipFill>
+        <p:spPr bwMode="auto">
+          <a:xfrm>
+            <a:off x="2932564" y="1682889"/>
+            <a:ext cx="512348" cy="230557"/>
+          </a:xfrm>
+          <a:prstGeom prst="rect">
+            <a:avLst/>
+          </a:prstGeom>
+          <a:noFill/>
+          <a:extLst>
+            <a:ext uri="{909E8E84-426E-40DD-AFC4-6F175D3DCCD1}">
+              <a14:hiddenFill xmlns:a14="http://schemas.microsoft.com/office/drawing/2010/main">
+                <a:solidFill>
+                  <a:srgbClr val="FFFFFF"/>
+                </a:solidFill>
+              </a14:hiddenFill>
+            </a:ext>
+          </a:extLst>
+        </p:spPr>
+      </p:pic>
+      <p:pic>
+        <p:nvPicPr>
+          <p:cNvPr id="2100" name="Picture 52">
+            <a:extLst>
+              <a:ext uri="{FF2B5EF4-FFF2-40B4-BE49-F238E27FC236}">
+                <a16:creationId xmlns:a16="http://schemas.microsoft.com/office/drawing/2014/main" id="{91183CB0-C67A-4DF1-9CD3-B590E835F530}"/>
+              </a:ext>
+            </a:extLst>
+          </p:cNvPr>
+          <p:cNvPicPr>
+            <a:picLocks noChangeAspect="1" noChangeArrowheads="1"/>
+          </p:cNvPicPr>
+          <p:nvPr/>
+        </p:nvPicPr>
+        <p:blipFill>
+          <a:blip r:embed="rId17">
+            <a:extLst>
+              <a:ext uri="{28A0092B-C50C-407E-A947-70E740481C1C}">
+                <a14:useLocalDpi xmlns:a14="http://schemas.microsoft.com/office/drawing/2010/main" val="0"/>
+              </a:ext>
+            </a:extLst>
+          </a:blip>
+          <a:srcRect/>
+          <a:stretch>
+            <a:fillRect/>
+          </a:stretch>
+        </p:blipFill>
+        <p:spPr bwMode="auto">
+          <a:xfrm>
+            <a:off x="199682" y="2209001"/>
+            <a:ext cx="482146" cy="482146"/>
+          </a:xfrm>
+          <a:prstGeom prst="rect">
+            <a:avLst/>
+          </a:prstGeom>
+          <a:noFill/>
+          <a:extLst>
+            <a:ext uri="{909E8E84-426E-40DD-AFC4-6F175D3DCCD1}">
+              <a14:hiddenFill xmlns:a14="http://schemas.microsoft.com/office/drawing/2010/main">
+                <a:solidFill>
+                  <a:srgbClr val="FFFFFF"/>
+                </a:solidFill>
+              </a14:hiddenFill>
+            </a:ext>
+          </a:extLst>
+        </p:spPr>
+      </p:pic>
+      <p:pic>
+        <p:nvPicPr>
+          <p:cNvPr id="2102" name="Picture 54">
+            <a:extLst>
+              <a:ext uri="{FF2B5EF4-FFF2-40B4-BE49-F238E27FC236}">
+                <a16:creationId xmlns:a16="http://schemas.microsoft.com/office/drawing/2014/main" id="{F5FCF680-66CC-45DA-B541-6D8CF2FDA34B}"/>
+              </a:ext>
+            </a:extLst>
+          </p:cNvPr>
+          <p:cNvPicPr>
+            <a:picLocks noChangeAspect="1" noChangeArrowheads="1"/>
+          </p:cNvPicPr>
+          <p:nvPr/>
+        </p:nvPicPr>
+        <p:blipFill>
+          <a:blip r:embed="rId18">
+            <a:extLst>
+              <a:ext uri="{28A0092B-C50C-407E-A947-70E740481C1C}">
+                <a14:useLocalDpi xmlns:a14="http://schemas.microsoft.com/office/drawing/2010/main" val="0"/>
+              </a:ext>
+            </a:extLst>
+          </a:blip>
+          <a:srcRect/>
+          <a:stretch>
+            <a:fillRect/>
+          </a:stretch>
+        </p:blipFill>
+        <p:spPr bwMode="auto">
+          <a:xfrm>
+            <a:off x="894313" y="2205457"/>
+            <a:ext cx="440334" cy="440334"/>
+          </a:xfrm>
+          <a:prstGeom prst="rect">
+            <a:avLst/>
+          </a:prstGeom>
+          <a:noFill/>
+          <a:extLst>
+            <a:ext uri="{909E8E84-426E-40DD-AFC4-6F175D3DCCD1}">
+              <a14:hiddenFill xmlns:a14="http://schemas.microsoft.com/office/drawing/2010/main">
+                <a:solidFill>
+                  <a:srgbClr val="FFFFFF"/>
+                </a:solidFill>
+              </a14:hiddenFill>
+            </a:ext>
+          </a:extLst>
+        </p:spPr>
+      </p:pic>
+      <p:pic>
+        <p:nvPicPr>
+          <p:cNvPr id="2104" name="Picture 56">
+            <a:extLst>
+              <a:ext uri="{FF2B5EF4-FFF2-40B4-BE49-F238E27FC236}">
+                <a16:creationId xmlns:a16="http://schemas.microsoft.com/office/drawing/2014/main" id="{6E15B42D-7F13-4594-8F77-F5EE706A904A}"/>
+              </a:ext>
+            </a:extLst>
+          </p:cNvPr>
+          <p:cNvPicPr>
+            <a:picLocks noChangeAspect="1" noChangeArrowheads="1"/>
+          </p:cNvPicPr>
+          <p:nvPr/>
+        </p:nvPicPr>
+        <p:blipFill>
+          <a:blip r:embed="rId19">
+            <a:extLst>
+              <a:ext uri="{28A0092B-C50C-407E-A947-70E740481C1C}">
+                <a14:useLocalDpi xmlns:a14="http://schemas.microsoft.com/office/drawing/2010/main" val="0"/>
+              </a:ext>
+            </a:extLst>
+          </a:blip>
+          <a:srcRect/>
+          <a:stretch>
+            <a:fillRect/>
+          </a:stretch>
+        </p:blipFill>
+        <p:spPr bwMode="auto">
+          <a:xfrm>
+            <a:off x="1545439" y="2162145"/>
+            <a:ext cx="536738" cy="536738"/>
+          </a:xfrm>
+          <a:prstGeom prst="rect">
+            <a:avLst/>
+          </a:prstGeom>
+          <a:noFill/>
+          <a:extLst>
+            <a:ext uri="{909E8E84-426E-40DD-AFC4-6F175D3DCCD1}">
+              <a14:hiddenFill xmlns:a14="http://schemas.microsoft.com/office/drawing/2010/main">
+                <a:solidFill>
+                  <a:srgbClr val="FFFFFF"/>
+                </a:solidFill>
+              </a14:hiddenFill>
+            </a:ext>
+          </a:extLst>
+        </p:spPr>
+      </p:pic>
+      <p:pic>
+        <p:nvPicPr>
+          <p:cNvPr id="2108" name="Picture 60">
+            <a:extLst>
+              <a:ext uri="{FF2B5EF4-FFF2-40B4-BE49-F238E27FC236}">
+                <a16:creationId xmlns:a16="http://schemas.microsoft.com/office/drawing/2014/main" id="{C3C55762-6638-47A4-8F33-F3E9C3C86D61}"/>
+              </a:ext>
+            </a:extLst>
+          </p:cNvPr>
+          <p:cNvPicPr>
+            <a:picLocks noChangeAspect="1" noChangeArrowheads="1"/>
+          </p:cNvPicPr>
+          <p:nvPr/>
+        </p:nvPicPr>
+        <p:blipFill rotWithShape="1">
+          <a:blip r:embed="rId20">
+            <a:extLst>
+              <a:ext uri="{28A0092B-C50C-407E-A947-70E740481C1C}">
+                <a14:useLocalDpi xmlns:a14="http://schemas.microsoft.com/office/drawing/2010/main" val="0"/>
+              </a:ext>
+            </a:extLst>
+          </a:blip>
+          <a:srcRect l="17991" r="17991"/>
+          <a:stretch/>
+        </p:blipFill>
+        <p:spPr bwMode="auto">
+          <a:xfrm>
+            <a:off x="2265968" y="2167754"/>
+            <a:ext cx="474248" cy="537969"/>
+          </a:xfrm>
+          <a:prstGeom prst="rect">
+            <a:avLst/>
+          </a:prstGeom>
+          <a:noFill/>
+          <a:extLst>
+            <a:ext uri="{909E8E84-426E-40DD-AFC4-6F175D3DCCD1}">
+              <a14:hiddenFill xmlns:a14="http://schemas.microsoft.com/office/drawing/2010/main">
+                <a:solidFill>
+                  <a:srgbClr val="FFFFFF"/>
+                </a:solidFill>
+              </a14:hiddenFill>
+            </a:ext>
+          </a:extLst>
+        </p:spPr>
+      </p:pic>
+      <p:pic>
+        <p:nvPicPr>
+          <p:cNvPr id="2110" name="Picture 62">
+            <a:extLst>
+              <a:ext uri="{FF2B5EF4-FFF2-40B4-BE49-F238E27FC236}">
+                <a16:creationId xmlns:a16="http://schemas.microsoft.com/office/drawing/2014/main" id="{889B1C9E-AA4E-40B6-8A89-112346AEC8D2}"/>
+              </a:ext>
+            </a:extLst>
+          </p:cNvPr>
+          <p:cNvPicPr>
+            <a:picLocks noChangeAspect="1" noChangeArrowheads="1"/>
+          </p:cNvPicPr>
+          <p:nvPr/>
+        </p:nvPicPr>
+        <p:blipFill>
+          <a:blip r:embed="rId21">
+            <a:extLst>
+              <a:ext uri="{28A0092B-C50C-407E-A947-70E740481C1C}">
+                <a14:useLocalDpi xmlns:a14="http://schemas.microsoft.com/office/drawing/2010/main" val="0"/>
+              </a:ext>
+            </a:extLst>
+          </a:blip>
+          <a:srcRect/>
+          <a:stretch>
+            <a:fillRect/>
+          </a:stretch>
+        </p:blipFill>
+        <p:spPr bwMode="auto">
+          <a:xfrm>
+            <a:off x="2955515" y="2185965"/>
+            <a:ext cx="501545" cy="501545"/>
+          </a:xfrm>
+          <a:prstGeom prst="rect">
+            <a:avLst/>
+          </a:prstGeom>
+          <a:noFill/>
+          <a:extLst>
+            <a:ext uri="{909E8E84-426E-40DD-AFC4-6F175D3DCCD1}">
+              <a14:hiddenFill xmlns:a14="http://schemas.microsoft.com/office/drawing/2010/main">
+                <a:solidFill>
+                  <a:srgbClr val="FFFFFF"/>
+                </a:solidFill>
+              </a14:hiddenFill>
+            </a:ext>
+          </a:extLst>
+        </p:spPr>
+      </p:pic>
+      <p:pic>
+        <p:nvPicPr>
+          <p:cNvPr id="2112" name="Picture 64">
+            <a:extLst>
+              <a:ext uri="{FF2B5EF4-FFF2-40B4-BE49-F238E27FC236}">
+                <a16:creationId xmlns:a16="http://schemas.microsoft.com/office/drawing/2014/main" id="{ED406A75-6223-44C7-9F8D-9F6F7F560924}"/>
+              </a:ext>
+            </a:extLst>
+          </p:cNvPr>
+          <p:cNvPicPr>
+            <a:picLocks noChangeAspect="1" noChangeArrowheads="1"/>
+          </p:cNvPicPr>
+          <p:nvPr/>
+        </p:nvPicPr>
+        <p:blipFill rotWithShape="1">
+          <a:blip r:embed="rId22">
+            <a:extLst>
+              <a:ext uri="{28A0092B-C50C-407E-A947-70E740481C1C}">
+                <a14:useLocalDpi xmlns:a14="http://schemas.microsoft.com/office/drawing/2010/main" val="0"/>
+              </a:ext>
+            </a:extLst>
+          </a:blip>
+          <a:srcRect t="33575" r="81384" b="33575"/>
+          <a:stretch/>
+        </p:blipFill>
+        <p:spPr bwMode="auto">
+          <a:xfrm>
+            <a:off x="187599" y="2770678"/>
+            <a:ext cx="494229" cy="545063"/>
+          </a:xfrm>
+          <a:prstGeom prst="rect">
+            <a:avLst/>
+          </a:prstGeom>
+          <a:noFill/>
+          <a:extLst>
+            <a:ext uri="{909E8E84-426E-40DD-AFC4-6F175D3DCCD1}">
+              <a14:hiddenFill xmlns:a14="http://schemas.microsoft.com/office/drawing/2010/main">
+                <a:solidFill>
+                  <a:srgbClr val="FFFFFF"/>
+                </a:solidFill>
+              </a14:hiddenFill>
+            </a:ext>
+          </a:extLst>
+        </p:spPr>
+      </p:pic>
+      <p:pic>
+        <p:nvPicPr>
+          <p:cNvPr id="2114" name="Picture 66">
+            <a:extLst>
+              <a:ext uri="{FF2B5EF4-FFF2-40B4-BE49-F238E27FC236}">
+                <a16:creationId xmlns:a16="http://schemas.microsoft.com/office/drawing/2014/main" id="{D7A1754E-9542-4AD3-B679-E949ADB25C9F}"/>
+              </a:ext>
+            </a:extLst>
+          </p:cNvPr>
+          <p:cNvPicPr>
+            <a:picLocks noChangeAspect="1" noChangeArrowheads="1"/>
+          </p:cNvPicPr>
+          <p:nvPr/>
+        </p:nvPicPr>
+        <p:blipFill>
+          <a:blip r:embed="rId23">
+            <a:extLst>
+              <a:ext uri="{28A0092B-C50C-407E-A947-70E740481C1C}">
+                <a14:useLocalDpi xmlns:a14="http://schemas.microsoft.com/office/drawing/2010/main" val="0"/>
+              </a:ext>
+            </a:extLst>
+          </a:blip>
+          <a:srcRect/>
+          <a:stretch>
+            <a:fillRect/>
+          </a:stretch>
+        </p:blipFill>
+        <p:spPr bwMode="auto">
+          <a:xfrm>
+            <a:off x="868475" y="2768945"/>
+            <a:ext cx="517914" cy="517914"/>
+          </a:xfrm>
+          <a:prstGeom prst="rect">
+            <a:avLst/>
+          </a:prstGeom>
+          <a:noFill/>
+          <a:extLst>
+            <a:ext uri="{909E8E84-426E-40DD-AFC4-6F175D3DCCD1}">
+              <a14:hiddenFill xmlns:a14="http://schemas.microsoft.com/office/drawing/2010/main">
+                <a:solidFill>
+                  <a:srgbClr val="FFFFFF"/>
+                </a:solidFill>
+              </a14:hiddenFill>
+            </a:ext>
+          </a:extLst>
+        </p:spPr>
+      </p:pic>
+      <p:pic>
+        <p:nvPicPr>
+          <p:cNvPr id="2116" name="Picture 68">
+            <a:extLst>
+              <a:ext uri="{FF2B5EF4-FFF2-40B4-BE49-F238E27FC236}">
+                <a16:creationId xmlns:a16="http://schemas.microsoft.com/office/drawing/2014/main" id="{B3434C78-BD57-4D73-9279-B54AEF907BCF}"/>
+              </a:ext>
+            </a:extLst>
+          </p:cNvPr>
+          <p:cNvPicPr>
+            <a:picLocks noChangeAspect="1" noChangeArrowheads="1"/>
+          </p:cNvPicPr>
+          <p:nvPr/>
+        </p:nvPicPr>
+        <p:blipFill>
+          <a:blip r:embed="rId24">
+            <a:extLst>
+              <a:ext uri="{28A0092B-C50C-407E-A947-70E740481C1C}">
+                <a14:useLocalDpi xmlns:a14="http://schemas.microsoft.com/office/drawing/2010/main" val="0"/>
+              </a:ext>
+            </a:extLst>
+          </a:blip>
+          <a:srcRect/>
+          <a:stretch>
+            <a:fillRect/>
+          </a:stretch>
+        </p:blipFill>
+        <p:spPr bwMode="auto">
+          <a:xfrm>
+            <a:off x="1560109" y="2871072"/>
+            <a:ext cx="462858" cy="344274"/>
+          </a:xfrm>
+          <a:prstGeom prst="rect">
+            <a:avLst/>
+          </a:prstGeom>
+          <a:noFill/>
+          <a:extLst>
+            <a:ext uri="{909E8E84-426E-40DD-AFC4-6F175D3DCCD1}">
+              <a14:hiddenFill xmlns:a14="http://schemas.microsoft.com/office/drawing/2010/main">
+                <a:solidFill>
+                  <a:srgbClr val="FFFFFF"/>
+                </a:solidFill>
+              </a14:hiddenFill>
+            </a:ext>
+          </a:extLst>
+        </p:spPr>
+      </p:pic>
+      <p:pic>
+        <p:nvPicPr>
+          <p:cNvPr id="2118" name="Picture 70">
+            <a:extLst>
+              <a:ext uri="{FF2B5EF4-FFF2-40B4-BE49-F238E27FC236}">
+                <a16:creationId xmlns:a16="http://schemas.microsoft.com/office/drawing/2014/main" id="{D3D17A7F-E109-4996-A519-68066D7E8264}"/>
+              </a:ext>
+            </a:extLst>
+          </p:cNvPr>
+          <p:cNvPicPr>
+            <a:picLocks noChangeAspect="1" noChangeArrowheads="1"/>
+          </p:cNvPicPr>
+          <p:nvPr/>
+        </p:nvPicPr>
+        <p:blipFill>
+          <a:blip r:embed="rId25">
+            <a:extLst>
+              <a:ext uri="{28A0092B-C50C-407E-A947-70E740481C1C}">
+                <a14:useLocalDpi xmlns:a14="http://schemas.microsoft.com/office/drawing/2010/main" val="0"/>
+              </a:ext>
+            </a:extLst>
+          </a:blip>
+          <a:srcRect/>
+          <a:stretch>
+            <a:fillRect/>
+          </a:stretch>
+        </p:blipFill>
+        <p:spPr bwMode="auto">
+          <a:xfrm>
+            <a:off x="2268643" y="2815286"/>
+            <a:ext cx="471573" cy="471573"/>
+          </a:xfrm>
+          <a:prstGeom prst="rect">
+            <a:avLst/>
+          </a:prstGeom>
+          <a:noFill/>
+          <a:extLst>
+            <a:ext uri="{909E8E84-426E-40DD-AFC4-6F175D3DCCD1}">
+              <a14:hiddenFill xmlns:a14="http://schemas.microsoft.com/office/drawing/2010/main">
+                <a:solidFill>
+                  <a:srgbClr val="FFFFFF"/>
+                </a:solidFill>
+              </a14:hiddenFill>
+            </a:ext>
+          </a:extLst>
+        </p:spPr>
+      </p:pic>
+      <p:pic>
+        <p:nvPicPr>
+          <p:cNvPr id="2120" name="Picture 72">
+            <a:extLst>
+              <a:ext uri="{FF2B5EF4-FFF2-40B4-BE49-F238E27FC236}">
+                <a16:creationId xmlns:a16="http://schemas.microsoft.com/office/drawing/2014/main" id="{3082D8B0-0F06-40AD-AD16-0C38ABD7FDCD}"/>
+              </a:ext>
+            </a:extLst>
+          </p:cNvPr>
+          <p:cNvPicPr>
+            <a:picLocks noChangeAspect="1" noChangeArrowheads="1"/>
+          </p:cNvPicPr>
+          <p:nvPr/>
+        </p:nvPicPr>
+        <p:blipFill>
+          <a:blip r:embed="rId26">
+            <a:extLst>
+              <a:ext uri="{28A0092B-C50C-407E-A947-70E740481C1C}">
+                <a14:useLocalDpi xmlns:a14="http://schemas.microsoft.com/office/drawing/2010/main" val="0"/>
+              </a:ext>
+            </a:extLst>
+          </a:blip>
+          <a:srcRect/>
+          <a:stretch>
+            <a:fillRect/>
+          </a:stretch>
+        </p:blipFill>
+        <p:spPr bwMode="auto">
+          <a:xfrm>
+            <a:off x="2920473" y="2808838"/>
+            <a:ext cx="546526" cy="406507"/>
+          </a:xfrm>
+          <a:prstGeom prst="rect">
+            <a:avLst/>
+          </a:prstGeom>
+          <a:noFill/>
+          <a:extLst>
+            <a:ext uri="{909E8E84-426E-40DD-AFC4-6F175D3DCCD1}">
+              <a14:hiddenFill xmlns:a14="http://schemas.microsoft.com/office/drawing/2010/main">
+                <a:solidFill>
+                  <a:srgbClr val="FFFFFF"/>
+                </a:solidFill>
+              </a14:hiddenFill>
+            </a:ext>
+          </a:extLst>
+        </p:spPr>
+      </p:pic>
+    </p:spTree>
+    <p:extLst>
+      <p:ext uri="{BB962C8B-B14F-4D97-AF65-F5344CB8AC3E}">
+        <p14:creationId xmlns:p14="http://schemas.microsoft.com/office/powerpoint/2010/main" val="2319247410"/>
+      </p:ext>
+    </p:extLst>
+  </p:cSld>
+  <p:clrMapOvr>
+    <a:masterClrMapping/>
+  </p:clrMapOvr>
+</p:sld>
+</file>
+
+<file path=ppt/slides/slide3.xml><?xml version="1.0" encoding="utf-8"?>
+<p:sld xmlns:a="http://schemas.openxmlformats.org/drawingml/2006/main" xmlns:r="http://schemas.openxmlformats.org/officeDocument/2006/relationships" xmlns:p="http://schemas.openxmlformats.org/presentationml/2006/main">
+  <p:cSld>
+    <p:spTree>
+      <p:nvGrpSpPr>
+        <p:cNvPr id="1" name=""/>
+        <p:cNvGrpSpPr/>
+        <p:nvPr/>
+      </p:nvGrpSpPr>
+      <p:grpSpPr>
+        <a:xfrm>
+          <a:off x="0" y="0"/>
+          <a:ext cx="0" cy="0"/>
+          <a:chOff x="0" y="0"/>
+          <a:chExt cx="0" cy="0"/>
+        </a:xfrm>
+      </p:grpSpPr>
+      <p:sp>
+        <p:nvSpPr>
+          <p:cNvPr id="4" name="矩形 3">
+            <a:extLst>
+              <a:ext uri="{FF2B5EF4-FFF2-40B4-BE49-F238E27FC236}">
+                <a16:creationId xmlns:a16="http://schemas.microsoft.com/office/drawing/2014/main" id="{4B6A3EA0-EA2F-4118-AC31-A53F87B1A959}"/>
+              </a:ext>
+            </a:extLst>
+          </p:cNvPr>
+          <p:cNvSpPr/>
+          <p:nvPr/>
+        </p:nvSpPr>
+        <p:spPr>
+          <a:xfrm>
+            <a:off x="157395" y="289809"/>
+            <a:ext cx="554637" cy="554637"/>
+          </a:xfrm>
+          <a:prstGeom prst="rect">
+            <a:avLst/>
+          </a:prstGeom>
+          <a:solidFill>
+            <a:schemeClr val="tx1"/>
+          </a:solidFill>
+          <a:ln>
+            <a:noFill/>
+          </a:ln>
+        </p:spPr>
+        <p:style>
+          <a:lnRef idx="2">
+            <a:schemeClr val="accent1">
+              <a:shade val="50000"/>
+            </a:schemeClr>
+          </a:lnRef>
+          <a:fillRef idx="1">
+            <a:schemeClr val="accent1"/>
+          </a:fillRef>
+          <a:effectRef idx="0">
+            <a:schemeClr val="accent1"/>
+          </a:effectRef>
+          <a:fontRef idx="minor">
+            <a:schemeClr val="lt1"/>
+          </a:fontRef>
+        </p:style>
+        <p:txBody>
+          <a:bodyPr rtlCol="0" anchor="ctr"/>
+          <a:lstStyle/>
+          <a:p>
+            <a:pPr algn="ctr"/>
+            <a:endParaRPr lang="zh-CN" altLang="en-US"/>
+          </a:p>
+        </p:txBody>
+      </p:sp>
+      <p:sp>
+        <p:nvSpPr>
+          <p:cNvPr id="5" name="矩形 4">
+            <a:extLst>
+              <a:ext uri="{FF2B5EF4-FFF2-40B4-BE49-F238E27FC236}">
+                <a16:creationId xmlns:a16="http://schemas.microsoft.com/office/drawing/2014/main" id="{562BA60E-1739-4D2A-9B0B-98D8B47FA23E}"/>
+              </a:ext>
+            </a:extLst>
+          </p:cNvPr>
+          <p:cNvSpPr/>
+          <p:nvPr/>
+        </p:nvSpPr>
+        <p:spPr>
+          <a:xfrm>
+            <a:off x="846942" y="289809"/>
+            <a:ext cx="554637" cy="554637"/>
+          </a:xfrm>
+          <a:prstGeom prst="rect">
+            <a:avLst/>
+          </a:prstGeom>
+          <a:solidFill>
+            <a:schemeClr val="tx1"/>
+          </a:solidFill>
+          <a:ln>
+            <a:noFill/>
+          </a:ln>
+        </p:spPr>
+        <p:style>
+          <a:lnRef idx="2">
+            <a:schemeClr val="accent1">
+              <a:shade val="50000"/>
+            </a:schemeClr>
+          </a:lnRef>
+          <a:fillRef idx="1">
+            <a:schemeClr val="accent1"/>
+          </a:fillRef>
+          <a:effectRef idx="0">
+            <a:schemeClr val="accent1"/>
+          </a:effectRef>
+          <a:fontRef idx="minor">
+            <a:schemeClr val="lt1"/>
+          </a:fontRef>
+        </p:style>
+        <p:txBody>
+          <a:bodyPr rtlCol="0" anchor="ctr"/>
+          <a:lstStyle/>
+          <a:p>
+            <a:pPr algn="ctr"/>
+            <a:endParaRPr lang="zh-CN" altLang="en-US" dirty="0"/>
+          </a:p>
+        </p:txBody>
+      </p:sp>
+      <p:sp>
+        <p:nvSpPr>
+          <p:cNvPr id="6" name="矩形 5">
+            <a:extLst>
+              <a:ext uri="{FF2B5EF4-FFF2-40B4-BE49-F238E27FC236}">
+                <a16:creationId xmlns:a16="http://schemas.microsoft.com/office/drawing/2014/main" id="{428B6E96-377D-4C70-968B-5E5BC3ADDFB4}"/>
+              </a:ext>
+            </a:extLst>
+          </p:cNvPr>
+          <p:cNvSpPr/>
+          <p:nvPr/>
+        </p:nvSpPr>
+        <p:spPr>
+          <a:xfrm>
+            <a:off x="1536489" y="292307"/>
+            <a:ext cx="554637" cy="554637"/>
+          </a:xfrm>
+          <a:prstGeom prst="rect">
+            <a:avLst/>
+          </a:prstGeom>
+          <a:solidFill>
+            <a:schemeClr val="tx1"/>
+          </a:solidFill>
+          <a:ln>
+            <a:noFill/>
+          </a:ln>
+        </p:spPr>
+        <p:style>
+          <a:lnRef idx="2">
+            <a:schemeClr val="accent1">
+              <a:shade val="50000"/>
+            </a:schemeClr>
+          </a:lnRef>
+          <a:fillRef idx="1">
+            <a:schemeClr val="accent1"/>
+          </a:fillRef>
+          <a:effectRef idx="0">
+            <a:schemeClr val="accent1"/>
+          </a:effectRef>
+          <a:fontRef idx="minor">
+            <a:schemeClr val="lt1"/>
+          </a:fontRef>
+        </p:style>
+        <p:txBody>
+          <a:bodyPr rtlCol="0" anchor="ctr"/>
+          <a:lstStyle/>
+          <a:p>
+            <a:pPr algn="ctr"/>
+            <a:endParaRPr lang="zh-CN" altLang="en-US" dirty="0"/>
+          </a:p>
+        </p:txBody>
+      </p:sp>
+      <p:sp>
+        <p:nvSpPr>
+          <p:cNvPr id="7" name="矩形 6">
+            <a:extLst>
+              <a:ext uri="{FF2B5EF4-FFF2-40B4-BE49-F238E27FC236}">
+                <a16:creationId xmlns:a16="http://schemas.microsoft.com/office/drawing/2014/main" id="{51C6EBFE-C566-42FB-B1A8-FD264B541A36}"/>
+              </a:ext>
+            </a:extLst>
+          </p:cNvPr>
+          <p:cNvSpPr/>
+          <p:nvPr/>
+        </p:nvSpPr>
+        <p:spPr>
+          <a:xfrm>
+            <a:off x="2226036" y="289809"/>
+            <a:ext cx="554637" cy="554637"/>
+          </a:xfrm>
+          <a:prstGeom prst="rect">
+            <a:avLst/>
+          </a:prstGeom>
+          <a:solidFill>
+            <a:schemeClr val="tx1"/>
+          </a:solidFill>
+          <a:ln>
+            <a:noFill/>
+          </a:ln>
+        </p:spPr>
+        <p:style>
+          <a:lnRef idx="2">
+            <a:schemeClr val="accent1">
+              <a:shade val="50000"/>
+            </a:schemeClr>
+          </a:lnRef>
+          <a:fillRef idx="1">
+            <a:schemeClr val="accent1"/>
+          </a:fillRef>
+          <a:effectRef idx="0">
+            <a:schemeClr val="accent1"/>
+          </a:effectRef>
+          <a:fontRef idx="minor">
+            <a:schemeClr val="lt1"/>
+          </a:fontRef>
+        </p:style>
+        <p:txBody>
+          <a:bodyPr rtlCol="0" anchor="ctr"/>
+          <a:lstStyle/>
+          <a:p>
+            <a:pPr algn="ctr"/>
+            <a:endParaRPr lang="zh-CN" altLang="en-US"/>
+          </a:p>
+        </p:txBody>
+      </p:sp>
+      <p:sp>
+        <p:nvSpPr>
+          <p:cNvPr id="8" name="矩形 7">
+            <a:extLst>
+              <a:ext uri="{FF2B5EF4-FFF2-40B4-BE49-F238E27FC236}">
+                <a16:creationId xmlns:a16="http://schemas.microsoft.com/office/drawing/2014/main" id="{FE04E00E-C242-47C1-8014-C24AE13535F4}"/>
+              </a:ext>
+            </a:extLst>
+          </p:cNvPr>
+          <p:cNvSpPr/>
+          <p:nvPr/>
+        </p:nvSpPr>
+        <p:spPr>
+          <a:xfrm>
+            <a:off x="2915583" y="289809"/>
+            <a:ext cx="554637" cy="554637"/>
+          </a:xfrm>
+          <a:prstGeom prst="rect">
+            <a:avLst/>
+          </a:prstGeom>
+          <a:solidFill>
+            <a:schemeClr val="tx1"/>
+          </a:solidFill>
+          <a:ln>
+            <a:noFill/>
+          </a:ln>
+        </p:spPr>
+        <p:style>
+          <a:lnRef idx="2">
+            <a:schemeClr val="accent1">
+              <a:shade val="50000"/>
+            </a:schemeClr>
+          </a:lnRef>
+          <a:fillRef idx="1">
+            <a:schemeClr val="accent1"/>
+          </a:fillRef>
+          <a:effectRef idx="0">
+            <a:schemeClr val="accent1"/>
+          </a:effectRef>
+          <a:fontRef idx="minor">
+            <a:schemeClr val="lt1"/>
+          </a:fontRef>
+        </p:style>
+        <p:txBody>
+          <a:bodyPr rtlCol="0" anchor="ctr"/>
+          <a:lstStyle/>
+          <a:p>
+            <a:pPr algn="ctr"/>
+            <a:endParaRPr lang="zh-CN" altLang="en-US"/>
+          </a:p>
+        </p:txBody>
+      </p:sp>
+      <p:sp>
+        <p:nvSpPr>
+          <p:cNvPr id="9" name="矩形 8">
+            <a:extLst>
+              <a:ext uri="{FF2B5EF4-FFF2-40B4-BE49-F238E27FC236}">
+                <a16:creationId xmlns:a16="http://schemas.microsoft.com/office/drawing/2014/main" id="{0CB4B264-6FCA-46B9-AFD7-A465EBB76D85}"/>
+              </a:ext>
+            </a:extLst>
+          </p:cNvPr>
+          <p:cNvSpPr/>
+          <p:nvPr/>
+        </p:nvSpPr>
+        <p:spPr>
+          <a:xfrm>
+            <a:off x="157395" y="909402"/>
+            <a:ext cx="554637" cy="554637"/>
+          </a:xfrm>
+          <a:prstGeom prst="rect">
+            <a:avLst/>
+          </a:prstGeom>
+          <a:solidFill>
+            <a:schemeClr val="tx1"/>
+          </a:solidFill>
+          <a:ln>
+            <a:noFill/>
+          </a:ln>
+        </p:spPr>
+        <p:style>
+          <a:lnRef idx="2">
+            <a:schemeClr val="accent1">
+              <a:shade val="50000"/>
+            </a:schemeClr>
+          </a:lnRef>
+          <a:fillRef idx="1">
+            <a:schemeClr val="accent1"/>
+          </a:fillRef>
+          <a:effectRef idx="0">
+            <a:schemeClr val="accent1"/>
+          </a:effectRef>
+          <a:fontRef idx="minor">
+            <a:schemeClr val="lt1"/>
+          </a:fontRef>
+        </p:style>
+        <p:txBody>
+          <a:bodyPr rtlCol="0" anchor="ctr"/>
+          <a:lstStyle/>
+          <a:p>
+            <a:pPr algn="ctr"/>
+            <a:endParaRPr lang="zh-CN" altLang="en-US" dirty="0"/>
+          </a:p>
+        </p:txBody>
+      </p:sp>
+      <p:sp>
+        <p:nvSpPr>
+          <p:cNvPr id="10" name="矩形 9">
+            <a:extLst>
+              <a:ext uri="{FF2B5EF4-FFF2-40B4-BE49-F238E27FC236}">
+                <a16:creationId xmlns:a16="http://schemas.microsoft.com/office/drawing/2014/main" id="{4802AAAA-3166-46BB-BA77-BB5A528FEED6}"/>
+              </a:ext>
+            </a:extLst>
+          </p:cNvPr>
+          <p:cNvSpPr/>
+          <p:nvPr/>
+        </p:nvSpPr>
+        <p:spPr>
+          <a:xfrm>
+            <a:off x="846942" y="909402"/>
+            <a:ext cx="554637" cy="554637"/>
+          </a:xfrm>
+          <a:prstGeom prst="rect">
+            <a:avLst/>
+          </a:prstGeom>
+          <a:solidFill>
+            <a:schemeClr val="tx1"/>
+          </a:solidFill>
+          <a:ln>
+            <a:noFill/>
+          </a:ln>
+        </p:spPr>
+        <p:style>
+          <a:lnRef idx="2">
+            <a:schemeClr val="accent1">
+              <a:shade val="50000"/>
+            </a:schemeClr>
+          </a:lnRef>
+          <a:fillRef idx="1">
+            <a:schemeClr val="accent1"/>
+          </a:fillRef>
+          <a:effectRef idx="0">
+            <a:schemeClr val="accent1"/>
+          </a:effectRef>
+          <a:fontRef idx="minor">
+            <a:schemeClr val="lt1"/>
+          </a:fontRef>
+        </p:style>
+        <p:txBody>
+          <a:bodyPr rtlCol="0" anchor="ctr"/>
+          <a:lstStyle/>
+          <a:p>
+            <a:pPr algn="ctr"/>
+            <a:endParaRPr lang="zh-CN" altLang="en-US" dirty="0"/>
+          </a:p>
+        </p:txBody>
+      </p:sp>
+      <p:sp>
+        <p:nvSpPr>
+          <p:cNvPr id="11" name="矩形 10">
+            <a:extLst>
+              <a:ext uri="{FF2B5EF4-FFF2-40B4-BE49-F238E27FC236}">
+                <a16:creationId xmlns:a16="http://schemas.microsoft.com/office/drawing/2014/main" id="{86E53BFC-9145-415C-80CC-EC608471974C}"/>
+              </a:ext>
+            </a:extLst>
+          </p:cNvPr>
+          <p:cNvSpPr/>
+          <p:nvPr/>
+        </p:nvSpPr>
+        <p:spPr>
+          <a:xfrm>
+            <a:off x="1536489" y="911900"/>
+            <a:ext cx="554637" cy="554637"/>
+          </a:xfrm>
+          <a:prstGeom prst="rect">
+            <a:avLst/>
+          </a:prstGeom>
+          <a:solidFill>
+            <a:schemeClr val="tx1"/>
+          </a:solidFill>
+          <a:ln>
+            <a:noFill/>
+          </a:ln>
+        </p:spPr>
+        <p:style>
+          <a:lnRef idx="2">
+            <a:schemeClr val="accent1">
+              <a:shade val="50000"/>
+            </a:schemeClr>
+          </a:lnRef>
+          <a:fillRef idx="1">
+            <a:schemeClr val="accent1"/>
+          </a:fillRef>
+          <a:effectRef idx="0">
+            <a:schemeClr val="accent1"/>
+          </a:effectRef>
+          <a:fontRef idx="minor">
+            <a:schemeClr val="lt1"/>
+          </a:fontRef>
+        </p:style>
+        <p:txBody>
+          <a:bodyPr rtlCol="0" anchor="ctr"/>
+          <a:lstStyle/>
+          <a:p>
+            <a:pPr algn="ctr"/>
+            <a:endParaRPr lang="zh-CN" altLang="en-US"/>
+          </a:p>
+        </p:txBody>
+      </p:sp>
+      <p:sp>
+        <p:nvSpPr>
+          <p:cNvPr id="12" name="矩形 11">
+            <a:extLst>
+              <a:ext uri="{FF2B5EF4-FFF2-40B4-BE49-F238E27FC236}">
+                <a16:creationId xmlns:a16="http://schemas.microsoft.com/office/drawing/2014/main" id="{564E6D32-4661-48D3-9B11-DA6F3723E58D}"/>
+              </a:ext>
+            </a:extLst>
+          </p:cNvPr>
+          <p:cNvSpPr/>
+          <p:nvPr/>
+        </p:nvSpPr>
+        <p:spPr>
+          <a:xfrm>
+            <a:off x="2226036" y="909402"/>
+            <a:ext cx="554637" cy="554637"/>
+          </a:xfrm>
+          <a:prstGeom prst="rect">
+            <a:avLst/>
+          </a:prstGeom>
+          <a:solidFill>
+            <a:schemeClr val="tx1"/>
+          </a:solidFill>
+          <a:ln>
+            <a:noFill/>
+          </a:ln>
+        </p:spPr>
+        <p:style>
+          <a:lnRef idx="2">
+            <a:schemeClr val="accent1">
+              <a:shade val="50000"/>
+            </a:schemeClr>
+          </a:lnRef>
+          <a:fillRef idx="1">
+            <a:schemeClr val="accent1"/>
+          </a:fillRef>
+          <a:effectRef idx="0">
+            <a:schemeClr val="accent1"/>
+          </a:effectRef>
+          <a:fontRef idx="minor">
+            <a:schemeClr val="lt1"/>
+          </a:fontRef>
+        </p:style>
+        <p:txBody>
+          <a:bodyPr rtlCol="0" anchor="ctr"/>
+          <a:lstStyle/>
+          <a:p>
+            <a:pPr algn="ctr"/>
+            <a:endParaRPr lang="zh-CN" altLang="en-US"/>
+          </a:p>
+        </p:txBody>
+      </p:sp>
+      <p:sp>
+        <p:nvSpPr>
+          <p:cNvPr id="13" name="矩形 12">
+            <a:extLst>
+              <a:ext uri="{FF2B5EF4-FFF2-40B4-BE49-F238E27FC236}">
+                <a16:creationId xmlns:a16="http://schemas.microsoft.com/office/drawing/2014/main" id="{0A8318E4-DB05-4180-82C0-22368200204B}"/>
+              </a:ext>
+            </a:extLst>
+          </p:cNvPr>
+          <p:cNvSpPr/>
+          <p:nvPr/>
+        </p:nvSpPr>
+        <p:spPr>
+          <a:xfrm>
+            <a:off x="2915583" y="909402"/>
+            <a:ext cx="554637" cy="554637"/>
+          </a:xfrm>
+          <a:prstGeom prst="rect">
+            <a:avLst/>
+          </a:prstGeom>
+          <a:solidFill>
+            <a:schemeClr val="tx1"/>
+          </a:solidFill>
+          <a:ln>
+            <a:noFill/>
+          </a:ln>
+        </p:spPr>
+        <p:style>
+          <a:lnRef idx="2">
+            <a:schemeClr val="accent1">
+              <a:shade val="50000"/>
+            </a:schemeClr>
+          </a:lnRef>
+          <a:fillRef idx="1">
+            <a:schemeClr val="accent1"/>
+          </a:fillRef>
+          <a:effectRef idx="0">
+            <a:schemeClr val="accent1"/>
+          </a:effectRef>
+          <a:fontRef idx="minor">
+            <a:schemeClr val="lt1"/>
+          </a:fontRef>
+        </p:style>
+        <p:txBody>
+          <a:bodyPr rtlCol="0" anchor="ctr"/>
+          <a:lstStyle/>
+          <a:p>
+            <a:pPr algn="ctr"/>
+            <a:endParaRPr lang="zh-CN" altLang="en-US"/>
+          </a:p>
+        </p:txBody>
+      </p:sp>
+      <p:sp>
+        <p:nvSpPr>
+          <p:cNvPr id="14" name="矩形 13">
+            <a:extLst>
+              <a:ext uri="{FF2B5EF4-FFF2-40B4-BE49-F238E27FC236}">
+                <a16:creationId xmlns:a16="http://schemas.microsoft.com/office/drawing/2014/main" id="{05463C1E-D282-4E1D-BB7A-1BA940D1C547}"/>
+              </a:ext>
+            </a:extLst>
+          </p:cNvPr>
+          <p:cNvSpPr/>
+          <p:nvPr/>
+        </p:nvSpPr>
+        <p:spPr>
+          <a:xfrm>
+            <a:off x="157395" y="1528995"/>
+            <a:ext cx="554637" cy="554637"/>
+          </a:xfrm>
+          <a:prstGeom prst="rect">
+            <a:avLst/>
+          </a:prstGeom>
+          <a:solidFill>
+            <a:schemeClr val="tx1"/>
+          </a:solidFill>
+          <a:ln>
+            <a:noFill/>
+          </a:ln>
+        </p:spPr>
+        <p:style>
+          <a:lnRef idx="2">
+            <a:schemeClr val="accent1">
+              <a:shade val="50000"/>
+            </a:schemeClr>
+          </a:lnRef>
+          <a:fillRef idx="1">
+            <a:schemeClr val="accent1"/>
+          </a:fillRef>
+          <a:effectRef idx="0">
+            <a:schemeClr val="accent1"/>
+          </a:effectRef>
+          <a:fontRef idx="minor">
+            <a:schemeClr val="lt1"/>
+          </a:fontRef>
+        </p:style>
+        <p:txBody>
+          <a:bodyPr rtlCol="0" anchor="ctr"/>
+          <a:lstStyle/>
+          <a:p>
+            <a:pPr algn="ctr"/>
+            <a:endParaRPr lang="zh-CN" altLang="en-US" dirty="0"/>
+          </a:p>
+        </p:txBody>
+      </p:sp>
+      <p:sp>
+        <p:nvSpPr>
+          <p:cNvPr id="15" name="矩形 14">
+            <a:extLst>
+              <a:ext uri="{FF2B5EF4-FFF2-40B4-BE49-F238E27FC236}">
+                <a16:creationId xmlns:a16="http://schemas.microsoft.com/office/drawing/2014/main" id="{53DEB41E-B962-4CBF-AB96-C08991C65A7F}"/>
+              </a:ext>
+            </a:extLst>
+          </p:cNvPr>
+          <p:cNvSpPr/>
+          <p:nvPr/>
+        </p:nvSpPr>
+        <p:spPr>
+          <a:xfrm>
+            <a:off x="846942" y="1528995"/>
+            <a:ext cx="554637" cy="554637"/>
+          </a:xfrm>
+          <a:prstGeom prst="rect">
+            <a:avLst/>
+          </a:prstGeom>
+          <a:solidFill>
+            <a:schemeClr val="tx1"/>
+          </a:solidFill>
+          <a:ln>
+            <a:noFill/>
+          </a:ln>
+        </p:spPr>
+        <p:style>
+          <a:lnRef idx="2">
+            <a:schemeClr val="accent1">
+              <a:shade val="50000"/>
+            </a:schemeClr>
+          </a:lnRef>
+          <a:fillRef idx="1">
+            <a:schemeClr val="accent1"/>
+          </a:fillRef>
+          <a:effectRef idx="0">
+            <a:schemeClr val="accent1"/>
+          </a:effectRef>
+          <a:fontRef idx="minor">
+            <a:schemeClr val="lt1"/>
+          </a:fontRef>
+        </p:style>
+        <p:txBody>
+          <a:bodyPr rtlCol="0" anchor="ctr"/>
+          <a:lstStyle/>
+          <a:p>
+            <a:pPr algn="ctr"/>
+            <a:endParaRPr lang="zh-CN" altLang="en-US" dirty="0"/>
+          </a:p>
+        </p:txBody>
+      </p:sp>
+      <p:sp>
+        <p:nvSpPr>
+          <p:cNvPr id="16" name="矩形 15">
+            <a:extLst>
+              <a:ext uri="{FF2B5EF4-FFF2-40B4-BE49-F238E27FC236}">
+                <a16:creationId xmlns:a16="http://schemas.microsoft.com/office/drawing/2014/main" id="{54C6CF70-FBB2-4056-BBFD-92592C5B1C10}"/>
+              </a:ext>
+            </a:extLst>
+          </p:cNvPr>
+          <p:cNvSpPr/>
+          <p:nvPr/>
+        </p:nvSpPr>
+        <p:spPr>
+          <a:xfrm>
+            <a:off x="1536489" y="1531493"/>
+            <a:ext cx="554637" cy="554637"/>
+          </a:xfrm>
+          <a:prstGeom prst="rect">
+            <a:avLst/>
+          </a:prstGeom>
+          <a:solidFill>
+            <a:schemeClr val="tx1"/>
+          </a:solidFill>
+          <a:ln>
+            <a:noFill/>
+          </a:ln>
+        </p:spPr>
+        <p:style>
+          <a:lnRef idx="2">
+            <a:schemeClr val="accent1">
+              <a:shade val="50000"/>
+            </a:schemeClr>
+          </a:lnRef>
+          <a:fillRef idx="1">
+            <a:schemeClr val="accent1"/>
+          </a:fillRef>
+          <a:effectRef idx="0">
+            <a:schemeClr val="accent1"/>
+          </a:effectRef>
+          <a:fontRef idx="minor">
+            <a:schemeClr val="lt1"/>
+          </a:fontRef>
+        </p:style>
+        <p:txBody>
+          <a:bodyPr rtlCol="0" anchor="ctr"/>
+          <a:lstStyle/>
+          <a:p>
+            <a:pPr algn="ctr"/>
+            <a:endParaRPr lang="zh-CN" altLang="en-US" dirty="0"/>
+          </a:p>
+        </p:txBody>
+      </p:sp>
+      <p:sp>
+        <p:nvSpPr>
+          <p:cNvPr id="17" name="矩形 16">
+            <a:extLst>
+              <a:ext uri="{FF2B5EF4-FFF2-40B4-BE49-F238E27FC236}">
+                <a16:creationId xmlns:a16="http://schemas.microsoft.com/office/drawing/2014/main" id="{E13FCCE0-12BB-4846-ABA9-FA1E3E3546C5}"/>
+              </a:ext>
+            </a:extLst>
+          </p:cNvPr>
+          <p:cNvSpPr/>
+          <p:nvPr/>
+        </p:nvSpPr>
+        <p:spPr>
+          <a:xfrm>
+            <a:off x="2226036" y="1528995"/>
+            <a:ext cx="554637" cy="554637"/>
+          </a:xfrm>
+          <a:prstGeom prst="rect">
+            <a:avLst/>
+          </a:prstGeom>
+          <a:solidFill>
+            <a:schemeClr val="tx1"/>
+          </a:solidFill>
+          <a:ln>
+            <a:noFill/>
+          </a:ln>
+        </p:spPr>
+        <p:style>
+          <a:lnRef idx="2">
+            <a:schemeClr val="accent1">
+              <a:shade val="50000"/>
+            </a:schemeClr>
+          </a:lnRef>
+          <a:fillRef idx="1">
+            <a:schemeClr val="accent1"/>
+          </a:fillRef>
+          <a:effectRef idx="0">
+            <a:schemeClr val="accent1"/>
+          </a:effectRef>
+          <a:fontRef idx="minor">
+            <a:schemeClr val="lt1"/>
+          </a:fontRef>
+        </p:style>
+        <p:txBody>
+          <a:bodyPr rtlCol="0" anchor="ctr"/>
+          <a:lstStyle/>
+          <a:p>
+            <a:pPr algn="ctr"/>
+            <a:endParaRPr lang="zh-CN" altLang="en-US"/>
+          </a:p>
+        </p:txBody>
+      </p:sp>
+      <p:sp>
+        <p:nvSpPr>
+          <p:cNvPr id="18" name="矩形 17">
+            <a:extLst>
+              <a:ext uri="{FF2B5EF4-FFF2-40B4-BE49-F238E27FC236}">
+                <a16:creationId xmlns:a16="http://schemas.microsoft.com/office/drawing/2014/main" id="{2082353D-0B67-48A6-A5BF-33F9236FE2E5}"/>
+              </a:ext>
+            </a:extLst>
+          </p:cNvPr>
+          <p:cNvSpPr/>
+          <p:nvPr/>
+        </p:nvSpPr>
+        <p:spPr>
+          <a:xfrm>
+            <a:off x="2915583" y="1528995"/>
+            <a:ext cx="554637" cy="554637"/>
+          </a:xfrm>
+          <a:prstGeom prst="rect">
+            <a:avLst/>
+          </a:prstGeom>
+          <a:solidFill>
+            <a:schemeClr val="tx1"/>
+          </a:solidFill>
+          <a:ln>
+            <a:noFill/>
+          </a:ln>
+        </p:spPr>
+        <p:style>
+          <a:lnRef idx="2">
+            <a:schemeClr val="accent1">
+              <a:shade val="50000"/>
+            </a:schemeClr>
+          </a:lnRef>
+          <a:fillRef idx="1">
+            <a:schemeClr val="accent1"/>
+          </a:fillRef>
+          <a:effectRef idx="0">
+            <a:schemeClr val="accent1"/>
+          </a:effectRef>
+          <a:fontRef idx="minor">
+            <a:schemeClr val="lt1"/>
+          </a:fontRef>
+        </p:style>
+        <p:txBody>
+          <a:bodyPr rtlCol="0" anchor="ctr"/>
+          <a:lstStyle/>
+          <a:p>
+            <a:pPr algn="ctr"/>
+            <a:endParaRPr lang="zh-CN" altLang="en-US"/>
+          </a:p>
+        </p:txBody>
+      </p:sp>
+      <p:sp>
+        <p:nvSpPr>
+          <p:cNvPr id="19" name="矩形 18">
+            <a:extLst>
+              <a:ext uri="{FF2B5EF4-FFF2-40B4-BE49-F238E27FC236}">
+                <a16:creationId xmlns:a16="http://schemas.microsoft.com/office/drawing/2014/main" id="{EFA50990-19C8-4B96-A446-8915B9B67BD7}"/>
+              </a:ext>
+            </a:extLst>
+          </p:cNvPr>
+          <p:cNvSpPr/>
+          <p:nvPr/>
+        </p:nvSpPr>
+        <p:spPr>
+          <a:xfrm>
+            <a:off x="157395" y="2148588"/>
+            <a:ext cx="554637" cy="554637"/>
+          </a:xfrm>
+          <a:prstGeom prst="rect">
+            <a:avLst/>
+          </a:prstGeom>
+          <a:solidFill>
+            <a:schemeClr val="tx1"/>
+          </a:solidFill>
+          <a:ln>
+            <a:noFill/>
+          </a:ln>
+        </p:spPr>
+        <p:style>
+          <a:lnRef idx="2">
+            <a:schemeClr val="accent1">
+              <a:shade val="50000"/>
+            </a:schemeClr>
+          </a:lnRef>
+          <a:fillRef idx="1">
+            <a:schemeClr val="accent1"/>
+          </a:fillRef>
+          <a:effectRef idx="0">
+            <a:schemeClr val="accent1"/>
+          </a:effectRef>
+          <a:fontRef idx="minor">
+            <a:schemeClr val="lt1"/>
+          </a:fontRef>
+        </p:style>
+        <p:txBody>
+          <a:bodyPr rtlCol="0" anchor="ctr"/>
+          <a:lstStyle/>
+          <a:p>
+            <a:pPr algn="ctr"/>
+            <a:endParaRPr lang="zh-CN" altLang="en-US" dirty="0"/>
+          </a:p>
+        </p:txBody>
+      </p:sp>
+      <p:sp>
+        <p:nvSpPr>
+          <p:cNvPr id="20" name="矩形 19">
+            <a:extLst>
+              <a:ext uri="{FF2B5EF4-FFF2-40B4-BE49-F238E27FC236}">
+                <a16:creationId xmlns:a16="http://schemas.microsoft.com/office/drawing/2014/main" id="{E31FC630-9F49-4348-A99D-91BC522C2B54}"/>
+              </a:ext>
+            </a:extLst>
+          </p:cNvPr>
+          <p:cNvSpPr/>
+          <p:nvPr/>
+        </p:nvSpPr>
+        <p:spPr>
+          <a:xfrm>
+            <a:off x="846942" y="2148588"/>
+            <a:ext cx="554637" cy="554637"/>
+          </a:xfrm>
+          <a:prstGeom prst="rect">
+            <a:avLst/>
+          </a:prstGeom>
+          <a:solidFill>
+            <a:schemeClr val="tx1"/>
+          </a:solidFill>
+          <a:ln>
+            <a:noFill/>
+          </a:ln>
+        </p:spPr>
+        <p:style>
+          <a:lnRef idx="2">
+            <a:schemeClr val="accent1">
+              <a:shade val="50000"/>
+            </a:schemeClr>
+          </a:lnRef>
+          <a:fillRef idx="1">
+            <a:schemeClr val="accent1"/>
+          </a:fillRef>
+          <a:effectRef idx="0">
+            <a:schemeClr val="accent1"/>
+          </a:effectRef>
+          <a:fontRef idx="minor">
+            <a:schemeClr val="lt1"/>
+          </a:fontRef>
+        </p:style>
+        <p:txBody>
+          <a:bodyPr rtlCol="0" anchor="ctr"/>
+          <a:lstStyle/>
+          <a:p>
+            <a:pPr algn="ctr"/>
+            <a:endParaRPr lang="zh-CN" altLang="en-US" dirty="0"/>
+          </a:p>
+        </p:txBody>
+      </p:sp>
+      <p:sp>
+        <p:nvSpPr>
+          <p:cNvPr id="21" name="矩形 20">
+            <a:extLst>
+              <a:ext uri="{FF2B5EF4-FFF2-40B4-BE49-F238E27FC236}">
+                <a16:creationId xmlns:a16="http://schemas.microsoft.com/office/drawing/2014/main" id="{ED3B4B37-535C-41FA-8190-5F1ECCC99053}"/>
+              </a:ext>
+            </a:extLst>
+          </p:cNvPr>
+          <p:cNvSpPr/>
+          <p:nvPr/>
+        </p:nvSpPr>
+        <p:spPr>
+          <a:xfrm>
+            <a:off x="1536489" y="2151086"/>
+            <a:ext cx="554637" cy="554637"/>
+          </a:xfrm>
+          <a:prstGeom prst="rect">
+            <a:avLst/>
+          </a:prstGeom>
+          <a:solidFill>
+            <a:schemeClr val="tx1"/>
+          </a:solidFill>
+          <a:ln>
+            <a:noFill/>
+          </a:ln>
+        </p:spPr>
+        <p:style>
+          <a:lnRef idx="2">
+            <a:schemeClr val="accent1">
+              <a:shade val="50000"/>
+            </a:schemeClr>
+          </a:lnRef>
+          <a:fillRef idx="1">
+            <a:schemeClr val="accent1"/>
+          </a:fillRef>
+          <a:effectRef idx="0">
+            <a:schemeClr val="accent1"/>
+          </a:effectRef>
+          <a:fontRef idx="minor">
+            <a:schemeClr val="lt1"/>
+          </a:fontRef>
+        </p:style>
+        <p:txBody>
+          <a:bodyPr rtlCol="0" anchor="ctr"/>
+          <a:lstStyle/>
+          <a:p>
+            <a:pPr algn="ctr"/>
+            <a:endParaRPr lang="zh-CN" altLang="en-US"/>
+          </a:p>
+        </p:txBody>
+      </p:sp>
+      <p:sp>
+        <p:nvSpPr>
+          <p:cNvPr id="22" name="矩形 21">
+            <a:extLst>
+              <a:ext uri="{FF2B5EF4-FFF2-40B4-BE49-F238E27FC236}">
+                <a16:creationId xmlns:a16="http://schemas.microsoft.com/office/drawing/2014/main" id="{CB76759C-7F6B-41C6-95F1-5C51CDE42FC2}"/>
+              </a:ext>
+            </a:extLst>
+          </p:cNvPr>
+          <p:cNvSpPr/>
+          <p:nvPr/>
+        </p:nvSpPr>
+        <p:spPr>
+          <a:xfrm>
+            <a:off x="2226036" y="2148588"/>
+            <a:ext cx="554637" cy="554637"/>
+          </a:xfrm>
+          <a:prstGeom prst="rect">
+            <a:avLst/>
+          </a:prstGeom>
+          <a:solidFill>
+            <a:schemeClr val="tx1"/>
+          </a:solidFill>
+          <a:ln>
+            <a:noFill/>
+          </a:ln>
+        </p:spPr>
+        <p:style>
+          <a:lnRef idx="2">
+            <a:schemeClr val="accent1">
+              <a:shade val="50000"/>
+            </a:schemeClr>
+          </a:lnRef>
+          <a:fillRef idx="1">
+            <a:schemeClr val="accent1"/>
+          </a:fillRef>
+          <a:effectRef idx="0">
+            <a:schemeClr val="accent1"/>
+          </a:effectRef>
+          <a:fontRef idx="minor">
+            <a:schemeClr val="lt1"/>
+          </a:fontRef>
+        </p:style>
+        <p:txBody>
+          <a:bodyPr rtlCol="0" anchor="ctr"/>
+          <a:lstStyle/>
+          <a:p>
+            <a:pPr algn="ctr"/>
+            <a:endParaRPr lang="zh-CN" altLang="en-US" dirty="0"/>
+          </a:p>
+        </p:txBody>
+      </p:sp>
+      <p:sp>
+        <p:nvSpPr>
+          <p:cNvPr id="23" name="矩形 22">
+            <a:extLst>
+              <a:ext uri="{FF2B5EF4-FFF2-40B4-BE49-F238E27FC236}">
+                <a16:creationId xmlns:a16="http://schemas.microsoft.com/office/drawing/2014/main" id="{6DA5D0B7-EAB8-445B-9AED-C907AA82EE9D}"/>
+              </a:ext>
+            </a:extLst>
+          </p:cNvPr>
+          <p:cNvSpPr/>
+          <p:nvPr/>
+        </p:nvSpPr>
+        <p:spPr>
+          <a:xfrm>
+            <a:off x="2915583" y="2148588"/>
+            <a:ext cx="554637" cy="554637"/>
+          </a:xfrm>
+          <a:prstGeom prst="rect">
+            <a:avLst/>
+          </a:prstGeom>
+          <a:solidFill>
+            <a:schemeClr val="tx1"/>
+          </a:solidFill>
+          <a:ln>
+            <a:noFill/>
+          </a:ln>
+        </p:spPr>
+        <p:style>
+          <a:lnRef idx="2">
+            <a:schemeClr val="accent1">
+              <a:shade val="50000"/>
+            </a:schemeClr>
+          </a:lnRef>
+          <a:fillRef idx="1">
+            <a:schemeClr val="accent1"/>
+          </a:fillRef>
+          <a:effectRef idx="0">
+            <a:schemeClr val="accent1"/>
+          </a:effectRef>
+          <a:fontRef idx="minor">
+            <a:schemeClr val="lt1"/>
+          </a:fontRef>
+        </p:style>
+        <p:txBody>
+          <a:bodyPr rtlCol="0" anchor="ctr"/>
+          <a:lstStyle/>
+          <a:p>
+            <a:pPr algn="ctr"/>
+            <a:endParaRPr lang="zh-CN" altLang="en-US" dirty="0"/>
+          </a:p>
+        </p:txBody>
+      </p:sp>
+      <p:sp>
+        <p:nvSpPr>
+          <p:cNvPr id="24" name="矩形 23">
+            <a:extLst>
+              <a:ext uri="{FF2B5EF4-FFF2-40B4-BE49-F238E27FC236}">
+                <a16:creationId xmlns:a16="http://schemas.microsoft.com/office/drawing/2014/main" id="{7A39B9A3-F1C6-4044-9C7B-40E22A3EEDCB}"/>
+              </a:ext>
+            </a:extLst>
+          </p:cNvPr>
+          <p:cNvSpPr/>
+          <p:nvPr/>
+        </p:nvSpPr>
+        <p:spPr>
+          <a:xfrm>
+            <a:off x="157395" y="2768181"/>
+            <a:ext cx="554637" cy="554637"/>
+          </a:xfrm>
+          <a:prstGeom prst="rect">
+            <a:avLst/>
+          </a:prstGeom>
+          <a:solidFill>
+            <a:schemeClr val="tx1"/>
+          </a:solidFill>
+          <a:ln>
+            <a:noFill/>
+          </a:ln>
+        </p:spPr>
+        <p:style>
+          <a:lnRef idx="2">
+            <a:schemeClr val="accent1">
+              <a:shade val="50000"/>
+            </a:schemeClr>
+          </a:lnRef>
+          <a:fillRef idx="1">
+            <a:schemeClr val="accent1"/>
+          </a:fillRef>
+          <a:effectRef idx="0">
+            <a:schemeClr val="accent1"/>
+          </a:effectRef>
+          <a:fontRef idx="minor">
+            <a:schemeClr val="lt1"/>
+          </a:fontRef>
+        </p:style>
+        <p:txBody>
+          <a:bodyPr rtlCol="0" anchor="ctr"/>
+          <a:lstStyle/>
+          <a:p>
+            <a:pPr algn="ctr"/>
+            <a:endParaRPr lang="zh-CN" altLang="en-US"/>
+          </a:p>
+        </p:txBody>
+      </p:sp>
+      <p:sp>
+        <p:nvSpPr>
+          <p:cNvPr id="25" name="矩形 24">
+            <a:extLst>
+              <a:ext uri="{FF2B5EF4-FFF2-40B4-BE49-F238E27FC236}">
+                <a16:creationId xmlns:a16="http://schemas.microsoft.com/office/drawing/2014/main" id="{0F2ACE08-0C18-4918-BDCC-34707451CC1B}"/>
+              </a:ext>
+            </a:extLst>
+          </p:cNvPr>
+          <p:cNvSpPr/>
+          <p:nvPr/>
+        </p:nvSpPr>
+        <p:spPr>
+          <a:xfrm>
+            <a:off x="846942" y="2768181"/>
+            <a:ext cx="554637" cy="554637"/>
+          </a:xfrm>
+          <a:prstGeom prst="rect">
+            <a:avLst/>
+          </a:prstGeom>
+          <a:solidFill>
+            <a:schemeClr val="tx1"/>
+          </a:solidFill>
+          <a:ln>
+            <a:noFill/>
+          </a:ln>
+        </p:spPr>
+        <p:style>
+          <a:lnRef idx="2">
+            <a:schemeClr val="accent1">
+              <a:shade val="50000"/>
+            </a:schemeClr>
+          </a:lnRef>
+          <a:fillRef idx="1">
+            <a:schemeClr val="accent1"/>
+          </a:fillRef>
+          <a:effectRef idx="0">
+            <a:schemeClr val="accent1"/>
+          </a:effectRef>
+          <a:fontRef idx="minor">
+            <a:schemeClr val="lt1"/>
+          </a:fontRef>
+        </p:style>
+        <p:txBody>
+          <a:bodyPr rtlCol="0" anchor="ctr"/>
+          <a:lstStyle/>
+          <a:p>
+            <a:pPr algn="ctr"/>
+            <a:endParaRPr lang="zh-CN" altLang="en-US"/>
+          </a:p>
+        </p:txBody>
+      </p:sp>
+      <p:sp>
+        <p:nvSpPr>
+          <p:cNvPr id="26" name="矩形 25">
+            <a:extLst>
+              <a:ext uri="{FF2B5EF4-FFF2-40B4-BE49-F238E27FC236}">
+                <a16:creationId xmlns:a16="http://schemas.microsoft.com/office/drawing/2014/main" id="{C650C220-A923-4878-976E-B8AC3D3B3729}"/>
+              </a:ext>
+            </a:extLst>
+          </p:cNvPr>
+          <p:cNvSpPr/>
+          <p:nvPr/>
+        </p:nvSpPr>
+        <p:spPr>
+          <a:xfrm>
+            <a:off x="1536489" y="2770679"/>
+            <a:ext cx="554637" cy="554637"/>
+          </a:xfrm>
+          <a:prstGeom prst="rect">
+            <a:avLst/>
+          </a:prstGeom>
+          <a:solidFill>
+            <a:schemeClr val="tx1"/>
+          </a:solidFill>
+          <a:ln>
+            <a:noFill/>
+          </a:ln>
+        </p:spPr>
+        <p:style>
+          <a:lnRef idx="2">
+            <a:schemeClr val="accent1">
+              <a:shade val="50000"/>
+            </a:schemeClr>
+          </a:lnRef>
+          <a:fillRef idx="1">
+            <a:schemeClr val="accent1"/>
+          </a:fillRef>
+          <a:effectRef idx="0">
+            <a:schemeClr val="accent1"/>
+          </a:effectRef>
+          <a:fontRef idx="minor">
+            <a:schemeClr val="lt1"/>
+          </a:fontRef>
+        </p:style>
+        <p:txBody>
+          <a:bodyPr rtlCol="0" anchor="ctr"/>
+          <a:lstStyle/>
+          <a:p>
+            <a:pPr algn="ctr"/>
+            <a:endParaRPr lang="zh-CN" altLang="en-US" dirty="0"/>
+          </a:p>
+        </p:txBody>
+      </p:sp>
+      <p:sp>
+        <p:nvSpPr>
+          <p:cNvPr id="27" name="矩形 26">
+            <a:extLst>
+              <a:ext uri="{FF2B5EF4-FFF2-40B4-BE49-F238E27FC236}">
+                <a16:creationId xmlns:a16="http://schemas.microsoft.com/office/drawing/2014/main" id="{13C560D2-DC79-4667-AE29-5C60814FAFB0}"/>
+              </a:ext>
+            </a:extLst>
+          </p:cNvPr>
+          <p:cNvSpPr/>
+          <p:nvPr/>
+        </p:nvSpPr>
+        <p:spPr>
+          <a:xfrm>
+            <a:off x="2226036" y="2768181"/>
+            <a:ext cx="554637" cy="554637"/>
+          </a:xfrm>
+          <a:prstGeom prst="rect">
+            <a:avLst/>
+          </a:prstGeom>
+          <a:solidFill>
+            <a:schemeClr val="tx1"/>
+          </a:solidFill>
+          <a:ln>
+            <a:noFill/>
+          </a:ln>
+        </p:spPr>
+        <p:style>
+          <a:lnRef idx="2">
+            <a:schemeClr val="accent1">
+              <a:shade val="50000"/>
+            </a:schemeClr>
+          </a:lnRef>
+          <a:fillRef idx="1">
+            <a:schemeClr val="accent1"/>
+          </a:fillRef>
+          <a:effectRef idx="0">
+            <a:schemeClr val="accent1"/>
+          </a:effectRef>
+          <a:fontRef idx="minor">
+            <a:schemeClr val="lt1"/>
+          </a:fontRef>
+        </p:style>
+        <p:txBody>
+          <a:bodyPr rtlCol="0" anchor="ctr"/>
+          <a:lstStyle/>
+          <a:p>
+            <a:pPr algn="ctr"/>
+            <a:endParaRPr lang="zh-CN" altLang="en-US"/>
+          </a:p>
+        </p:txBody>
+      </p:sp>
+      <p:sp>
+        <p:nvSpPr>
+          <p:cNvPr id="28" name="矩形 27">
+            <a:extLst>
+              <a:ext uri="{FF2B5EF4-FFF2-40B4-BE49-F238E27FC236}">
+                <a16:creationId xmlns:a16="http://schemas.microsoft.com/office/drawing/2014/main" id="{6A7DF887-5500-4D00-9A17-5066E0D960B4}"/>
+              </a:ext>
+            </a:extLst>
+          </p:cNvPr>
+          <p:cNvSpPr/>
+          <p:nvPr/>
+        </p:nvSpPr>
+        <p:spPr>
+          <a:xfrm>
+            <a:off x="2915583" y="2768181"/>
+            <a:ext cx="554637" cy="554637"/>
+          </a:xfrm>
+          <a:prstGeom prst="rect">
+            <a:avLst/>
+          </a:prstGeom>
+          <a:solidFill>
+            <a:schemeClr val="tx1"/>
+          </a:solidFill>
+          <a:ln>
+            <a:noFill/>
+          </a:ln>
+        </p:spPr>
+        <p:style>
+          <a:lnRef idx="2">
+            <a:schemeClr val="accent1">
+              <a:shade val="50000"/>
+            </a:schemeClr>
+          </a:lnRef>
+          <a:fillRef idx="1">
+            <a:schemeClr val="accent1"/>
+          </a:fillRef>
+          <a:effectRef idx="0">
+            <a:schemeClr val="accent1"/>
+          </a:effectRef>
+          <a:fontRef idx="minor">
+            <a:schemeClr val="lt1"/>
+          </a:fontRef>
+        </p:style>
+        <p:txBody>
+          <a:bodyPr rtlCol="0" anchor="ctr"/>
+          <a:lstStyle/>
+          <a:p>
+            <a:pPr algn="ctr"/>
+            <a:endParaRPr lang="zh-CN" altLang="en-US" dirty="0"/>
+          </a:p>
+        </p:txBody>
+      </p:sp>
+      <p:pic>
+        <p:nvPicPr>
+          <p:cNvPr id="5124" name="Picture 4">
+            <a:extLst>
+              <a:ext uri="{FF2B5EF4-FFF2-40B4-BE49-F238E27FC236}">
+                <a16:creationId xmlns:a16="http://schemas.microsoft.com/office/drawing/2014/main" id="{6F8CA649-C966-4E73-89CB-C0F7208BE5D9}"/>
+              </a:ext>
+            </a:extLst>
+          </p:cNvPr>
+          <p:cNvPicPr>
+            <a:picLocks noChangeAspect="1" noChangeArrowheads="1"/>
+          </p:cNvPicPr>
+          <p:nvPr/>
+        </p:nvPicPr>
+        <p:blipFill>
+          <a:blip r:embed="rId2">
+            <a:extLst>
+              <a:ext uri="{28A0092B-C50C-407E-A947-70E740481C1C}">
+                <a14:useLocalDpi xmlns:a14="http://schemas.microsoft.com/office/drawing/2010/main" val="0"/>
+              </a:ext>
+            </a:extLst>
+          </a:blip>
+          <a:srcRect/>
+          <a:stretch>
+            <a:fillRect/>
+          </a:stretch>
+        </p:blipFill>
+        <p:spPr bwMode="auto">
+          <a:xfrm>
+            <a:off x="210672" y="343086"/>
+            <a:ext cx="448082" cy="448082"/>
+          </a:xfrm>
+          <a:prstGeom prst="rect">
+            <a:avLst/>
+          </a:prstGeom>
+          <a:noFill/>
+          <a:extLst>
+            <a:ext uri="{909E8E84-426E-40DD-AFC4-6F175D3DCCD1}">
+              <a14:hiddenFill xmlns:a14="http://schemas.microsoft.com/office/drawing/2010/main">
+                <a:solidFill>
+                  <a:srgbClr val="FFFFFF"/>
+                </a:solidFill>
+              </a14:hiddenFill>
+            </a:ext>
+          </a:extLst>
+        </p:spPr>
+      </p:pic>
+      <p:pic>
+        <p:nvPicPr>
+          <p:cNvPr id="5126" name="Picture 6">
+            <a:extLst>
+              <a:ext uri="{FF2B5EF4-FFF2-40B4-BE49-F238E27FC236}">
+                <a16:creationId xmlns:a16="http://schemas.microsoft.com/office/drawing/2014/main" id="{AA12D676-23B5-4FFC-B4E4-DEBC932D5B84}"/>
+              </a:ext>
+            </a:extLst>
+          </p:cNvPr>
+          <p:cNvPicPr>
+            <a:picLocks noChangeAspect="1" noChangeArrowheads="1"/>
+          </p:cNvPicPr>
+          <p:nvPr/>
+        </p:nvPicPr>
+        <p:blipFill>
+          <a:blip r:embed="rId3">
+            <a:extLst>
+              <a:ext uri="{28A0092B-C50C-407E-A947-70E740481C1C}">
+                <a14:useLocalDpi xmlns:a14="http://schemas.microsoft.com/office/drawing/2010/main" val="0"/>
+              </a:ext>
+            </a:extLst>
+          </a:blip>
+          <a:srcRect/>
+          <a:stretch>
+            <a:fillRect/>
+          </a:stretch>
+        </p:blipFill>
+        <p:spPr bwMode="auto">
+          <a:xfrm>
+            <a:off x="846941" y="289808"/>
+            <a:ext cx="554637" cy="554637"/>
+          </a:xfrm>
+          <a:prstGeom prst="rect">
+            <a:avLst/>
+          </a:prstGeom>
+          <a:noFill/>
+          <a:extLst>
+            <a:ext uri="{909E8E84-426E-40DD-AFC4-6F175D3DCCD1}">
+              <a14:hiddenFill xmlns:a14="http://schemas.microsoft.com/office/drawing/2010/main">
+                <a:solidFill>
+                  <a:srgbClr val="FFFFFF"/>
+                </a:solidFill>
+              </a14:hiddenFill>
+            </a:ext>
+          </a:extLst>
+        </p:spPr>
+      </p:pic>
+      <p:pic>
+        <p:nvPicPr>
+          <p:cNvPr id="5128" name="Picture 8">
+            <a:extLst>
+              <a:ext uri="{FF2B5EF4-FFF2-40B4-BE49-F238E27FC236}">
+                <a16:creationId xmlns:a16="http://schemas.microsoft.com/office/drawing/2014/main" id="{E31719AA-0C07-4A80-84E2-A387E2EC3932}"/>
+              </a:ext>
+            </a:extLst>
+          </p:cNvPr>
+          <p:cNvPicPr>
+            <a:picLocks noChangeAspect="1" noChangeArrowheads="1"/>
+          </p:cNvPicPr>
+          <p:nvPr/>
+        </p:nvPicPr>
+        <p:blipFill>
+          <a:blip r:embed="rId4">
+            <a:extLst>
+              <a:ext uri="{28A0092B-C50C-407E-A947-70E740481C1C}">
+                <a14:useLocalDpi xmlns:a14="http://schemas.microsoft.com/office/drawing/2010/main" val="0"/>
+              </a:ext>
+            </a:extLst>
+          </a:blip>
+          <a:srcRect/>
+          <a:stretch>
+            <a:fillRect/>
+          </a:stretch>
+        </p:blipFill>
+        <p:spPr bwMode="auto">
+          <a:xfrm>
+            <a:off x="1536488" y="360855"/>
+            <a:ext cx="554638" cy="412541"/>
+          </a:xfrm>
+          <a:prstGeom prst="rect">
+            <a:avLst/>
+          </a:prstGeom>
+          <a:noFill/>
+          <a:extLst>
+            <a:ext uri="{909E8E84-426E-40DD-AFC4-6F175D3DCCD1}">
+              <a14:hiddenFill xmlns:a14="http://schemas.microsoft.com/office/drawing/2010/main">
+                <a:solidFill>
+                  <a:srgbClr val="FFFFFF"/>
+                </a:solidFill>
+              </a14:hiddenFill>
+            </a:ext>
+          </a:extLst>
+        </p:spPr>
+      </p:pic>
+      <p:pic>
+        <p:nvPicPr>
+          <p:cNvPr id="5130" name="Picture 10">
+            <a:extLst>
+              <a:ext uri="{FF2B5EF4-FFF2-40B4-BE49-F238E27FC236}">
+                <a16:creationId xmlns:a16="http://schemas.microsoft.com/office/drawing/2014/main" id="{967C1F81-DEA4-4931-8D74-F5097D16A8BA}"/>
+              </a:ext>
+            </a:extLst>
+          </p:cNvPr>
+          <p:cNvPicPr>
+            <a:picLocks noChangeAspect="1" noChangeArrowheads="1"/>
+          </p:cNvPicPr>
+          <p:nvPr/>
+        </p:nvPicPr>
+        <p:blipFill>
+          <a:blip r:embed="rId5">
+            <a:extLst>
+              <a:ext uri="{28A0092B-C50C-407E-A947-70E740481C1C}">
+                <a14:useLocalDpi xmlns:a14="http://schemas.microsoft.com/office/drawing/2010/main" val="0"/>
+              </a:ext>
+            </a:extLst>
+          </a:blip>
+          <a:srcRect/>
+          <a:stretch>
+            <a:fillRect/>
+          </a:stretch>
+        </p:blipFill>
+        <p:spPr bwMode="auto">
+          <a:xfrm>
+            <a:off x="2239618" y="299588"/>
+            <a:ext cx="527473" cy="527473"/>
+          </a:xfrm>
+          <a:prstGeom prst="rect">
+            <a:avLst/>
+          </a:prstGeom>
+          <a:noFill/>
+          <a:extLst>
+            <a:ext uri="{909E8E84-426E-40DD-AFC4-6F175D3DCCD1}">
+              <a14:hiddenFill xmlns:a14="http://schemas.microsoft.com/office/drawing/2010/main">
+                <a:solidFill>
+                  <a:srgbClr val="FFFFFF"/>
+                </a:solidFill>
+              </a14:hiddenFill>
+            </a:ext>
+          </a:extLst>
+        </p:spPr>
+      </p:pic>
+      <p:pic>
+        <p:nvPicPr>
+          <p:cNvPr id="5132" name="Picture 12">
+            <a:extLst>
+              <a:ext uri="{FF2B5EF4-FFF2-40B4-BE49-F238E27FC236}">
+                <a16:creationId xmlns:a16="http://schemas.microsoft.com/office/drawing/2014/main" id="{A2BB307E-52DD-4ABA-9F4D-E91478B9C26E}"/>
+              </a:ext>
+            </a:extLst>
+          </p:cNvPr>
+          <p:cNvPicPr>
+            <a:picLocks noChangeAspect="1" noChangeArrowheads="1"/>
+          </p:cNvPicPr>
+          <p:nvPr/>
+        </p:nvPicPr>
+        <p:blipFill>
+          <a:blip r:embed="rId6">
+            <a:extLst>
+              <a:ext uri="{28A0092B-C50C-407E-A947-70E740481C1C}">
+                <a14:useLocalDpi xmlns:a14="http://schemas.microsoft.com/office/drawing/2010/main" val="0"/>
+              </a:ext>
+            </a:extLst>
+          </a:blip>
+          <a:srcRect/>
+          <a:stretch>
+            <a:fillRect/>
+          </a:stretch>
+        </p:blipFill>
+        <p:spPr bwMode="auto">
+          <a:xfrm>
+            <a:off x="2965982" y="343086"/>
+            <a:ext cx="453838" cy="453838"/>
+          </a:xfrm>
+          <a:prstGeom prst="rect">
+            <a:avLst/>
+          </a:prstGeom>
+          <a:noFill/>
+          <a:extLst>
+            <a:ext uri="{909E8E84-426E-40DD-AFC4-6F175D3DCCD1}">
+              <a14:hiddenFill xmlns:a14="http://schemas.microsoft.com/office/drawing/2010/main">
+                <a:solidFill>
+                  <a:srgbClr val="FFFFFF"/>
+                </a:solidFill>
+              </a14:hiddenFill>
+            </a:ext>
+          </a:extLst>
+        </p:spPr>
+      </p:pic>
+      <p:pic>
+        <p:nvPicPr>
+          <p:cNvPr id="5134" name="Picture 14">
+            <a:extLst>
+              <a:ext uri="{FF2B5EF4-FFF2-40B4-BE49-F238E27FC236}">
+                <a16:creationId xmlns:a16="http://schemas.microsoft.com/office/drawing/2014/main" id="{44E5FB1C-6D3F-455C-9887-FD262C83AC05}"/>
+              </a:ext>
+            </a:extLst>
+          </p:cNvPr>
+          <p:cNvPicPr>
+            <a:picLocks noChangeAspect="1" noChangeArrowheads="1"/>
+          </p:cNvPicPr>
+          <p:nvPr/>
+        </p:nvPicPr>
+        <p:blipFill>
+          <a:blip r:embed="rId7">
+            <a:extLst>
+              <a:ext uri="{28A0092B-C50C-407E-A947-70E740481C1C}">
+                <a14:useLocalDpi xmlns:a14="http://schemas.microsoft.com/office/drawing/2010/main" val="0"/>
+              </a:ext>
+            </a:extLst>
+          </a:blip>
+          <a:srcRect/>
+          <a:stretch>
+            <a:fillRect/>
+          </a:stretch>
+        </p:blipFill>
+        <p:spPr bwMode="auto">
+          <a:xfrm>
+            <a:off x="157395" y="909402"/>
+            <a:ext cx="554637" cy="554637"/>
+          </a:xfrm>
+          <a:prstGeom prst="rect">
+            <a:avLst/>
+          </a:prstGeom>
+          <a:noFill/>
+          <a:extLst>
+            <a:ext uri="{909E8E84-426E-40DD-AFC4-6F175D3DCCD1}">
+              <a14:hiddenFill xmlns:a14="http://schemas.microsoft.com/office/drawing/2010/main">
+                <a:solidFill>
+                  <a:srgbClr val="FFFFFF"/>
+                </a:solidFill>
+              </a14:hiddenFill>
+            </a:ext>
+          </a:extLst>
+        </p:spPr>
+      </p:pic>
+      <p:pic>
+        <p:nvPicPr>
+          <p:cNvPr id="5138" name="Picture 18">
+            <a:extLst>
+              <a:ext uri="{FF2B5EF4-FFF2-40B4-BE49-F238E27FC236}">
+                <a16:creationId xmlns:a16="http://schemas.microsoft.com/office/drawing/2014/main" id="{160D894E-55D4-4310-B5A3-8B92C22BF6A0}"/>
+              </a:ext>
+            </a:extLst>
+          </p:cNvPr>
+          <p:cNvPicPr>
+            <a:picLocks noChangeAspect="1" noChangeArrowheads="1"/>
+          </p:cNvPicPr>
+          <p:nvPr/>
+        </p:nvPicPr>
+        <p:blipFill>
+          <a:blip r:embed="rId8">
+            <a:extLst>
+              <a:ext uri="{28A0092B-C50C-407E-A947-70E740481C1C}">
+                <a14:useLocalDpi xmlns:a14="http://schemas.microsoft.com/office/drawing/2010/main" val="0"/>
+              </a:ext>
+            </a:extLst>
+          </a:blip>
+          <a:srcRect/>
+          <a:stretch>
+            <a:fillRect/>
+          </a:stretch>
+        </p:blipFill>
+        <p:spPr bwMode="auto">
+          <a:xfrm>
+            <a:off x="846941" y="980449"/>
+            <a:ext cx="554638" cy="412541"/>
+          </a:xfrm>
+          <a:prstGeom prst="rect">
+            <a:avLst/>
+          </a:prstGeom>
+          <a:noFill/>
+          <a:extLst>
+            <a:ext uri="{909E8E84-426E-40DD-AFC4-6F175D3DCCD1}">
+              <a14:hiddenFill xmlns:a14="http://schemas.microsoft.com/office/drawing/2010/main">
+                <a:solidFill>
+                  <a:srgbClr val="FFFFFF"/>
+                </a:solidFill>
+              </a14:hiddenFill>
+            </a:ext>
+          </a:extLst>
+        </p:spPr>
+      </p:pic>
+      <p:pic>
+        <p:nvPicPr>
+          <p:cNvPr id="5140" name="Picture 20">
+            <a:extLst>
+              <a:ext uri="{FF2B5EF4-FFF2-40B4-BE49-F238E27FC236}">
+                <a16:creationId xmlns:a16="http://schemas.microsoft.com/office/drawing/2014/main" id="{677EFC1A-FBBE-4172-95C4-8758E006B128}"/>
+              </a:ext>
+            </a:extLst>
+          </p:cNvPr>
+          <p:cNvPicPr>
+            <a:picLocks noChangeAspect="1" noChangeArrowheads="1"/>
+          </p:cNvPicPr>
+          <p:nvPr/>
+        </p:nvPicPr>
+        <p:blipFill>
+          <a:blip r:embed="rId9">
+            <a:extLst>
+              <a:ext uri="{28A0092B-C50C-407E-A947-70E740481C1C}">
+                <a14:useLocalDpi xmlns:a14="http://schemas.microsoft.com/office/drawing/2010/main" val="0"/>
+              </a:ext>
+            </a:extLst>
+          </a:blip>
+          <a:srcRect/>
+          <a:stretch>
+            <a:fillRect/>
+          </a:stretch>
+        </p:blipFill>
+        <p:spPr bwMode="auto">
+          <a:xfrm>
+            <a:off x="1536488" y="909402"/>
+            <a:ext cx="554637" cy="554637"/>
+          </a:xfrm>
+          <a:prstGeom prst="rect">
+            <a:avLst/>
+          </a:prstGeom>
+          <a:noFill/>
+          <a:extLst>
+            <a:ext uri="{909E8E84-426E-40DD-AFC4-6F175D3DCCD1}">
+              <a14:hiddenFill xmlns:a14="http://schemas.microsoft.com/office/drawing/2010/main">
+                <a:solidFill>
+                  <a:srgbClr val="FFFFFF"/>
+                </a:solidFill>
+              </a14:hiddenFill>
+            </a:ext>
+          </a:extLst>
+        </p:spPr>
+      </p:pic>
+      <p:pic>
+        <p:nvPicPr>
+          <p:cNvPr id="5142" name="Picture 22">
+            <a:extLst>
+              <a:ext uri="{FF2B5EF4-FFF2-40B4-BE49-F238E27FC236}">
+                <a16:creationId xmlns:a16="http://schemas.microsoft.com/office/drawing/2014/main" id="{5B762A54-0F99-41F5-ADDB-0AB1CB88F6EB}"/>
+              </a:ext>
+            </a:extLst>
+          </p:cNvPr>
+          <p:cNvPicPr>
+            <a:picLocks noChangeAspect="1" noChangeArrowheads="1"/>
+          </p:cNvPicPr>
+          <p:nvPr/>
+        </p:nvPicPr>
+        <p:blipFill>
+          <a:blip r:embed="rId10">
+            <a:extLst>
+              <a:ext uri="{28A0092B-C50C-407E-A947-70E740481C1C}">
+                <a14:useLocalDpi xmlns:a14="http://schemas.microsoft.com/office/drawing/2010/main" val="0"/>
+              </a:ext>
+            </a:extLst>
+          </a:blip>
+          <a:srcRect/>
+          <a:stretch>
+            <a:fillRect/>
+          </a:stretch>
+        </p:blipFill>
+        <p:spPr bwMode="auto">
+          <a:xfrm>
+            <a:off x="2271665" y="955030"/>
+            <a:ext cx="463378" cy="463378"/>
+          </a:xfrm>
+          <a:prstGeom prst="rect">
+            <a:avLst/>
+          </a:prstGeom>
+          <a:noFill/>
+          <a:extLst>
+            <a:ext uri="{909E8E84-426E-40DD-AFC4-6F175D3DCCD1}">
+              <a14:hiddenFill xmlns:a14="http://schemas.microsoft.com/office/drawing/2010/main">
+                <a:solidFill>
+                  <a:srgbClr val="FFFFFF"/>
+                </a:solidFill>
+              </a14:hiddenFill>
+            </a:ext>
+          </a:extLst>
+        </p:spPr>
+      </p:pic>
+      <p:pic>
+        <p:nvPicPr>
+          <p:cNvPr id="5144" name="Picture 24">
+            <a:extLst>
+              <a:ext uri="{FF2B5EF4-FFF2-40B4-BE49-F238E27FC236}">
+                <a16:creationId xmlns:a16="http://schemas.microsoft.com/office/drawing/2014/main" id="{B45E31D2-550B-4842-9743-7C4A8F6EEBD7}"/>
+              </a:ext>
+            </a:extLst>
+          </p:cNvPr>
+          <p:cNvPicPr>
+            <a:picLocks noChangeAspect="1" noChangeArrowheads="1"/>
+          </p:cNvPicPr>
+          <p:nvPr/>
+        </p:nvPicPr>
+        <p:blipFill>
+          <a:blip r:embed="rId11">
+            <a:extLst>
+              <a:ext uri="{28A0092B-C50C-407E-A947-70E740481C1C}">
+                <a14:useLocalDpi xmlns:a14="http://schemas.microsoft.com/office/drawing/2010/main" val="0"/>
+              </a:ext>
+            </a:extLst>
+          </a:blip>
+          <a:srcRect/>
+          <a:stretch>
+            <a:fillRect/>
+          </a:stretch>
+        </p:blipFill>
+        <p:spPr bwMode="auto">
+          <a:xfrm>
+            <a:off x="2965981" y="955030"/>
+            <a:ext cx="477073" cy="477073"/>
+          </a:xfrm>
+          <a:prstGeom prst="rect">
+            <a:avLst/>
+          </a:prstGeom>
+          <a:noFill/>
+          <a:extLst>
+            <a:ext uri="{909E8E84-426E-40DD-AFC4-6F175D3DCCD1}">
+              <a14:hiddenFill xmlns:a14="http://schemas.microsoft.com/office/drawing/2010/main">
+                <a:solidFill>
+                  <a:srgbClr val="FFFFFF"/>
+                </a:solidFill>
+              </a14:hiddenFill>
+            </a:ext>
+          </a:extLst>
+        </p:spPr>
+      </p:pic>
+      <p:pic>
+        <p:nvPicPr>
+          <p:cNvPr id="5146" name="Picture 26">
+            <a:extLst>
+              <a:ext uri="{FF2B5EF4-FFF2-40B4-BE49-F238E27FC236}">
+                <a16:creationId xmlns:a16="http://schemas.microsoft.com/office/drawing/2014/main" id="{AF4F0A1B-773F-42D5-B017-C7331A55E6A5}"/>
+              </a:ext>
+            </a:extLst>
+          </p:cNvPr>
+          <p:cNvPicPr>
+            <a:picLocks noChangeAspect="1" noChangeArrowheads="1"/>
+          </p:cNvPicPr>
+          <p:nvPr/>
+        </p:nvPicPr>
+        <p:blipFill>
+          <a:blip r:embed="rId12">
+            <a:extLst>
+              <a:ext uri="{28A0092B-C50C-407E-A947-70E740481C1C}">
+                <a14:useLocalDpi xmlns:a14="http://schemas.microsoft.com/office/drawing/2010/main" val="0"/>
+              </a:ext>
+            </a:extLst>
+          </a:blip>
+          <a:srcRect/>
+          <a:stretch>
+            <a:fillRect/>
+          </a:stretch>
+        </p:blipFill>
+        <p:spPr bwMode="auto">
+          <a:xfrm>
+            <a:off x="210672" y="1594088"/>
+            <a:ext cx="412273" cy="412273"/>
+          </a:xfrm>
+          <a:prstGeom prst="rect">
+            <a:avLst/>
+          </a:prstGeom>
+          <a:noFill/>
+          <a:extLst>
+            <a:ext uri="{909E8E84-426E-40DD-AFC4-6F175D3DCCD1}">
+              <a14:hiddenFill xmlns:a14="http://schemas.microsoft.com/office/drawing/2010/main">
+                <a:solidFill>
+                  <a:srgbClr val="FFFFFF"/>
+                </a:solidFill>
+              </a14:hiddenFill>
+            </a:ext>
+          </a:extLst>
+        </p:spPr>
+      </p:pic>
+      <p:pic>
+        <p:nvPicPr>
+          <p:cNvPr id="5148" name="Picture 28" descr="????·???°?????????????????? ??§??¨??????é?????????????????é?????">
+            <a:extLst>
+              <a:ext uri="{FF2B5EF4-FFF2-40B4-BE49-F238E27FC236}">
+                <a16:creationId xmlns:a16="http://schemas.microsoft.com/office/drawing/2014/main" id="{D08E7E5C-A24C-4C8E-BC4D-DB9A521FC97C}"/>
+              </a:ext>
+            </a:extLst>
+          </p:cNvPr>
+          <p:cNvPicPr>
+            <a:picLocks noChangeAspect="1" noChangeArrowheads="1"/>
+          </p:cNvPicPr>
+          <p:nvPr/>
+        </p:nvPicPr>
+        <p:blipFill rotWithShape="1">
+          <a:blip r:embed="rId13">
+            <a:extLst>
+              <a:ext uri="{28A0092B-C50C-407E-A947-70E740481C1C}">
+                <a14:useLocalDpi xmlns:a14="http://schemas.microsoft.com/office/drawing/2010/main" val="0"/>
+              </a:ext>
+            </a:extLst>
+          </a:blip>
+          <a:srcRect l="40492" t="34278" r="5390" b="35299"/>
+          <a:stretch/>
+        </p:blipFill>
+        <p:spPr bwMode="auto">
+          <a:xfrm>
+            <a:off x="846941" y="1528993"/>
+            <a:ext cx="554637" cy="554637"/>
+          </a:xfrm>
+          <a:prstGeom prst="rect">
+            <a:avLst/>
+          </a:prstGeom>
+          <a:noFill/>
+          <a:extLst>
+            <a:ext uri="{909E8E84-426E-40DD-AFC4-6F175D3DCCD1}">
+              <a14:hiddenFill xmlns:a14="http://schemas.microsoft.com/office/drawing/2010/main">
+                <a:solidFill>
+                  <a:srgbClr val="FFFFFF"/>
+                </a:solidFill>
+              </a14:hiddenFill>
+            </a:ext>
+          </a:extLst>
+        </p:spPr>
+      </p:pic>
+      <p:pic>
+        <p:nvPicPr>
+          <p:cNvPr id="5150" name="Picture 30">
+            <a:extLst>
+              <a:ext uri="{FF2B5EF4-FFF2-40B4-BE49-F238E27FC236}">
+                <a16:creationId xmlns:a16="http://schemas.microsoft.com/office/drawing/2014/main" id="{36513D41-8A2C-49B4-B83F-4E3C3AC5CF4F}"/>
+              </a:ext>
+            </a:extLst>
+          </p:cNvPr>
+          <p:cNvPicPr>
+            <a:picLocks noChangeAspect="1" noChangeArrowheads="1"/>
+          </p:cNvPicPr>
+          <p:nvPr/>
+        </p:nvPicPr>
+        <p:blipFill rotWithShape="1">
+          <a:blip r:embed="rId14">
+            <a:extLst>
+              <a:ext uri="{28A0092B-C50C-407E-A947-70E740481C1C}">
+                <a14:useLocalDpi xmlns:a14="http://schemas.microsoft.com/office/drawing/2010/main" val="0"/>
+              </a:ext>
+            </a:extLst>
+          </a:blip>
+          <a:srcRect l="19094" r="19094"/>
+          <a:stretch/>
+        </p:blipFill>
+        <p:spPr bwMode="auto">
+          <a:xfrm>
+            <a:off x="1536487" y="1527262"/>
+            <a:ext cx="553095" cy="554638"/>
+          </a:xfrm>
+          <a:prstGeom prst="rect">
+            <a:avLst/>
+          </a:prstGeom>
+          <a:noFill/>
+          <a:extLst>
+            <a:ext uri="{909E8E84-426E-40DD-AFC4-6F175D3DCCD1}">
+              <a14:hiddenFill xmlns:a14="http://schemas.microsoft.com/office/drawing/2010/main">
+                <a:solidFill>
+                  <a:srgbClr val="FFFFFF"/>
+                </a:solidFill>
+              </a14:hiddenFill>
+            </a:ext>
+          </a:extLst>
+        </p:spPr>
+      </p:pic>
+      <p:pic>
+        <p:nvPicPr>
+          <p:cNvPr id="5152" name="Picture 32">
+            <a:extLst>
+              <a:ext uri="{FF2B5EF4-FFF2-40B4-BE49-F238E27FC236}">
+                <a16:creationId xmlns:a16="http://schemas.microsoft.com/office/drawing/2014/main" id="{9473ED9E-1D10-4C4C-930A-EB47278D913F}"/>
+              </a:ext>
+            </a:extLst>
+          </p:cNvPr>
+          <p:cNvPicPr>
+            <a:picLocks noChangeAspect="1" noChangeArrowheads="1"/>
+          </p:cNvPicPr>
+          <p:nvPr/>
+        </p:nvPicPr>
+        <p:blipFill>
+          <a:blip r:embed="rId15">
+            <a:extLst>
+              <a:ext uri="{28A0092B-C50C-407E-A947-70E740481C1C}">
+                <a14:useLocalDpi xmlns:a14="http://schemas.microsoft.com/office/drawing/2010/main" val="0"/>
+              </a:ext>
+            </a:extLst>
+          </a:blip>
+          <a:srcRect/>
+          <a:stretch>
+            <a:fillRect/>
+          </a:stretch>
+        </p:blipFill>
+        <p:spPr bwMode="auto">
+          <a:xfrm>
+            <a:off x="2226035" y="1531492"/>
+            <a:ext cx="554638" cy="554638"/>
+          </a:xfrm>
+          <a:prstGeom prst="rect">
+            <a:avLst/>
+          </a:prstGeom>
+          <a:noFill/>
+          <a:extLst>
+            <a:ext uri="{909E8E84-426E-40DD-AFC4-6F175D3DCCD1}">
+              <a14:hiddenFill xmlns:a14="http://schemas.microsoft.com/office/drawing/2010/main">
+                <a:solidFill>
+                  <a:srgbClr val="FFFFFF"/>
+                </a:solidFill>
+              </a14:hiddenFill>
+            </a:ext>
+          </a:extLst>
+        </p:spPr>
+      </p:pic>
+      <p:pic>
+        <p:nvPicPr>
+          <p:cNvPr id="5154" name="Picture 34">
+            <a:extLst>
+              <a:ext uri="{FF2B5EF4-FFF2-40B4-BE49-F238E27FC236}">
+                <a16:creationId xmlns:a16="http://schemas.microsoft.com/office/drawing/2014/main" id="{0329CFD2-8219-46CA-B60C-6FB8E69D5538}"/>
+              </a:ext>
+            </a:extLst>
+          </p:cNvPr>
+          <p:cNvPicPr>
+            <a:picLocks noChangeAspect="1" noChangeArrowheads="1"/>
+          </p:cNvPicPr>
+          <p:nvPr/>
+        </p:nvPicPr>
+        <p:blipFill>
+          <a:blip r:embed="rId16">
+            <a:extLst>
+              <a:ext uri="{28A0092B-C50C-407E-A947-70E740481C1C}">
+                <a14:useLocalDpi xmlns:a14="http://schemas.microsoft.com/office/drawing/2010/main" val="0"/>
+              </a:ext>
+            </a:extLst>
+          </a:blip>
+          <a:srcRect/>
+          <a:stretch>
+            <a:fillRect/>
+          </a:stretch>
+        </p:blipFill>
+        <p:spPr bwMode="auto">
+          <a:xfrm>
+            <a:off x="2923575" y="1529063"/>
+            <a:ext cx="542324" cy="542324"/>
+          </a:xfrm>
+          <a:prstGeom prst="rect">
+            <a:avLst/>
+          </a:prstGeom>
+          <a:noFill/>
+          <a:extLst>
+            <a:ext uri="{909E8E84-426E-40DD-AFC4-6F175D3DCCD1}">
+              <a14:hiddenFill xmlns:a14="http://schemas.microsoft.com/office/drawing/2010/main">
+                <a:solidFill>
+                  <a:srgbClr val="FFFFFF"/>
+                </a:solidFill>
+              </a14:hiddenFill>
+            </a:ext>
+          </a:extLst>
+        </p:spPr>
+      </p:pic>
+      <p:pic>
+        <p:nvPicPr>
+          <p:cNvPr id="5156" name="Picture 36">
+            <a:extLst>
+              <a:ext uri="{FF2B5EF4-FFF2-40B4-BE49-F238E27FC236}">
+                <a16:creationId xmlns:a16="http://schemas.microsoft.com/office/drawing/2014/main" id="{389E30B9-1B18-48CE-AD81-CE220400F778}"/>
+              </a:ext>
+            </a:extLst>
+          </p:cNvPr>
+          <p:cNvPicPr>
+            <a:picLocks noChangeAspect="1" noChangeArrowheads="1"/>
+          </p:cNvPicPr>
+          <p:nvPr/>
+        </p:nvPicPr>
+        <p:blipFill>
+          <a:blip r:embed="rId17">
+            <a:extLst>
+              <a:ext uri="{28A0092B-C50C-407E-A947-70E740481C1C}">
+                <a14:useLocalDpi xmlns:a14="http://schemas.microsoft.com/office/drawing/2010/main" val="0"/>
+              </a:ext>
+            </a:extLst>
+          </a:blip>
+          <a:srcRect/>
+          <a:stretch>
+            <a:fillRect/>
+          </a:stretch>
+        </p:blipFill>
+        <p:spPr bwMode="auto">
+          <a:xfrm>
+            <a:off x="172065" y="2163258"/>
+            <a:ext cx="501709" cy="501709"/>
+          </a:xfrm>
+          <a:prstGeom prst="rect">
+            <a:avLst/>
+          </a:prstGeom>
+          <a:noFill/>
+          <a:extLst>
+            <a:ext uri="{909E8E84-426E-40DD-AFC4-6F175D3DCCD1}">
+              <a14:hiddenFill xmlns:a14="http://schemas.microsoft.com/office/drawing/2010/main">
+                <a:solidFill>
+                  <a:srgbClr val="FFFFFF"/>
+                </a:solidFill>
+              </a14:hiddenFill>
+            </a:ext>
+          </a:extLst>
+        </p:spPr>
+      </p:pic>
+      <p:pic>
+        <p:nvPicPr>
+          <p:cNvPr id="5158" name="Picture 38">
+            <a:extLst>
+              <a:ext uri="{FF2B5EF4-FFF2-40B4-BE49-F238E27FC236}">
+                <a16:creationId xmlns:a16="http://schemas.microsoft.com/office/drawing/2014/main" id="{113E654B-A2D0-4BDB-ACB4-63A8C020DF44}"/>
+              </a:ext>
+            </a:extLst>
+          </p:cNvPr>
+          <p:cNvPicPr>
+            <a:picLocks noChangeAspect="1" noChangeArrowheads="1"/>
+          </p:cNvPicPr>
+          <p:nvPr/>
+        </p:nvPicPr>
+        <p:blipFill>
+          <a:blip r:embed="rId18">
+            <a:extLst>
+              <a:ext uri="{28A0092B-C50C-407E-A947-70E740481C1C}">
+                <a14:useLocalDpi xmlns:a14="http://schemas.microsoft.com/office/drawing/2010/main" val="0"/>
+              </a:ext>
+            </a:extLst>
+          </a:blip>
+          <a:srcRect/>
+          <a:stretch>
+            <a:fillRect/>
+          </a:stretch>
+        </p:blipFill>
+        <p:spPr bwMode="auto">
+          <a:xfrm>
+            <a:off x="876281" y="2174494"/>
+            <a:ext cx="495400" cy="500253"/>
+          </a:xfrm>
+          <a:prstGeom prst="rect">
+            <a:avLst/>
+          </a:prstGeom>
+          <a:noFill/>
+          <a:extLst>
+            <a:ext uri="{909E8E84-426E-40DD-AFC4-6F175D3DCCD1}">
+              <a14:hiddenFill xmlns:a14="http://schemas.microsoft.com/office/drawing/2010/main">
+                <a:solidFill>
+                  <a:srgbClr val="FFFFFF"/>
+                </a:solidFill>
+              </a14:hiddenFill>
+            </a:ext>
+          </a:extLst>
+        </p:spPr>
+      </p:pic>
+      <p:pic>
+        <p:nvPicPr>
+          <p:cNvPr id="5160" name="Picture 40">
+            <a:extLst>
+              <a:ext uri="{FF2B5EF4-FFF2-40B4-BE49-F238E27FC236}">
+                <a16:creationId xmlns:a16="http://schemas.microsoft.com/office/drawing/2014/main" id="{262C9255-FF0A-43DB-AB67-06DD957D1F90}"/>
+              </a:ext>
+            </a:extLst>
+          </p:cNvPr>
+          <p:cNvPicPr>
+            <a:picLocks noChangeAspect="1" noChangeArrowheads="1"/>
+          </p:cNvPicPr>
+          <p:nvPr/>
+        </p:nvPicPr>
+        <p:blipFill rotWithShape="1">
+          <a:blip r:embed="rId19">
+            <a:extLst>
+              <a:ext uri="{28A0092B-C50C-407E-A947-70E740481C1C}">
+                <a14:useLocalDpi xmlns:a14="http://schemas.microsoft.com/office/drawing/2010/main" val="0"/>
+              </a:ext>
+            </a:extLst>
+          </a:blip>
+          <a:srcRect l="21847" r="21847"/>
+          <a:stretch/>
+        </p:blipFill>
+        <p:spPr bwMode="auto">
+          <a:xfrm>
+            <a:off x="1547126" y="2152281"/>
+            <a:ext cx="523661" cy="523661"/>
+          </a:xfrm>
+          <a:prstGeom prst="rect">
+            <a:avLst/>
+          </a:prstGeom>
+          <a:noFill/>
+          <a:extLst>
+            <a:ext uri="{909E8E84-426E-40DD-AFC4-6F175D3DCCD1}">
+              <a14:hiddenFill xmlns:a14="http://schemas.microsoft.com/office/drawing/2010/main">
+                <a:solidFill>
+                  <a:srgbClr val="FFFFFF"/>
+                </a:solidFill>
+              </a14:hiddenFill>
+            </a:ext>
+          </a:extLst>
+        </p:spPr>
+      </p:pic>
+      <p:pic>
+        <p:nvPicPr>
+          <p:cNvPr id="5162" name="Picture 42">
+            <a:extLst>
+              <a:ext uri="{FF2B5EF4-FFF2-40B4-BE49-F238E27FC236}">
+                <a16:creationId xmlns:a16="http://schemas.microsoft.com/office/drawing/2014/main" id="{17900052-3781-48FF-9AA8-A759E69B3418}"/>
+              </a:ext>
+            </a:extLst>
+          </p:cNvPr>
+          <p:cNvPicPr>
+            <a:picLocks noChangeAspect="1" noChangeArrowheads="1"/>
+          </p:cNvPicPr>
+          <p:nvPr/>
+        </p:nvPicPr>
+        <p:blipFill rotWithShape="1">
+          <a:blip r:embed="rId20">
+            <a:extLst>
+              <a:ext uri="{28A0092B-C50C-407E-A947-70E740481C1C}">
+                <a14:useLocalDpi xmlns:a14="http://schemas.microsoft.com/office/drawing/2010/main" val="0"/>
+              </a:ext>
+            </a:extLst>
+          </a:blip>
+          <a:srcRect l="24894" t="18069" r="24894" b="18069"/>
+          <a:stretch/>
+        </p:blipFill>
+        <p:spPr bwMode="auto">
+          <a:xfrm>
+            <a:off x="2267725" y="2203834"/>
+            <a:ext cx="456444" cy="431790"/>
+          </a:xfrm>
+          <a:prstGeom prst="rect">
+            <a:avLst/>
+          </a:prstGeom>
+          <a:noFill/>
+          <a:extLst>
+            <a:ext uri="{909E8E84-426E-40DD-AFC4-6F175D3DCCD1}">
+              <a14:hiddenFill xmlns:a14="http://schemas.microsoft.com/office/drawing/2010/main">
+                <a:solidFill>
+                  <a:srgbClr val="FFFFFF"/>
+                </a:solidFill>
+              </a14:hiddenFill>
+            </a:ext>
+          </a:extLst>
+        </p:spPr>
+      </p:pic>
+      <p:pic>
+        <p:nvPicPr>
+          <p:cNvPr id="5164" name="Picture 44">
+            <a:extLst>
+              <a:ext uri="{FF2B5EF4-FFF2-40B4-BE49-F238E27FC236}">
+                <a16:creationId xmlns:a16="http://schemas.microsoft.com/office/drawing/2014/main" id="{A301296D-9EEC-441E-9BAC-CD8C36888F63}"/>
+              </a:ext>
+            </a:extLst>
+          </p:cNvPr>
+          <p:cNvPicPr>
+            <a:picLocks noChangeAspect="1" noChangeArrowheads="1"/>
+          </p:cNvPicPr>
+          <p:nvPr/>
+        </p:nvPicPr>
+        <p:blipFill>
+          <a:blip r:embed="rId21">
+            <a:extLst>
+              <a:ext uri="{28A0092B-C50C-407E-A947-70E740481C1C}">
+                <a14:useLocalDpi xmlns:a14="http://schemas.microsoft.com/office/drawing/2010/main" val="0"/>
+              </a:ext>
+            </a:extLst>
+          </a:blip>
+          <a:srcRect/>
+          <a:stretch>
+            <a:fillRect/>
+          </a:stretch>
+        </p:blipFill>
+        <p:spPr bwMode="auto">
+          <a:xfrm>
+            <a:off x="2997076" y="2228795"/>
+            <a:ext cx="391649" cy="391649"/>
+          </a:xfrm>
+          <a:prstGeom prst="rect">
+            <a:avLst/>
+          </a:prstGeom>
+          <a:noFill/>
+          <a:extLst>
+            <a:ext uri="{909E8E84-426E-40DD-AFC4-6F175D3DCCD1}">
+              <a14:hiddenFill xmlns:a14="http://schemas.microsoft.com/office/drawing/2010/main">
+                <a:solidFill>
+                  <a:srgbClr val="FFFFFF"/>
+                </a:solidFill>
+              </a14:hiddenFill>
+            </a:ext>
+          </a:extLst>
+        </p:spPr>
+      </p:pic>
+    </p:spTree>
+    <p:extLst>
+      <p:ext uri="{BB962C8B-B14F-4D97-AF65-F5344CB8AC3E}">
+        <p14:creationId xmlns:p14="http://schemas.microsoft.com/office/powerpoint/2010/main" val="2659276025"/>
+      </p:ext>
+    </p:extLst>
+  </p:cSld>
+  <p:clrMapOvr>
+    <a:masterClrMapping/>
+  </p:clrMapOvr>
+</p:sld>
+</file>
+
+<file path=ppt/slides/slide4.xml><?xml version="1.0" encoding="utf-8"?>
+<p:sld xmlns:a="http://schemas.openxmlformats.org/drawingml/2006/main" xmlns:r="http://schemas.openxmlformats.org/officeDocument/2006/relationships" xmlns:p="http://schemas.openxmlformats.org/presentationml/2006/main">
+  <p:cSld>
+    <p:spTree>
+      <p:nvGrpSpPr>
+        <p:cNvPr id="1" name=""/>
+        <p:cNvGrpSpPr/>
+        <p:nvPr/>
+      </p:nvGrpSpPr>
+      <p:grpSpPr>
+        <a:xfrm>
+          <a:off x="0" y="0"/>
+          <a:ext cx="0" cy="0"/>
+          <a:chOff x="0" y="0"/>
+          <a:chExt cx="0" cy="0"/>
+        </a:xfrm>
+      </p:grpSpPr>
+      <p:sp>
+        <p:nvSpPr>
+          <p:cNvPr id="4" name="矩形 3">
+            <a:extLst>
+              <a:ext uri="{FF2B5EF4-FFF2-40B4-BE49-F238E27FC236}">
+                <a16:creationId xmlns:a16="http://schemas.microsoft.com/office/drawing/2014/main" id="{4B6A3EA0-EA2F-4118-AC31-A53F87B1A959}"/>
+              </a:ext>
+            </a:extLst>
+          </p:cNvPr>
+          <p:cNvSpPr/>
+          <p:nvPr/>
+        </p:nvSpPr>
+        <p:spPr>
+          <a:xfrm>
+            <a:off x="157395" y="289809"/>
+            <a:ext cx="554637" cy="554637"/>
+          </a:xfrm>
+          <a:prstGeom prst="rect">
+            <a:avLst/>
+          </a:prstGeom>
+          <a:solidFill>
+            <a:schemeClr val="tx1"/>
+          </a:solidFill>
+          <a:ln>
+            <a:noFill/>
+          </a:ln>
+        </p:spPr>
+        <p:style>
+          <a:lnRef idx="2">
+            <a:schemeClr val="accent1">
+              <a:shade val="50000"/>
+            </a:schemeClr>
+          </a:lnRef>
+          <a:fillRef idx="1">
+            <a:schemeClr val="accent1"/>
+          </a:fillRef>
+          <a:effectRef idx="0">
+            <a:schemeClr val="accent1"/>
+          </a:effectRef>
+          <a:fontRef idx="minor">
+            <a:schemeClr val="lt1"/>
+          </a:fontRef>
+        </p:style>
+        <p:txBody>
+          <a:bodyPr rtlCol="0" anchor="ctr"/>
+          <a:lstStyle/>
+          <a:p>
+            <a:pPr algn="ctr"/>
+            <a:endParaRPr lang="zh-CN" altLang="en-US"/>
+          </a:p>
+        </p:txBody>
+      </p:sp>
+      <p:sp>
+        <p:nvSpPr>
+          <p:cNvPr id="5" name="矩形 4">
+            <a:extLst>
+              <a:ext uri="{FF2B5EF4-FFF2-40B4-BE49-F238E27FC236}">
+                <a16:creationId xmlns:a16="http://schemas.microsoft.com/office/drawing/2014/main" id="{562BA60E-1739-4D2A-9B0B-98D8B47FA23E}"/>
+              </a:ext>
+            </a:extLst>
+          </p:cNvPr>
+          <p:cNvSpPr/>
+          <p:nvPr/>
+        </p:nvSpPr>
+        <p:spPr>
+          <a:xfrm>
+            <a:off x="846942" y="289809"/>
+            <a:ext cx="554637" cy="554637"/>
+          </a:xfrm>
+          <a:prstGeom prst="rect">
+            <a:avLst/>
+          </a:prstGeom>
+          <a:solidFill>
+            <a:schemeClr val="tx1"/>
+          </a:solidFill>
+          <a:ln>
+            <a:noFill/>
+          </a:ln>
+        </p:spPr>
+        <p:style>
+          <a:lnRef idx="2">
+            <a:schemeClr val="accent1">
+              <a:shade val="50000"/>
+            </a:schemeClr>
+          </a:lnRef>
+          <a:fillRef idx="1">
+            <a:schemeClr val="accent1"/>
+          </a:fillRef>
+          <a:effectRef idx="0">
+            <a:schemeClr val="accent1"/>
+          </a:effectRef>
+          <a:fontRef idx="minor">
+            <a:schemeClr val="lt1"/>
+          </a:fontRef>
+        </p:style>
+        <p:txBody>
+          <a:bodyPr rtlCol="0" anchor="ctr"/>
+          <a:lstStyle/>
+          <a:p>
+            <a:pPr algn="ctr"/>
+            <a:endParaRPr lang="zh-CN" altLang="en-US"/>
+          </a:p>
+        </p:txBody>
+      </p:sp>
+      <p:sp>
+        <p:nvSpPr>
+          <p:cNvPr id="6" name="矩形 5">
+            <a:extLst>
+              <a:ext uri="{FF2B5EF4-FFF2-40B4-BE49-F238E27FC236}">
+                <a16:creationId xmlns:a16="http://schemas.microsoft.com/office/drawing/2014/main" id="{428B6E96-377D-4C70-968B-5E5BC3ADDFB4}"/>
+              </a:ext>
+            </a:extLst>
+          </p:cNvPr>
+          <p:cNvSpPr/>
+          <p:nvPr/>
+        </p:nvSpPr>
+        <p:spPr>
+          <a:xfrm>
+            <a:off x="1536489" y="292307"/>
+            <a:ext cx="554637" cy="554637"/>
+          </a:xfrm>
+          <a:prstGeom prst="rect">
+            <a:avLst/>
+          </a:prstGeom>
+          <a:solidFill>
+            <a:schemeClr val="tx1"/>
+          </a:solidFill>
+          <a:ln>
+            <a:noFill/>
+          </a:ln>
+        </p:spPr>
+        <p:style>
+          <a:lnRef idx="2">
+            <a:schemeClr val="accent1">
+              <a:shade val="50000"/>
+            </a:schemeClr>
+          </a:lnRef>
+          <a:fillRef idx="1">
+            <a:schemeClr val="accent1"/>
+          </a:fillRef>
+          <a:effectRef idx="0">
+            <a:schemeClr val="accent1"/>
+          </a:effectRef>
+          <a:fontRef idx="minor">
+            <a:schemeClr val="lt1"/>
+          </a:fontRef>
+        </p:style>
+        <p:txBody>
+          <a:bodyPr rtlCol="0" anchor="ctr"/>
+          <a:lstStyle/>
+          <a:p>
+            <a:pPr algn="ctr"/>
+            <a:endParaRPr lang="zh-CN" altLang="en-US" dirty="0"/>
+          </a:p>
+        </p:txBody>
+      </p:sp>
+      <p:sp>
+        <p:nvSpPr>
+          <p:cNvPr id="7" name="矩形 6">
+            <a:extLst>
+              <a:ext uri="{FF2B5EF4-FFF2-40B4-BE49-F238E27FC236}">
+                <a16:creationId xmlns:a16="http://schemas.microsoft.com/office/drawing/2014/main" id="{51C6EBFE-C566-42FB-B1A8-FD264B541A36}"/>
+              </a:ext>
+            </a:extLst>
+          </p:cNvPr>
+          <p:cNvSpPr/>
+          <p:nvPr/>
+        </p:nvSpPr>
+        <p:spPr>
+          <a:xfrm>
+            <a:off x="2226036" y="289809"/>
+            <a:ext cx="554637" cy="554637"/>
+          </a:xfrm>
+          <a:prstGeom prst="rect">
+            <a:avLst/>
+          </a:prstGeom>
+          <a:solidFill>
+            <a:schemeClr val="tx1"/>
+          </a:solidFill>
+          <a:ln>
+            <a:noFill/>
+          </a:ln>
+        </p:spPr>
+        <p:style>
+          <a:lnRef idx="2">
+            <a:schemeClr val="accent1">
+              <a:shade val="50000"/>
+            </a:schemeClr>
+          </a:lnRef>
+          <a:fillRef idx="1">
+            <a:schemeClr val="accent1"/>
+          </a:fillRef>
+          <a:effectRef idx="0">
+            <a:schemeClr val="accent1"/>
+          </a:effectRef>
+          <a:fontRef idx="minor">
+            <a:schemeClr val="lt1"/>
+          </a:fontRef>
+        </p:style>
+        <p:txBody>
+          <a:bodyPr rtlCol="0" anchor="ctr"/>
+          <a:lstStyle/>
+          <a:p>
+            <a:pPr algn="ctr"/>
+            <a:endParaRPr lang="zh-CN" altLang="en-US"/>
+          </a:p>
+        </p:txBody>
+      </p:sp>
+      <p:sp>
+        <p:nvSpPr>
+          <p:cNvPr id="8" name="矩形 7">
+            <a:extLst>
+              <a:ext uri="{FF2B5EF4-FFF2-40B4-BE49-F238E27FC236}">
+                <a16:creationId xmlns:a16="http://schemas.microsoft.com/office/drawing/2014/main" id="{FE04E00E-C242-47C1-8014-C24AE13535F4}"/>
+              </a:ext>
+            </a:extLst>
+          </p:cNvPr>
+          <p:cNvSpPr/>
+          <p:nvPr/>
+        </p:nvSpPr>
+        <p:spPr>
+          <a:xfrm>
+            <a:off x="2915583" y="289809"/>
+            <a:ext cx="554637" cy="554637"/>
+          </a:xfrm>
+          <a:prstGeom prst="rect">
+            <a:avLst/>
+          </a:prstGeom>
+          <a:solidFill>
+            <a:schemeClr val="tx1"/>
+          </a:solidFill>
+          <a:ln>
+            <a:noFill/>
+          </a:ln>
+        </p:spPr>
+        <p:style>
+          <a:lnRef idx="2">
+            <a:schemeClr val="accent1">
+              <a:shade val="50000"/>
+            </a:schemeClr>
+          </a:lnRef>
+          <a:fillRef idx="1">
+            <a:schemeClr val="accent1"/>
+          </a:fillRef>
+          <a:effectRef idx="0">
+            <a:schemeClr val="accent1"/>
+          </a:effectRef>
+          <a:fontRef idx="minor">
+            <a:schemeClr val="lt1"/>
+          </a:fontRef>
+        </p:style>
+        <p:txBody>
+          <a:bodyPr rtlCol="0" anchor="ctr"/>
+          <a:lstStyle/>
+          <a:p>
+            <a:pPr algn="ctr"/>
+            <a:endParaRPr lang="zh-CN" altLang="en-US"/>
+          </a:p>
+        </p:txBody>
+      </p:sp>
+      <p:sp>
+        <p:nvSpPr>
+          <p:cNvPr id="9" name="矩形 8">
+            <a:extLst>
+              <a:ext uri="{FF2B5EF4-FFF2-40B4-BE49-F238E27FC236}">
+                <a16:creationId xmlns:a16="http://schemas.microsoft.com/office/drawing/2014/main" id="{0CB4B264-6FCA-46B9-AFD7-A465EBB76D85}"/>
+              </a:ext>
+            </a:extLst>
+          </p:cNvPr>
+          <p:cNvSpPr/>
+          <p:nvPr/>
+        </p:nvSpPr>
+        <p:spPr>
+          <a:xfrm>
+            <a:off x="157395" y="909402"/>
+            <a:ext cx="554637" cy="554637"/>
+          </a:xfrm>
+          <a:prstGeom prst="rect">
+            <a:avLst/>
+          </a:prstGeom>
+          <a:solidFill>
+            <a:schemeClr val="tx1"/>
+          </a:solidFill>
+          <a:ln>
+            <a:noFill/>
+          </a:ln>
+        </p:spPr>
+        <p:style>
+          <a:lnRef idx="2">
+            <a:schemeClr val="accent1">
+              <a:shade val="50000"/>
+            </a:schemeClr>
+          </a:lnRef>
+          <a:fillRef idx="1">
+            <a:schemeClr val="accent1"/>
+          </a:fillRef>
+          <a:effectRef idx="0">
+            <a:schemeClr val="accent1"/>
+          </a:effectRef>
+          <a:fontRef idx="minor">
+            <a:schemeClr val="lt1"/>
+          </a:fontRef>
+        </p:style>
+        <p:txBody>
+          <a:bodyPr rtlCol="0" anchor="ctr"/>
+          <a:lstStyle/>
+          <a:p>
+            <a:pPr algn="ctr"/>
+            <a:endParaRPr lang="zh-CN" altLang="en-US" dirty="0"/>
+          </a:p>
+        </p:txBody>
+      </p:sp>
+      <p:sp>
+        <p:nvSpPr>
+          <p:cNvPr id="10" name="矩形 9">
+            <a:extLst>
+              <a:ext uri="{FF2B5EF4-FFF2-40B4-BE49-F238E27FC236}">
+                <a16:creationId xmlns:a16="http://schemas.microsoft.com/office/drawing/2014/main" id="{4802AAAA-3166-46BB-BA77-BB5A528FEED6}"/>
+              </a:ext>
+            </a:extLst>
+          </p:cNvPr>
+          <p:cNvSpPr/>
+          <p:nvPr/>
+        </p:nvSpPr>
+        <p:spPr>
+          <a:xfrm>
+            <a:off x="846942" y="909402"/>
+            <a:ext cx="554637" cy="554637"/>
+          </a:xfrm>
+          <a:prstGeom prst="rect">
+            <a:avLst/>
+          </a:prstGeom>
+          <a:solidFill>
+            <a:schemeClr val="tx1"/>
+          </a:solidFill>
+          <a:ln>
+            <a:noFill/>
+          </a:ln>
+        </p:spPr>
+        <p:style>
+          <a:lnRef idx="2">
+            <a:schemeClr val="accent1">
+              <a:shade val="50000"/>
+            </a:schemeClr>
+          </a:lnRef>
+          <a:fillRef idx="1">
+            <a:schemeClr val="accent1"/>
+          </a:fillRef>
+          <a:effectRef idx="0">
+            <a:schemeClr val="accent1"/>
+          </a:effectRef>
+          <a:fontRef idx="minor">
+            <a:schemeClr val="lt1"/>
+          </a:fontRef>
+        </p:style>
+        <p:txBody>
+          <a:bodyPr rtlCol="0" anchor="ctr"/>
+          <a:lstStyle/>
+          <a:p>
+            <a:pPr algn="ctr"/>
+            <a:endParaRPr lang="zh-CN" altLang="en-US" dirty="0"/>
+          </a:p>
+        </p:txBody>
+      </p:sp>
+      <p:sp>
+        <p:nvSpPr>
+          <p:cNvPr id="11" name="矩形 10">
+            <a:extLst>
+              <a:ext uri="{FF2B5EF4-FFF2-40B4-BE49-F238E27FC236}">
+                <a16:creationId xmlns:a16="http://schemas.microsoft.com/office/drawing/2014/main" id="{86E53BFC-9145-415C-80CC-EC608471974C}"/>
+              </a:ext>
+            </a:extLst>
+          </p:cNvPr>
+          <p:cNvSpPr/>
+          <p:nvPr/>
+        </p:nvSpPr>
+        <p:spPr>
+          <a:xfrm>
+            <a:off x="1536489" y="911900"/>
+            <a:ext cx="554637" cy="554637"/>
+          </a:xfrm>
+          <a:prstGeom prst="rect">
+            <a:avLst/>
+          </a:prstGeom>
+          <a:solidFill>
+            <a:schemeClr val="tx1"/>
+          </a:solidFill>
+          <a:ln>
+            <a:noFill/>
+          </a:ln>
+        </p:spPr>
+        <p:style>
+          <a:lnRef idx="2">
+            <a:schemeClr val="accent1">
+              <a:shade val="50000"/>
+            </a:schemeClr>
+          </a:lnRef>
+          <a:fillRef idx="1">
+            <a:schemeClr val="accent1"/>
+          </a:fillRef>
+          <a:effectRef idx="0">
+            <a:schemeClr val="accent1"/>
+          </a:effectRef>
+          <a:fontRef idx="minor">
+            <a:schemeClr val="lt1"/>
+          </a:fontRef>
+        </p:style>
+        <p:txBody>
+          <a:bodyPr rtlCol="0" anchor="ctr"/>
+          <a:lstStyle/>
+          <a:p>
+            <a:pPr algn="ctr"/>
+            <a:endParaRPr lang="zh-CN" altLang="en-US"/>
+          </a:p>
+        </p:txBody>
+      </p:sp>
+      <p:sp>
+        <p:nvSpPr>
+          <p:cNvPr id="12" name="矩形 11">
+            <a:extLst>
+              <a:ext uri="{FF2B5EF4-FFF2-40B4-BE49-F238E27FC236}">
+                <a16:creationId xmlns:a16="http://schemas.microsoft.com/office/drawing/2014/main" id="{564E6D32-4661-48D3-9B11-DA6F3723E58D}"/>
+              </a:ext>
+            </a:extLst>
+          </p:cNvPr>
+          <p:cNvSpPr/>
+          <p:nvPr/>
+        </p:nvSpPr>
+        <p:spPr>
+          <a:xfrm>
+            <a:off x="2226036" y="909402"/>
+            <a:ext cx="554637" cy="554637"/>
+          </a:xfrm>
+          <a:prstGeom prst="rect">
+            <a:avLst/>
+          </a:prstGeom>
+          <a:solidFill>
+            <a:schemeClr val="tx1"/>
+          </a:solidFill>
+          <a:ln>
+            <a:noFill/>
+          </a:ln>
+        </p:spPr>
+        <p:style>
+          <a:lnRef idx="2">
+            <a:schemeClr val="accent1">
+              <a:shade val="50000"/>
+            </a:schemeClr>
+          </a:lnRef>
+          <a:fillRef idx="1">
+            <a:schemeClr val="accent1"/>
+          </a:fillRef>
+          <a:effectRef idx="0">
+            <a:schemeClr val="accent1"/>
+          </a:effectRef>
+          <a:fontRef idx="minor">
+            <a:schemeClr val="lt1"/>
+          </a:fontRef>
+        </p:style>
+        <p:txBody>
+          <a:bodyPr rtlCol="0" anchor="ctr"/>
+          <a:lstStyle/>
+          <a:p>
+            <a:pPr algn="ctr"/>
+            <a:endParaRPr lang="zh-CN" altLang="en-US"/>
+          </a:p>
+        </p:txBody>
+      </p:sp>
+      <p:sp>
+        <p:nvSpPr>
+          <p:cNvPr id="13" name="矩形 12">
+            <a:extLst>
+              <a:ext uri="{FF2B5EF4-FFF2-40B4-BE49-F238E27FC236}">
+                <a16:creationId xmlns:a16="http://schemas.microsoft.com/office/drawing/2014/main" id="{0A8318E4-DB05-4180-82C0-22368200204B}"/>
+              </a:ext>
+            </a:extLst>
+          </p:cNvPr>
+          <p:cNvSpPr/>
+          <p:nvPr/>
+        </p:nvSpPr>
+        <p:spPr>
+          <a:xfrm>
+            <a:off x="2915583" y="909402"/>
+            <a:ext cx="554637" cy="554637"/>
+          </a:xfrm>
+          <a:prstGeom prst="rect">
+            <a:avLst/>
+          </a:prstGeom>
+          <a:solidFill>
+            <a:schemeClr val="tx1"/>
+          </a:solidFill>
+          <a:ln>
+            <a:noFill/>
+          </a:ln>
+        </p:spPr>
+        <p:style>
+          <a:lnRef idx="2">
+            <a:schemeClr val="accent1">
+              <a:shade val="50000"/>
+            </a:schemeClr>
+          </a:lnRef>
+          <a:fillRef idx="1">
+            <a:schemeClr val="accent1"/>
+          </a:fillRef>
+          <a:effectRef idx="0">
+            <a:schemeClr val="accent1"/>
+          </a:effectRef>
+          <a:fontRef idx="minor">
+            <a:schemeClr val="lt1"/>
+          </a:fontRef>
+        </p:style>
+        <p:txBody>
+          <a:bodyPr rtlCol="0" anchor="ctr"/>
+          <a:lstStyle/>
+          <a:p>
+            <a:pPr algn="ctr"/>
+            <a:endParaRPr lang="zh-CN" altLang="en-US"/>
+          </a:p>
+        </p:txBody>
+      </p:sp>
+      <p:sp>
+        <p:nvSpPr>
+          <p:cNvPr id="14" name="矩形 13">
+            <a:extLst>
+              <a:ext uri="{FF2B5EF4-FFF2-40B4-BE49-F238E27FC236}">
+                <a16:creationId xmlns:a16="http://schemas.microsoft.com/office/drawing/2014/main" id="{05463C1E-D282-4E1D-BB7A-1BA940D1C547}"/>
+              </a:ext>
+            </a:extLst>
+          </p:cNvPr>
+          <p:cNvSpPr/>
+          <p:nvPr/>
+        </p:nvSpPr>
+        <p:spPr>
+          <a:xfrm>
+            <a:off x="157395" y="1528995"/>
+            <a:ext cx="554637" cy="554637"/>
+          </a:xfrm>
+          <a:prstGeom prst="rect">
+            <a:avLst/>
+          </a:prstGeom>
+          <a:solidFill>
+            <a:schemeClr val="tx1"/>
+          </a:solidFill>
+          <a:ln>
+            <a:noFill/>
+          </a:ln>
+        </p:spPr>
+        <p:style>
+          <a:lnRef idx="2">
+            <a:schemeClr val="accent1">
+              <a:shade val="50000"/>
+            </a:schemeClr>
+          </a:lnRef>
+          <a:fillRef idx="1">
+            <a:schemeClr val="accent1"/>
+          </a:fillRef>
+          <a:effectRef idx="0">
+            <a:schemeClr val="accent1"/>
+          </a:effectRef>
+          <a:fontRef idx="minor">
+            <a:schemeClr val="lt1"/>
+          </a:fontRef>
+        </p:style>
+        <p:txBody>
+          <a:bodyPr rtlCol="0" anchor="ctr"/>
+          <a:lstStyle/>
+          <a:p>
+            <a:pPr algn="ctr"/>
+            <a:endParaRPr lang="zh-CN" altLang="en-US" dirty="0"/>
+          </a:p>
+        </p:txBody>
+      </p:sp>
+      <p:sp>
+        <p:nvSpPr>
+          <p:cNvPr id="15" name="矩形 14">
+            <a:extLst>
+              <a:ext uri="{FF2B5EF4-FFF2-40B4-BE49-F238E27FC236}">
+                <a16:creationId xmlns:a16="http://schemas.microsoft.com/office/drawing/2014/main" id="{53DEB41E-B962-4CBF-AB96-C08991C65A7F}"/>
+              </a:ext>
+            </a:extLst>
+          </p:cNvPr>
+          <p:cNvSpPr/>
+          <p:nvPr/>
+        </p:nvSpPr>
+        <p:spPr>
+          <a:xfrm>
+            <a:off x="846942" y="1528995"/>
+            <a:ext cx="554637" cy="554637"/>
+          </a:xfrm>
+          <a:prstGeom prst="rect">
+            <a:avLst/>
+          </a:prstGeom>
+          <a:solidFill>
+            <a:schemeClr val="tx1"/>
+          </a:solidFill>
+          <a:ln>
+            <a:noFill/>
+          </a:ln>
+        </p:spPr>
+        <p:style>
+          <a:lnRef idx="2">
+            <a:schemeClr val="accent1">
+              <a:shade val="50000"/>
+            </a:schemeClr>
+          </a:lnRef>
+          <a:fillRef idx="1">
+            <a:schemeClr val="accent1"/>
+          </a:fillRef>
+          <a:effectRef idx="0">
+            <a:schemeClr val="accent1"/>
+          </a:effectRef>
+          <a:fontRef idx="minor">
+            <a:schemeClr val="lt1"/>
+          </a:fontRef>
+        </p:style>
+        <p:txBody>
+          <a:bodyPr rtlCol="0" anchor="ctr"/>
+          <a:lstStyle/>
+          <a:p>
+            <a:pPr algn="ctr"/>
+            <a:endParaRPr lang="zh-CN" altLang="en-US"/>
+          </a:p>
+        </p:txBody>
+      </p:sp>
+      <p:sp>
+        <p:nvSpPr>
+          <p:cNvPr id="16" name="矩形 15">
+            <a:extLst>
+              <a:ext uri="{FF2B5EF4-FFF2-40B4-BE49-F238E27FC236}">
+                <a16:creationId xmlns:a16="http://schemas.microsoft.com/office/drawing/2014/main" id="{54C6CF70-FBB2-4056-BBFD-92592C5B1C10}"/>
+              </a:ext>
+            </a:extLst>
+          </p:cNvPr>
+          <p:cNvSpPr/>
+          <p:nvPr/>
+        </p:nvSpPr>
+        <p:spPr>
+          <a:xfrm>
+            <a:off x="1536489" y="1531493"/>
+            <a:ext cx="554637" cy="554637"/>
+          </a:xfrm>
+          <a:prstGeom prst="rect">
+            <a:avLst/>
+          </a:prstGeom>
+          <a:solidFill>
+            <a:schemeClr val="tx1"/>
+          </a:solidFill>
+          <a:ln>
+            <a:noFill/>
+          </a:ln>
+        </p:spPr>
+        <p:style>
+          <a:lnRef idx="2">
+            <a:schemeClr val="accent1">
+              <a:shade val="50000"/>
+            </a:schemeClr>
+          </a:lnRef>
+          <a:fillRef idx="1">
+            <a:schemeClr val="accent1"/>
+          </a:fillRef>
+          <a:effectRef idx="0">
+            <a:schemeClr val="accent1"/>
+          </a:effectRef>
+          <a:fontRef idx="minor">
+            <a:schemeClr val="lt1"/>
+          </a:fontRef>
+        </p:style>
+        <p:txBody>
+          <a:bodyPr rtlCol="0" anchor="ctr"/>
+          <a:lstStyle/>
+          <a:p>
+            <a:pPr algn="ctr"/>
+            <a:endParaRPr lang="zh-CN" altLang="en-US" dirty="0"/>
+          </a:p>
+        </p:txBody>
+      </p:sp>
+      <p:sp>
+        <p:nvSpPr>
+          <p:cNvPr id="17" name="矩形 16">
+            <a:extLst>
+              <a:ext uri="{FF2B5EF4-FFF2-40B4-BE49-F238E27FC236}">
+                <a16:creationId xmlns:a16="http://schemas.microsoft.com/office/drawing/2014/main" id="{E13FCCE0-12BB-4846-ABA9-FA1E3E3546C5}"/>
+              </a:ext>
+            </a:extLst>
+          </p:cNvPr>
+          <p:cNvSpPr/>
+          <p:nvPr/>
+        </p:nvSpPr>
+        <p:spPr>
+          <a:xfrm>
+            <a:off x="2226036" y="1528995"/>
+            <a:ext cx="554637" cy="554637"/>
+          </a:xfrm>
+          <a:prstGeom prst="rect">
+            <a:avLst/>
+          </a:prstGeom>
+          <a:solidFill>
+            <a:schemeClr val="tx1"/>
+          </a:solidFill>
+          <a:ln>
+            <a:noFill/>
+          </a:ln>
+        </p:spPr>
+        <p:style>
+          <a:lnRef idx="2">
+            <a:schemeClr val="accent1">
+              <a:shade val="50000"/>
+            </a:schemeClr>
+          </a:lnRef>
+          <a:fillRef idx="1">
+            <a:schemeClr val="accent1"/>
+          </a:fillRef>
+          <a:effectRef idx="0">
+            <a:schemeClr val="accent1"/>
+          </a:effectRef>
+          <a:fontRef idx="minor">
+            <a:schemeClr val="lt1"/>
+          </a:fontRef>
+        </p:style>
+        <p:txBody>
+          <a:bodyPr rtlCol="0" anchor="ctr"/>
+          <a:lstStyle/>
+          <a:p>
+            <a:pPr algn="ctr"/>
+            <a:endParaRPr lang="zh-CN" altLang="en-US"/>
+          </a:p>
+        </p:txBody>
+      </p:sp>
+      <p:sp>
+        <p:nvSpPr>
+          <p:cNvPr id="18" name="矩形 17">
+            <a:extLst>
+              <a:ext uri="{FF2B5EF4-FFF2-40B4-BE49-F238E27FC236}">
+                <a16:creationId xmlns:a16="http://schemas.microsoft.com/office/drawing/2014/main" id="{2082353D-0B67-48A6-A5BF-33F9236FE2E5}"/>
+              </a:ext>
+            </a:extLst>
+          </p:cNvPr>
+          <p:cNvSpPr/>
+          <p:nvPr/>
+        </p:nvSpPr>
+        <p:spPr>
+          <a:xfrm>
+            <a:off x="2915583" y="1528995"/>
+            <a:ext cx="554637" cy="554637"/>
+          </a:xfrm>
+          <a:prstGeom prst="rect">
+            <a:avLst/>
+          </a:prstGeom>
+          <a:solidFill>
+            <a:schemeClr val="tx1"/>
+          </a:solidFill>
+          <a:ln>
+            <a:noFill/>
+          </a:ln>
+        </p:spPr>
+        <p:style>
+          <a:lnRef idx="2">
+            <a:schemeClr val="accent1">
+              <a:shade val="50000"/>
+            </a:schemeClr>
+          </a:lnRef>
+          <a:fillRef idx="1">
+            <a:schemeClr val="accent1"/>
+          </a:fillRef>
+          <a:effectRef idx="0">
+            <a:schemeClr val="accent1"/>
+          </a:effectRef>
+          <a:fontRef idx="minor">
+            <a:schemeClr val="lt1"/>
+          </a:fontRef>
+        </p:style>
+        <p:txBody>
+          <a:bodyPr rtlCol="0" anchor="ctr"/>
+          <a:lstStyle/>
+          <a:p>
+            <a:pPr algn="ctr"/>
+            <a:endParaRPr lang="zh-CN" altLang="en-US"/>
+          </a:p>
+        </p:txBody>
+      </p:sp>
+      <p:sp>
+        <p:nvSpPr>
+          <p:cNvPr id="19" name="矩形 18">
+            <a:extLst>
+              <a:ext uri="{FF2B5EF4-FFF2-40B4-BE49-F238E27FC236}">
+                <a16:creationId xmlns:a16="http://schemas.microsoft.com/office/drawing/2014/main" id="{EFA50990-19C8-4B96-A446-8915B9B67BD7}"/>
+              </a:ext>
+            </a:extLst>
+          </p:cNvPr>
+          <p:cNvSpPr/>
+          <p:nvPr/>
+        </p:nvSpPr>
+        <p:spPr>
+          <a:xfrm>
+            <a:off x="157395" y="2148588"/>
+            <a:ext cx="554637" cy="554637"/>
+          </a:xfrm>
+          <a:prstGeom prst="rect">
+            <a:avLst/>
+          </a:prstGeom>
+          <a:solidFill>
+            <a:schemeClr val="tx1"/>
+          </a:solidFill>
+          <a:ln>
+            <a:noFill/>
+          </a:ln>
+        </p:spPr>
+        <p:style>
+          <a:lnRef idx="2">
+            <a:schemeClr val="accent1">
+              <a:shade val="50000"/>
+            </a:schemeClr>
+          </a:lnRef>
+          <a:fillRef idx="1">
+            <a:schemeClr val="accent1"/>
+          </a:fillRef>
+          <a:effectRef idx="0">
+            <a:schemeClr val="accent1"/>
+          </a:effectRef>
+          <a:fontRef idx="minor">
+            <a:schemeClr val="lt1"/>
+          </a:fontRef>
+        </p:style>
+        <p:txBody>
+          <a:bodyPr rtlCol="0" anchor="ctr"/>
+          <a:lstStyle/>
+          <a:p>
+            <a:pPr algn="ctr"/>
+            <a:endParaRPr lang="zh-CN" altLang="en-US"/>
+          </a:p>
+        </p:txBody>
+      </p:sp>
+      <p:sp>
+        <p:nvSpPr>
+          <p:cNvPr id="20" name="矩形 19">
+            <a:extLst>
+              <a:ext uri="{FF2B5EF4-FFF2-40B4-BE49-F238E27FC236}">
+                <a16:creationId xmlns:a16="http://schemas.microsoft.com/office/drawing/2014/main" id="{E31FC630-9F49-4348-A99D-91BC522C2B54}"/>
+              </a:ext>
+            </a:extLst>
+          </p:cNvPr>
+          <p:cNvSpPr/>
+          <p:nvPr/>
+        </p:nvSpPr>
+        <p:spPr>
+          <a:xfrm>
+            <a:off x="846942" y="2148588"/>
+            <a:ext cx="554637" cy="554637"/>
+          </a:xfrm>
+          <a:prstGeom prst="rect">
+            <a:avLst/>
+          </a:prstGeom>
+          <a:solidFill>
+            <a:schemeClr val="tx1"/>
+          </a:solidFill>
+          <a:ln>
+            <a:noFill/>
+          </a:ln>
+        </p:spPr>
+        <p:style>
+          <a:lnRef idx="2">
+            <a:schemeClr val="accent1">
+              <a:shade val="50000"/>
+            </a:schemeClr>
+          </a:lnRef>
+          <a:fillRef idx="1">
+            <a:schemeClr val="accent1"/>
+          </a:fillRef>
+          <a:effectRef idx="0">
+            <a:schemeClr val="accent1"/>
+          </a:effectRef>
+          <a:fontRef idx="minor">
+            <a:schemeClr val="lt1"/>
+          </a:fontRef>
+        </p:style>
+        <p:txBody>
+          <a:bodyPr rtlCol="0" anchor="ctr"/>
+          <a:lstStyle/>
+          <a:p>
+            <a:pPr algn="ctr"/>
+            <a:endParaRPr lang="zh-CN" altLang="en-US" dirty="0"/>
+          </a:p>
+        </p:txBody>
+      </p:sp>
+      <p:sp>
+        <p:nvSpPr>
+          <p:cNvPr id="21" name="矩形 20">
+            <a:extLst>
+              <a:ext uri="{FF2B5EF4-FFF2-40B4-BE49-F238E27FC236}">
+                <a16:creationId xmlns:a16="http://schemas.microsoft.com/office/drawing/2014/main" id="{ED3B4B37-535C-41FA-8190-5F1ECCC99053}"/>
+              </a:ext>
+            </a:extLst>
+          </p:cNvPr>
+          <p:cNvSpPr/>
+          <p:nvPr/>
+        </p:nvSpPr>
+        <p:spPr>
+          <a:xfrm>
+            <a:off x="1536489" y="2151086"/>
+            <a:ext cx="554637" cy="554637"/>
+          </a:xfrm>
+          <a:prstGeom prst="rect">
+            <a:avLst/>
+          </a:prstGeom>
+          <a:solidFill>
+            <a:schemeClr val="tx1"/>
+          </a:solidFill>
+          <a:ln>
+            <a:noFill/>
+          </a:ln>
+        </p:spPr>
+        <p:style>
+          <a:lnRef idx="2">
+            <a:schemeClr val="accent1">
+              <a:shade val="50000"/>
+            </a:schemeClr>
+          </a:lnRef>
+          <a:fillRef idx="1">
+            <a:schemeClr val="accent1"/>
+          </a:fillRef>
+          <a:effectRef idx="0">
+            <a:schemeClr val="accent1"/>
+          </a:effectRef>
+          <a:fontRef idx="minor">
+            <a:schemeClr val="lt1"/>
+          </a:fontRef>
+        </p:style>
+        <p:txBody>
+          <a:bodyPr rtlCol="0" anchor="ctr"/>
+          <a:lstStyle/>
+          <a:p>
+            <a:pPr algn="ctr"/>
+            <a:endParaRPr lang="zh-CN" altLang="en-US"/>
+          </a:p>
+        </p:txBody>
+      </p:sp>
+      <p:sp>
+        <p:nvSpPr>
+          <p:cNvPr id="22" name="矩形 21">
+            <a:extLst>
+              <a:ext uri="{FF2B5EF4-FFF2-40B4-BE49-F238E27FC236}">
+                <a16:creationId xmlns:a16="http://schemas.microsoft.com/office/drawing/2014/main" id="{CB76759C-7F6B-41C6-95F1-5C51CDE42FC2}"/>
+              </a:ext>
+            </a:extLst>
+          </p:cNvPr>
+          <p:cNvSpPr/>
+          <p:nvPr/>
+        </p:nvSpPr>
+        <p:spPr>
+          <a:xfrm>
+            <a:off x="2226036" y="2148588"/>
+            <a:ext cx="554637" cy="554637"/>
+          </a:xfrm>
+          <a:prstGeom prst="rect">
+            <a:avLst/>
+          </a:prstGeom>
+          <a:solidFill>
+            <a:schemeClr val="tx1"/>
+          </a:solidFill>
+          <a:ln>
+            <a:noFill/>
+          </a:ln>
+        </p:spPr>
+        <p:style>
+          <a:lnRef idx="2">
+            <a:schemeClr val="accent1">
+              <a:shade val="50000"/>
+            </a:schemeClr>
+          </a:lnRef>
+          <a:fillRef idx="1">
+            <a:schemeClr val="accent1"/>
+          </a:fillRef>
+          <a:effectRef idx="0">
+            <a:schemeClr val="accent1"/>
+          </a:effectRef>
+          <a:fontRef idx="minor">
+            <a:schemeClr val="lt1"/>
+          </a:fontRef>
+        </p:style>
+        <p:txBody>
+          <a:bodyPr rtlCol="0" anchor="ctr"/>
+          <a:lstStyle/>
+          <a:p>
+            <a:pPr algn="ctr"/>
+            <a:endParaRPr lang="zh-CN" altLang="en-US" dirty="0"/>
+          </a:p>
+        </p:txBody>
+      </p:sp>
+      <p:sp>
+        <p:nvSpPr>
+          <p:cNvPr id="23" name="矩形 22">
+            <a:extLst>
+              <a:ext uri="{FF2B5EF4-FFF2-40B4-BE49-F238E27FC236}">
+                <a16:creationId xmlns:a16="http://schemas.microsoft.com/office/drawing/2014/main" id="{6DA5D0B7-EAB8-445B-9AED-C907AA82EE9D}"/>
+              </a:ext>
+            </a:extLst>
+          </p:cNvPr>
+          <p:cNvSpPr/>
+          <p:nvPr/>
+        </p:nvSpPr>
+        <p:spPr>
+          <a:xfrm>
+            <a:off x="2915583" y="2148588"/>
+            <a:ext cx="554637" cy="554637"/>
+          </a:xfrm>
+          <a:prstGeom prst="rect">
+            <a:avLst/>
+          </a:prstGeom>
+          <a:solidFill>
+            <a:schemeClr val="tx1"/>
+          </a:solidFill>
+          <a:ln>
+            <a:noFill/>
+          </a:ln>
+        </p:spPr>
+        <p:style>
+          <a:lnRef idx="2">
+            <a:schemeClr val="accent1">
+              <a:shade val="50000"/>
+            </a:schemeClr>
+          </a:lnRef>
+          <a:fillRef idx="1">
+            <a:schemeClr val="accent1"/>
+          </a:fillRef>
+          <a:effectRef idx="0">
+            <a:schemeClr val="accent1"/>
+          </a:effectRef>
+          <a:fontRef idx="minor">
+            <a:schemeClr val="lt1"/>
+          </a:fontRef>
+        </p:style>
+        <p:txBody>
+          <a:bodyPr rtlCol="0" anchor="ctr"/>
+          <a:lstStyle/>
+          <a:p>
+            <a:pPr algn="ctr"/>
+            <a:endParaRPr lang="zh-CN" altLang="en-US" dirty="0"/>
+          </a:p>
+        </p:txBody>
+      </p:sp>
+      <p:sp>
+        <p:nvSpPr>
+          <p:cNvPr id="24" name="矩形 23">
+            <a:extLst>
+              <a:ext uri="{FF2B5EF4-FFF2-40B4-BE49-F238E27FC236}">
+                <a16:creationId xmlns:a16="http://schemas.microsoft.com/office/drawing/2014/main" id="{7A39B9A3-F1C6-4044-9C7B-40E22A3EEDCB}"/>
+              </a:ext>
+            </a:extLst>
+          </p:cNvPr>
+          <p:cNvSpPr/>
+          <p:nvPr/>
+        </p:nvSpPr>
+        <p:spPr>
+          <a:xfrm>
+            <a:off x="157395" y="2768181"/>
+            <a:ext cx="554637" cy="554637"/>
+          </a:xfrm>
+          <a:prstGeom prst="rect">
+            <a:avLst/>
+          </a:prstGeom>
+          <a:solidFill>
+            <a:schemeClr val="tx1"/>
+          </a:solidFill>
+          <a:ln>
+            <a:noFill/>
+          </a:ln>
+        </p:spPr>
+        <p:style>
+          <a:lnRef idx="2">
+            <a:schemeClr val="accent1">
+              <a:shade val="50000"/>
+            </a:schemeClr>
+          </a:lnRef>
+          <a:fillRef idx="1">
+            <a:schemeClr val="accent1"/>
+          </a:fillRef>
+          <a:effectRef idx="0">
+            <a:schemeClr val="accent1"/>
+          </a:effectRef>
+          <a:fontRef idx="minor">
+            <a:schemeClr val="lt1"/>
+          </a:fontRef>
+        </p:style>
+        <p:txBody>
+          <a:bodyPr rtlCol="0" anchor="ctr"/>
+          <a:lstStyle/>
+          <a:p>
+            <a:pPr algn="ctr"/>
+            <a:endParaRPr lang="zh-CN" altLang="en-US"/>
+          </a:p>
+        </p:txBody>
+      </p:sp>
+      <p:sp>
+        <p:nvSpPr>
+          <p:cNvPr id="25" name="矩形 24">
+            <a:extLst>
+              <a:ext uri="{FF2B5EF4-FFF2-40B4-BE49-F238E27FC236}">
+                <a16:creationId xmlns:a16="http://schemas.microsoft.com/office/drawing/2014/main" id="{0F2ACE08-0C18-4918-BDCC-34707451CC1B}"/>
+              </a:ext>
+            </a:extLst>
+          </p:cNvPr>
+          <p:cNvSpPr/>
+          <p:nvPr/>
+        </p:nvSpPr>
+        <p:spPr>
+          <a:xfrm>
+            <a:off x="846942" y="2768181"/>
+            <a:ext cx="554637" cy="554637"/>
+          </a:xfrm>
+          <a:prstGeom prst="rect">
+            <a:avLst/>
+          </a:prstGeom>
+          <a:solidFill>
+            <a:schemeClr val="tx1"/>
+          </a:solidFill>
+          <a:ln>
+            <a:noFill/>
+          </a:ln>
+        </p:spPr>
+        <p:style>
+          <a:lnRef idx="2">
+            <a:schemeClr val="accent1">
+              <a:shade val="50000"/>
+            </a:schemeClr>
+          </a:lnRef>
+          <a:fillRef idx="1">
+            <a:schemeClr val="accent1"/>
+          </a:fillRef>
+          <a:effectRef idx="0">
+            <a:schemeClr val="accent1"/>
+          </a:effectRef>
+          <a:fontRef idx="minor">
+            <a:schemeClr val="lt1"/>
+          </a:fontRef>
+        </p:style>
+        <p:txBody>
+          <a:bodyPr rtlCol="0" anchor="ctr"/>
+          <a:lstStyle/>
+          <a:p>
+            <a:pPr algn="ctr"/>
+            <a:endParaRPr lang="zh-CN" altLang="en-US"/>
+          </a:p>
+        </p:txBody>
+      </p:sp>
+      <p:sp>
+        <p:nvSpPr>
+          <p:cNvPr id="26" name="矩形 25">
+            <a:extLst>
+              <a:ext uri="{FF2B5EF4-FFF2-40B4-BE49-F238E27FC236}">
+                <a16:creationId xmlns:a16="http://schemas.microsoft.com/office/drawing/2014/main" id="{C650C220-A923-4878-976E-B8AC3D3B3729}"/>
+              </a:ext>
+            </a:extLst>
+          </p:cNvPr>
+          <p:cNvSpPr/>
+          <p:nvPr/>
+        </p:nvSpPr>
+        <p:spPr>
+          <a:xfrm>
+            <a:off x="1536489" y="2770679"/>
+            <a:ext cx="554637" cy="554637"/>
+          </a:xfrm>
+          <a:prstGeom prst="rect">
+            <a:avLst/>
+          </a:prstGeom>
+          <a:solidFill>
+            <a:schemeClr val="tx1"/>
+          </a:solidFill>
+          <a:ln>
+            <a:noFill/>
+          </a:ln>
+        </p:spPr>
+        <p:style>
+          <a:lnRef idx="2">
+            <a:schemeClr val="accent1">
+              <a:shade val="50000"/>
+            </a:schemeClr>
+          </a:lnRef>
+          <a:fillRef idx="1">
+            <a:schemeClr val="accent1"/>
+          </a:fillRef>
+          <a:effectRef idx="0">
+            <a:schemeClr val="accent1"/>
+          </a:effectRef>
+          <a:fontRef idx="minor">
+            <a:schemeClr val="lt1"/>
+          </a:fontRef>
+        </p:style>
+        <p:txBody>
+          <a:bodyPr rtlCol="0" anchor="ctr"/>
+          <a:lstStyle/>
+          <a:p>
+            <a:pPr algn="ctr"/>
+            <a:endParaRPr lang="zh-CN" altLang="en-US" dirty="0"/>
+          </a:p>
+        </p:txBody>
+      </p:sp>
+      <p:sp>
+        <p:nvSpPr>
+          <p:cNvPr id="27" name="矩形 26">
+            <a:extLst>
+              <a:ext uri="{FF2B5EF4-FFF2-40B4-BE49-F238E27FC236}">
+                <a16:creationId xmlns:a16="http://schemas.microsoft.com/office/drawing/2014/main" id="{13C560D2-DC79-4667-AE29-5C60814FAFB0}"/>
+              </a:ext>
+            </a:extLst>
+          </p:cNvPr>
+          <p:cNvSpPr/>
+          <p:nvPr/>
+        </p:nvSpPr>
+        <p:spPr>
+          <a:xfrm>
+            <a:off x="2226036" y="2768181"/>
+            <a:ext cx="554637" cy="554637"/>
+          </a:xfrm>
+          <a:prstGeom prst="rect">
+            <a:avLst/>
+          </a:prstGeom>
+          <a:solidFill>
+            <a:schemeClr val="tx1"/>
+          </a:solidFill>
+          <a:ln>
+            <a:noFill/>
+          </a:ln>
+        </p:spPr>
+        <p:style>
+          <a:lnRef idx="2">
+            <a:schemeClr val="accent1">
+              <a:shade val="50000"/>
+            </a:schemeClr>
+          </a:lnRef>
+          <a:fillRef idx="1">
+            <a:schemeClr val="accent1"/>
+          </a:fillRef>
+          <a:effectRef idx="0">
+            <a:schemeClr val="accent1"/>
+          </a:effectRef>
+          <a:fontRef idx="minor">
+            <a:schemeClr val="lt1"/>
+          </a:fontRef>
+        </p:style>
+        <p:txBody>
+          <a:bodyPr rtlCol="0" anchor="ctr"/>
+          <a:lstStyle/>
+          <a:p>
+            <a:pPr algn="ctr"/>
+            <a:endParaRPr lang="zh-CN" altLang="en-US"/>
+          </a:p>
+        </p:txBody>
+      </p:sp>
+      <p:sp>
+        <p:nvSpPr>
+          <p:cNvPr id="28" name="矩形 27">
+            <a:extLst>
+              <a:ext uri="{FF2B5EF4-FFF2-40B4-BE49-F238E27FC236}">
+                <a16:creationId xmlns:a16="http://schemas.microsoft.com/office/drawing/2014/main" id="{6A7DF887-5500-4D00-9A17-5066E0D960B4}"/>
+              </a:ext>
+            </a:extLst>
+          </p:cNvPr>
+          <p:cNvSpPr/>
+          <p:nvPr/>
+        </p:nvSpPr>
+        <p:spPr>
+          <a:xfrm>
+            <a:off x="2915583" y="2768181"/>
+            <a:ext cx="554637" cy="554637"/>
+          </a:xfrm>
+          <a:prstGeom prst="rect">
+            <a:avLst/>
+          </a:prstGeom>
+          <a:solidFill>
+            <a:schemeClr val="tx1"/>
+          </a:solidFill>
+          <a:ln>
+            <a:noFill/>
+          </a:ln>
+        </p:spPr>
+        <p:style>
+          <a:lnRef idx="2">
+            <a:schemeClr val="accent1">
+              <a:shade val="50000"/>
+            </a:schemeClr>
+          </a:lnRef>
+          <a:fillRef idx="1">
+            <a:schemeClr val="accent1"/>
+          </a:fillRef>
+          <a:effectRef idx="0">
+            <a:schemeClr val="accent1"/>
+          </a:effectRef>
+          <a:fontRef idx="minor">
+            <a:schemeClr val="lt1"/>
+          </a:fontRef>
+        </p:style>
+        <p:txBody>
+          <a:bodyPr rtlCol="0" anchor="ctr"/>
+          <a:lstStyle/>
+          <a:p>
+            <a:pPr algn="ctr"/>
+            <a:endParaRPr lang="zh-CN" altLang="en-US" dirty="0"/>
+          </a:p>
+        </p:txBody>
+      </p:sp>
+    </p:spTree>
+    <p:extLst>
+      <p:ext uri="{BB962C8B-B14F-4D97-AF65-F5344CB8AC3E}">
+        <p14:creationId xmlns:p14="http://schemas.microsoft.com/office/powerpoint/2010/main" val="2040502770"/>
+      </p:ext>
+    </p:extLst>
+  </p:cSld>
+  <p:clrMapOvr>
+    <a:masterClrMapping/>
+  </p:clrMapOvr>
+</p:sld>
+</file>
+
+<file path=ppt/slides/slide5.xml><?xml version="1.0" encoding="utf-8"?>
+<p:sld xmlns:a="http://schemas.openxmlformats.org/drawingml/2006/main" xmlns:r="http://schemas.openxmlformats.org/officeDocument/2006/relationships" xmlns:p="http://schemas.openxmlformats.org/presentationml/2006/main">
+  <p:cSld>
+    <p:spTree>
+      <p:nvGrpSpPr>
+        <p:cNvPr id="1" name=""/>
+        <p:cNvGrpSpPr/>
+        <p:nvPr/>
+      </p:nvGrpSpPr>
+      <p:grpSpPr>
+        <a:xfrm>
+          <a:off x="0" y="0"/>
+          <a:ext cx="0" cy="0"/>
+          <a:chOff x="0" y="0"/>
+          <a:chExt cx="0" cy="0"/>
+        </a:xfrm>
+      </p:grpSpPr>
+      <p:sp>
+        <p:nvSpPr>
+          <p:cNvPr id="4" name="矩形 3">
+            <a:extLst>
+              <a:ext uri="{FF2B5EF4-FFF2-40B4-BE49-F238E27FC236}">
+                <a16:creationId xmlns:a16="http://schemas.microsoft.com/office/drawing/2014/main" id="{4B6A3EA0-EA2F-4118-AC31-A53F87B1A959}"/>
+              </a:ext>
+            </a:extLst>
+          </p:cNvPr>
+          <p:cNvSpPr/>
+          <p:nvPr/>
+        </p:nvSpPr>
+        <p:spPr>
+          <a:xfrm>
+            <a:off x="157395" y="289809"/>
+            <a:ext cx="554637" cy="554637"/>
+          </a:xfrm>
+          <a:prstGeom prst="rect">
+            <a:avLst/>
+          </a:prstGeom>
+          <a:solidFill>
+            <a:schemeClr val="tx1"/>
+          </a:solidFill>
+          <a:ln>
+            <a:noFill/>
+          </a:ln>
+        </p:spPr>
+        <p:style>
+          <a:lnRef idx="2">
+            <a:schemeClr val="accent1">
+              <a:shade val="50000"/>
+            </a:schemeClr>
+          </a:lnRef>
+          <a:fillRef idx="1">
+            <a:schemeClr val="accent1"/>
+          </a:fillRef>
+          <a:effectRef idx="0">
+            <a:schemeClr val="accent1"/>
+          </a:effectRef>
+          <a:fontRef idx="minor">
+            <a:schemeClr val="lt1"/>
+          </a:fontRef>
+        </p:style>
+        <p:txBody>
+          <a:bodyPr rtlCol="0" anchor="ctr"/>
+          <a:lstStyle/>
+          <a:p>
+            <a:pPr algn="ctr"/>
+            <a:endParaRPr lang="zh-CN" altLang="en-US"/>
+          </a:p>
+        </p:txBody>
+      </p:sp>
+      <p:sp>
+        <p:nvSpPr>
+          <p:cNvPr id="5" name="矩形 4">
+            <a:extLst>
+              <a:ext uri="{FF2B5EF4-FFF2-40B4-BE49-F238E27FC236}">
+                <a16:creationId xmlns:a16="http://schemas.microsoft.com/office/drawing/2014/main" id="{562BA60E-1739-4D2A-9B0B-98D8B47FA23E}"/>
+              </a:ext>
+            </a:extLst>
+          </p:cNvPr>
+          <p:cNvSpPr/>
+          <p:nvPr/>
+        </p:nvSpPr>
+        <p:spPr>
+          <a:xfrm>
+            <a:off x="846942" y="289809"/>
+            <a:ext cx="554637" cy="554637"/>
+          </a:xfrm>
+          <a:prstGeom prst="rect">
+            <a:avLst/>
+          </a:prstGeom>
+          <a:solidFill>
+            <a:schemeClr val="tx1"/>
+          </a:solidFill>
+          <a:ln>
+            <a:noFill/>
+          </a:ln>
+        </p:spPr>
+        <p:style>
+          <a:lnRef idx="2">
+            <a:schemeClr val="accent1">
+              <a:shade val="50000"/>
+            </a:schemeClr>
+          </a:lnRef>
+          <a:fillRef idx="1">
+            <a:schemeClr val="accent1"/>
+          </a:fillRef>
+          <a:effectRef idx="0">
+            <a:schemeClr val="accent1"/>
+          </a:effectRef>
+          <a:fontRef idx="minor">
+            <a:schemeClr val="lt1"/>
+          </a:fontRef>
+        </p:style>
+        <p:txBody>
+          <a:bodyPr rtlCol="0" anchor="ctr"/>
+          <a:lstStyle/>
+          <a:p>
+            <a:pPr algn="ctr"/>
+            <a:endParaRPr lang="zh-CN" altLang="en-US"/>
+          </a:p>
+        </p:txBody>
+      </p:sp>
+      <p:sp>
+        <p:nvSpPr>
+          <p:cNvPr id="6" name="矩形 5">
+            <a:extLst>
+              <a:ext uri="{FF2B5EF4-FFF2-40B4-BE49-F238E27FC236}">
+                <a16:creationId xmlns:a16="http://schemas.microsoft.com/office/drawing/2014/main" id="{428B6E96-377D-4C70-968B-5E5BC3ADDFB4}"/>
+              </a:ext>
+            </a:extLst>
+          </p:cNvPr>
+          <p:cNvSpPr/>
+          <p:nvPr/>
+        </p:nvSpPr>
+        <p:spPr>
+          <a:xfrm>
+            <a:off x="1536489" y="292307"/>
+            <a:ext cx="554637" cy="554637"/>
+          </a:xfrm>
+          <a:prstGeom prst="rect">
+            <a:avLst/>
+          </a:prstGeom>
+          <a:solidFill>
+            <a:schemeClr val="tx1"/>
+          </a:solidFill>
+          <a:ln>
+            <a:noFill/>
+          </a:ln>
+        </p:spPr>
+        <p:style>
+          <a:lnRef idx="2">
+            <a:schemeClr val="accent1">
+              <a:shade val="50000"/>
+            </a:schemeClr>
+          </a:lnRef>
+          <a:fillRef idx="1">
+            <a:schemeClr val="accent1"/>
+          </a:fillRef>
+          <a:effectRef idx="0">
+            <a:schemeClr val="accent1"/>
+          </a:effectRef>
+          <a:fontRef idx="minor">
+            <a:schemeClr val="lt1"/>
+          </a:fontRef>
+        </p:style>
+        <p:txBody>
+          <a:bodyPr rtlCol="0" anchor="ctr"/>
+          <a:lstStyle/>
+          <a:p>
+            <a:pPr algn="ctr"/>
+            <a:endParaRPr lang="zh-CN" altLang="en-US" dirty="0"/>
+          </a:p>
+        </p:txBody>
+      </p:sp>
+      <p:sp>
+        <p:nvSpPr>
+          <p:cNvPr id="7" name="矩形 6">
+            <a:extLst>
+              <a:ext uri="{FF2B5EF4-FFF2-40B4-BE49-F238E27FC236}">
+                <a16:creationId xmlns:a16="http://schemas.microsoft.com/office/drawing/2014/main" id="{51C6EBFE-C566-42FB-B1A8-FD264B541A36}"/>
+              </a:ext>
+            </a:extLst>
+          </p:cNvPr>
+          <p:cNvSpPr/>
+          <p:nvPr/>
+        </p:nvSpPr>
+        <p:spPr>
+          <a:xfrm>
+            <a:off x="2226036" y="289809"/>
+            <a:ext cx="554637" cy="554637"/>
+          </a:xfrm>
+          <a:prstGeom prst="rect">
+            <a:avLst/>
+          </a:prstGeom>
+          <a:solidFill>
+            <a:schemeClr val="tx1"/>
+          </a:solidFill>
+          <a:ln>
+            <a:noFill/>
+          </a:ln>
+        </p:spPr>
+        <p:style>
+          <a:lnRef idx="2">
+            <a:schemeClr val="accent1">
+              <a:shade val="50000"/>
+            </a:schemeClr>
+          </a:lnRef>
+          <a:fillRef idx="1">
+            <a:schemeClr val="accent1"/>
+          </a:fillRef>
+          <a:effectRef idx="0">
+            <a:schemeClr val="accent1"/>
+          </a:effectRef>
+          <a:fontRef idx="minor">
+            <a:schemeClr val="lt1"/>
+          </a:fontRef>
+        </p:style>
+        <p:txBody>
+          <a:bodyPr rtlCol="0" anchor="ctr"/>
+          <a:lstStyle/>
+          <a:p>
+            <a:pPr algn="ctr"/>
+            <a:endParaRPr lang="zh-CN" altLang="en-US"/>
+          </a:p>
+        </p:txBody>
+      </p:sp>
+      <p:sp>
+        <p:nvSpPr>
+          <p:cNvPr id="8" name="矩形 7">
+            <a:extLst>
+              <a:ext uri="{FF2B5EF4-FFF2-40B4-BE49-F238E27FC236}">
+                <a16:creationId xmlns:a16="http://schemas.microsoft.com/office/drawing/2014/main" id="{FE04E00E-C242-47C1-8014-C24AE13535F4}"/>
+              </a:ext>
+            </a:extLst>
+          </p:cNvPr>
+          <p:cNvSpPr/>
+          <p:nvPr/>
+        </p:nvSpPr>
+        <p:spPr>
+          <a:xfrm>
+            <a:off x="2915583" y="289809"/>
+            <a:ext cx="554637" cy="554637"/>
+          </a:xfrm>
+          <a:prstGeom prst="rect">
+            <a:avLst/>
+          </a:prstGeom>
+          <a:solidFill>
+            <a:schemeClr val="tx1"/>
+          </a:solidFill>
+          <a:ln>
+            <a:noFill/>
+          </a:ln>
+        </p:spPr>
+        <p:style>
+          <a:lnRef idx="2">
+            <a:schemeClr val="accent1">
+              <a:shade val="50000"/>
+            </a:schemeClr>
+          </a:lnRef>
+          <a:fillRef idx="1">
+            <a:schemeClr val="accent1"/>
+          </a:fillRef>
+          <a:effectRef idx="0">
+            <a:schemeClr val="accent1"/>
+          </a:effectRef>
+          <a:fontRef idx="minor">
+            <a:schemeClr val="lt1"/>
+          </a:fontRef>
+        </p:style>
+        <p:txBody>
+          <a:bodyPr rtlCol="0" anchor="ctr"/>
+          <a:lstStyle/>
+          <a:p>
+            <a:pPr algn="ctr"/>
+            <a:endParaRPr lang="zh-CN" altLang="en-US"/>
+          </a:p>
+        </p:txBody>
+      </p:sp>
+      <p:sp>
+        <p:nvSpPr>
+          <p:cNvPr id="9" name="矩形 8">
+            <a:extLst>
+              <a:ext uri="{FF2B5EF4-FFF2-40B4-BE49-F238E27FC236}">
+                <a16:creationId xmlns:a16="http://schemas.microsoft.com/office/drawing/2014/main" id="{0CB4B264-6FCA-46B9-AFD7-A465EBB76D85}"/>
+              </a:ext>
+            </a:extLst>
+          </p:cNvPr>
+          <p:cNvSpPr/>
+          <p:nvPr/>
+        </p:nvSpPr>
+        <p:spPr>
+          <a:xfrm>
+            <a:off x="157395" y="909402"/>
+            <a:ext cx="554637" cy="554637"/>
+          </a:xfrm>
+          <a:prstGeom prst="rect">
+            <a:avLst/>
+          </a:prstGeom>
+          <a:solidFill>
+            <a:schemeClr val="tx1"/>
+          </a:solidFill>
+          <a:ln>
+            <a:noFill/>
+          </a:ln>
+        </p:spPr>
+        <p:style>
+          <a:lnRef idx="2">
+            <a:schemeClr val="accent1">
+              <a:shade val="50000"/>
+            </a:schemeClr>
+          </a:lnRef>
+          <a:fillRef idx="1">
+            <a:schemeClr val="accent1"/>
+          </a:fillRef>
+          <a:effectRef idx="0">
+            <a:schemeClr val="accent1"/>
+          </a:effectRef>
+          <a:fontRef idx="minor">
+            <a:schemeClr val="lt1"/>
+          </a:fontRef>
+        </p:style>
+        <p:txBody>
+          <a:bodyPr rtlCol="0" anchor="ctr"/>
+          <a:lstStyle/>
+          <a:p>
+            <a:pPr algn="ctr"/>
+            <a:endParaRPr lang="zh-CN" altLang="en-US" dirty="0"/>
+          </a:p>
+        </p:txBody>
+      </p:sp>
+      <p:sp>
+        <p:nvSpPr>
+          <p:cNvPr id="10" name="矩形 9">
+            <a:extLst>
+              <a:ext uri="{FF2B5EF4-FFF2-40B4-BE49-F238E27FC236}">
+                <a16:creationId xmlns:a16="http://schemas.microsoft.com/office/drawing/2014/main" id="{4802AAAA-3166-46BB-BA77-BB5A528FEED6}"/>
+              </a:ext>
+            </a:extLst>
+          </p:cNvPr>
+          <p:cNvSpPr/>
+          <p:nvPr/>
+        </p:nvSpPr>
+        <p:spPr>
+          <a:xfrm>
+            <a:off x="846942" y="909402"/>
+            <a:ext cx="554637" cy="554637"/>
+          </a:xfrm>
+          <a:prstGeom prst="rect">
+            <a:avLst/>
+          </a:prstGeom>
+          <a:solidFill>
+            <a:schemeClr val="tx1"/>
+          </a:solidFill>
+          <a:ln>
+            <a:noFill/>
+          </a:ln>
+        </p:spPr>
+        <p:style>
+          <a:lnRef idx="2">
+            <a:schemeClr val="accent1">
+              <a:shade val="50000"/>
+            </a:schemeClr>
+          </a:lnRef>
+          <a:fillRef idx="1">
+            <a:schemeClr val="accent1"/>
+          </a:fillRef>
+          <a:effectRef idx="0">
+            <a:schemeClr val="accent1"/>
+          </a:effectRef>
+          <a:fontRef idx="minor">
+            <a:schemeClr val="lt1"/>
+          </a:fontRef>
+        </p:style>
+        <p:txBody>
+          <a:bodyPr rtlCol="0" anchor="ctr"/>
+          <a:lstStyle/>
+          <a:p>
+            <a:pPr algn="ctr"/>
+            <a:endParaRPr lang="zh-CN" altLang="en-US" dirty="0"/>
+          </a:p>
+        </p:txBody>
+      </p:sp>
+      <p:sp>
+        <p:nvSpPr>
+          <p:cNvPr id="11" name="矩形 10">
+            <a:extLst>
+              <a:ext uri="{FF2B5EF4-FFF2-40B4-BE49-F238E27FC236}">
+                <a16:creationId xmlns:a16="http://schemas.microsoft.com/office/drawing/2014/main" id="{86E53BFC-9145-415C-80CC-EC608471974C}"/>
+              </a:ext>
+            </a:extLst>
+          </p:cNvPr>
+          <p:cNvSpPr/>
+          <p:nvPr/>
+        </p:nvSpPr>
+        <p:spPr>
+          <a:xfrm>
+            <a:off x="1536489" y="911900"/>
+            <a:ext cx="554637" cy="554637"/>
+          </a:xfrm>
+          <a:prstGeom prst="rect">
+            <a:avLst/>
+          </a:prstGeom>
+          <a:solidFill>
+            <a:schemeClr val="tx1"/>
+          </a:solidFill>
+          <a:ln>
+            <a:noFill/>
+          </a:ln>
+        </p:spPr>
+        <p:style>
+          <a:lnRef idx="2">
+            <a:schemeClr val="accent1">
+              <a:shade val="50000"/>
+            </a:schemeClr>
+          </a:lnRef>
+          <a:fillRef idx="1">
+            <a:schemeClr val="accent1"/>
+          </a:fillRef>
+          <a:effectRef idx="0">
+            <a:schemeClr val="accent1"/>
+          </a:effectRef>
+          <a:fontRef idx="minor">
+            <a:schemeClr val="lt1"/>
+          </a:fontRef>
+        </p:style>
+        <p:txBody>
+          <a:bodyPr rtlCol="0" anchor="ctr"/>
+          <a:lstStyle/>
+          <a:p>
+            <a:pPr algn="ctr"/>
+            <a:endParaRPr lang="zh-CN" altLang="en-US"/>
+          </a:p>
+        </p:txBody>
+      </p:sp>
+      <p:sp>
+        <p:nvSpPr>
+          <p:cNvPr id="12" name="矩形 11">
+            <a:extLst>
+              <a:ext uri="{FF2B5EF4-FFF2-40B4-BE49-F238E27FC236}">
+                <a16:creationId xmlns:a16="http://schemas.microsoft.com/office/drawing/2014/main" id="{564E6D32-4661-48D3-9B11-DA6F3723E58D}"/>
+              </a:ext>
+            </a:extLst>
+          </p:cNvPr>
+          <p:cNvSpPr/>
+          <p:nvPr/>
+        </p:nvSpPr>
+        <p:spPr>
+          <a:xfrm>
+            <a:off x="2226036" y="909402"/>
+            <a:ext cx="554637" cy="554637"/>
+          </a:xfrm>
+          <a:prstGeom prst="rect">
+            <a:avLst/>
+          </a:prstGeom>
+          <a:solidFill>
+            <a:schemeClr val="tx1"/>
+          </a:solidFill>
+          <a:ln>
+            <a:noFill/>
+          </a:ln>
+        </p:spPr>
+        <p:style>
+          <a:lnRef idx="2">
+            <a:schemeClr val="accent1">
+              <a:shade val="50000"/>
+            </a:schemeClr>
+          </a:lnRef>
+          <a:fillRef idx="1">
+            <a:schemeClr val="accent1"/>
+          </a:fillRef>
+          <a:effectRef idx="0">
+            <a:schemeClr val="accent1"/>
+          </a:effectRef>
+          <a:fontRef idx="minor">
+            <a:schemeClr val="lt1"/>
+          </a:fontRef>
+        </p:style>
+        <p:txBody>
+          <a:bodyPr rtlCol="0" anchor="ctr"/>
+          <a:lstStyle/>
+          <a:p>
+            <a:pPr algn="ctr"/>
+            <a:endParaRPr lang="zh-CN" altLang="en-US"/>
+          </a:p>
+        </p:txBody>
+      </p:sp>
+      <p:sp>
+        <p:nvSpPr>
+          <p:cNvPr id="13" name="矩形 12">
+            <a:extLst>
+              <a:ext uri="{FF2B5EF4-FFF2-40B4-BE49-F238E27FC236}">
+                <a16:creationId xmlns:a16="http://schemas.microsoft.com/office/drawing/2014/main" id="{0A8318E4-DB05-4180-82C0-22368200204B}"/>
+              </a:ext>
+            </a:extLst>
+          </p:cNvPr>
+          <p:cNvSpPr/>
+          <p:nvPr/>
+        </p:nvSpPr>
+        <p:spPr>
+          <a:xfrm>
+            <a:off x="2915583" y="909402"/>
+            <a:ext cx="554637" cy="554637"/>
+          </a:xfrm>
+          <a:prstGeom prst="rect">
+            <a:avLst/>
+          </a:prstGeom>
+          <a:solidFill>
+            <a:schemeClr val="tx1"/>
+          </a:solidFill>
+          <a:ln>
+            <a:noFill/>
+          </a:ln>
+        </p:spPr>
+        <p:style>
+          <a:lnRef idx="2">
+            <a:schemeClr val="accent1">
+              <a:shade val="50000"/>
+            </a:schemeClr>
+          </a:lnRef>
+          <a:fillRef idx="1">
+            <a:schemeClr val="accent1"/>
+          </a:fillRef>
+          <a:effectRef idx="0">
+            <a:schemeClr val="accent1"/>
+          </a:effectRef>
+          <a:fontRef idx="minor">
+            <a:schemeClr val="lt1"/>
+          </a:fontRef>
+        </p:style>
+        <p:txBody>
+          <a:bodyPr rtlCol="0" anchor="ctr"/>
+          <a:lstStyle/>
+          <a:p>
+            <a:pPr algn="ctr"/>
+            <a:endParaRPr lang="zh-CN" altLang="en-US"/>
+          </a:p>
+        </p:txBody>
+      </p:sp>
+      <p:sp>
+        <p:nvSpPr>
+          <p:cNvPr id="14" name="矩形 13">
+            <a:extLst>
+              <a:ext uri="{FF2B5EF4-FFF2-40B4-BE49-F238E27FC236}">
+                <a16:creationId xmlns:a16="http://schemas.microsoft.com/office/drawing/2014/main" id="{05463C1E-D282-4E1D-BB7A-1BA940D1C547}"/>
+              </a:ext>
+            </a:extLst>
+          </p:cNvPr>
+          <p:cNvSpPr/>
+          <p:nvPr/>
+        </p:nvSpPr>
+        <p:spPr>
+          <a:xfrm>
+            <a:off x="157395" y="1528995"/>
+            <a:ext cx="554637" cy="554637"/>
+          </a:xfrm>
+          <a:prstGeom prst="rect">
+            <a:avLst/>
+          </a:prstGeom>
+          <a:solidFill>
+            <a:schemeClr val="tx1"/>
+          </a:solidFill>
+          <a:ln>
+            <a:noFill/>
+          </a:ln>
+        </p:spPr>
+        <p:style>
+          <a:lnRef idx="2">
+            <a:schemeClr val="accent1">
+              <a:shade val="50000"/>
+            </a:schemeClr>
+          </a:lnRef>
+          <a:fillRef idx="1">
+            <a:schemeClr val="accent1"/>
+          </a:fillRef>
+          <a:effectRef idx="0">
+            <a:schemeClr val="accent1"/>
+          </a:effectRef>
+          <a:fontRef idx="minor">
+            <a:schemeClr val="lt1"/>
+          </a:fontRef>
+        </p:style>
+        <p:txBody>
+          <a:bodyPr rtlCol="0" anchor="ctr"/>
+          <a:lstStyle/>
+          <a:p>
+            <a:pPr algn="ctr"/>
+            <a:endParaRPr lang="zh-CN" altLang="en-US" dirty="0"/>
+          </a:p>
+        </p:txBody>
+      </p:sp>
+      <p:sp>
+        <p:nvSpPr>
+          <p:cNvPr id="15" name="矩形 14">
+            <a:extLst>
+              <a:ext uri="{FF2B5EF4-FFF2-40B4-BE49-F238E27FC236}">
+                <a16:creationId xmlns:a16="http://schemas.microsoft.com/office/drawing/2014/main" id="{53DEB41E-B962-4CBF-AB96-C08991C65A7F}"/>
+              </a:ext>
+            </a:extLst>
+          </p:cNvPr>
+          <p:cNvSpPr/>
+          <p:nvPr/>
+        </p:nvSpPr>
+        <p:spPr>
+          <a:xfrm>
+            <a:off x="846942" y="1528995"/>
+            <a:ext cx="554637" cy="554637"/>
+          </a:xfrm>
+          <a:prstGeom prst="rect">
+            <a:avLst/>
+          </a:prstGeom>
+          <a:solidFill>
+            <a:schemeClr val="tx1"/>
+          </a:solidFill>
+          <a:ln>
+            <a:noFill/>
+          </a:ln>
+        </p:spPr>
+        <p:style>
+          <a:lnRef idx="2">
+            <a:schemeClr val="accent1">
+              <a:shade val="50000"/>
+            </a:schemeClr>
+          </a:lnRef>
+          <a:fillRef idx="1">
+            <a:schemeClr val="accent1"/>
+          </a:fillRef>
+          <a:effectRef idx="0">
+            <a:schemeClr val="accent1"/>
+          </a:effectRef>
+          <a:fontRef idx="minor">
+            <a:schemeClr val="lt1"/>
+          </a:fontRef>
+        </p:style>
+        <p:txBody>
+          <a:bodyPr rtlCol="0" anchor="ctr"/>
+          <a:lstStyle/>
+          <a:p>
+            <a:pPr algn="ctr"/>
+            <a:endParaRPr lang="zh-CN" altLang="en-US"/>
+          </a:p>
+        </p:txBody>
+      </p:sp>
+      <p:sp>
+        <p:nvSpPr>
+          <p:cNvPr id="16" name="矩形 15">
+            <a:extLst>
+              <a:ext uri="{FF2B5EF4-FFF2-40B4-BE49-F238E27FC236}">
+                <a16:creationId xmlns:a16="http://schemas.microsoft.com/office/drawing/2014/main" id="{54C6CF70-FBB2-4056-BBFD-92592C5B1C10}"/>
+              </a:ext>
+            </a:extLst>
+          </p:cNvPr>
+          <p:cNvSpPr/>
+          <p:nvPr/>
+        </p:nvSpPr>
+        <p:spPr>
+          <a:xfrm>
+            <a:off x="1536489" y="1531493"/>
+            <a:ext cx="554637" cy="554637"/>
+          </a:xfrm>
+          <a:prstGeom prst="rect">
+            <a:avLst/>
+          </a:prstGeom>
+          <a:solidFill>
+            <a:schemeClr val="tx1"/>
+          </a:solidFill>
+          <a:ln>
+            <a:noFill/>
+          </a:ln>
+        </p:spPr>
+        <p:style>
+          <a:lnRef idx="2">
+            <a:schemeClr val="accent1">
+              <a:shade val="50000"/>
+            </a:schemeClr>
+          </a:lnRef>
+          <a:fillRef idx="1">
+            <a:schemeClr val="accent1"/>
+          </a:fillRef>
+          <a:effectRef idx="0">
+            <a:schemeClr val="accent1"/>
+          </a:effectRef>
+          <a:fontRef idx="minor">
+            <a:schemeClr val="lt1"/>
+          </a:fontRef>
+        </p:style>
+        <p:txBody>
+          <a:bodyPr rtlCol="0" anchor="ctr"/>
+          <a:lstStyle/>
+          <a:p>
+            <a:pPr algn="ctr"/>
+            <a:endParaRPr lang="zh-CN" altLang="en-US" dirty="0"/>
+          </a:p>
+        </p:txBody>
+      </p:sp>
+      <p:sp>
+        <p:nvSpPr>
+          <p:cNvPr id="17" name="矩形 16">
+            <a:extLst>
+              <a:ext uri="{FF2B5EF4-FFF2-40B4-BE49-F238E27FC236}">
+                <a16:creationId xmlns:a16="http://schemas.microsoft.com/office/drawing/2014/main" id="{E13FCCE0-12BB-4846-ABA9-FA1E3E3546C5}"/>
+              </a:ext>
+            </a:extLst>
+          </p:cNvPr>
+          <p:cNvSpPr/>
+          <p:nvPr/>
+        </p:nvSpPr>
+        <p:spPr>
+          <a:xfrm>
+            <a:off x="2226036" y="1528995"/>
+            <a:ext cx="554637" cy="554637"/>
+          </a:xfrm>
+          <a:prstGeom prst="rect">
+            <a:avLst/>
+          </a:prstGeom>
+          <a:solidFill>
+            <a:schemeClr val="tx1"/>
+          </a:solidFill>
+          <a:ln>
+            <a:noFill/>
+          </a:ln>
+        </p:spPr>
+        <p:style>
+          <a:lnRef idx="2">
+            <a:schemeClr val="accent1">
+              <a:shade val="50000"/>
+            </a:schemeClr>
+          </a:lnRef>
+          <a:fillRef idx="1">
+            <a:schemeClr val="accent1"/>
+          </a:fillRef>
+          <a:effectRef idx="0">
+            <a:schemeClr val="accent1"/>
+          </a:effectRef>
+          <a:fontRef idx="minor">
+            <a:schemeClr val="lt1"/>
+          </a:fontRef>
+        </p:style>
+        <p:txBody>
+          <a:bodyPr rtlCol="0" anchor="ctr"/>
+          <a:lstStyle/>
+          <a:p>
+            <a:pPr algn="ctr"/>
+            <a:endParaRPr lang="zh-CN" altLang="en-US"/>
+          </a:p>
+        </p:txBody>
+      </p:sp>
+      <p:sp>
+        <p:nvSpPr>
+          <p:cNvPr id="18" name="矩形 17">
+            <a:extLst>
+              <a:ext uri="{FF2B5EF4-FFF2-40B4-BE49-F238E27FC236}">
+                <a16:creationId xmlns:a16="http://schemas.microsoft.com/office/drawing/2014/main" id="{2082353D-0B67-48A6-A5BF-33F9236FE2E5}"/>
+              </a:ext>
+            </a:extLst>
+          </p:cNvPr>
+          <p:cNvSpPr/>
+          <p:nvPr/>
+        </p:nvSpPr>
+        <p:spPr>
+          <a:xfrm>
+            <a:off x="2915583" y="1528995"/>
+            <a:ext cx="554637" cy="554637"/>
+          </a:xfrm>
+          <a:prstGeom prst="rect">
+            <a:avLst/>
+          </a:prstGeom>
+          <a:solidFill>
+            <a:schemeClr val="tx1"/>
+          </a:solidFill>
+          <a:ln>
+            <a:noFill/>
+          </a:ln>
+        </p:spPr>
+        <p:style>
+          <a:lnRef idx="2">
+            <a:schemeClr val="accent1">
+              <a:shade val="50000"/>
+            </a:schemeClr>
+          </a:lnRef>
+          <a:fillRef idx="1">
+            <a:schemeClr val="accent1"/>
+          </a:fillRef>
+          <a:effectRef idx="0">
+            <a:schemeClr val="accent1"/>
+          </a:effectRef>
+          <a:fontRef idx="minor">
+            <a:schemeClr val="lt1"/>
+          </a:fontRef>
+        </p:style>
+        <p:txBody>
+          <a:bodyPr rtlCol="0" anchor="ctr"/>
+          <a:lstStyle/>
+          <a:p>
+            <a:pPr algn="ctr"/>
+            <a:endParaRPr lang="zh-CN" altLang="en-US"/>
+          </a:p>
+        </p:txBody>
+      </p:sp>
+      <p:sp>
+        <p:nvSpPr>
+          <p:cNvPr id="19" name="矩形 18">
+            <a:extLst>
+              <a:ext uri="{FF2B5EF4-FFF2-40B4-BE49-F238E27FC236}">
+                <a16:creationId xmlns:a16="http://schemas.microsoft.com/office/drawing/2014/main" id="{EFA50990-19C8-4B96-A446-8915B9B67BD7}"/>
+              </a:ext>
+            </a:extLst>
+          </p:cNvPr>
+          <p:cNvSpPr/>
+          <p:nvPr/>
+        </p:nvSpPr>
+        <p:spPr>
+          <a:xfrm>
+            <a:off x="157395" y="2148588"/>
+            <a:ext cx="554637" cy="554637"/>
+          </a:xfrm>
+          <a:prstGeom prst="rect">
+            <a:avLst/>
+          </a:prstGeom>
+          <a:solidFill>
+            <a:schemeClr val="tx1"/>
+          </a:solidFill>
+          <a:ln>
+            <a:noFill/>
+          </a:ln>
+        </p:spPr>
+        <p:style>
+          <a:lnRef idx="2">
+            <a:schemeClr val="accent1">
+              <a:shade val="50000"/>
+            </a:schemeClr>
+          </a:lnRef>
+          <a:fillRef idx="1">
+            <a:schemeClr val="accent1"/>
+          </a:fillRef>
+          <a:effectRef idx="0">
+            <a:schemeClr val="accent1"/>
+          </a:effectRef>
+          <a:fontRef idx="minor">
+            <a:schemeClr val="lt1"/>
+          </a:fontRef>
+        </p:style>
+        <p:txBody>
+          <a:bodyPr rtlCol="0" anchor="ctr"/>
+          <a:lstStyle/>
+          <a:p>
+            <a:pPr algn="ctr"/>
+            <a:endParaRPr lang="zh-CN" altLang="en-US"/>
+          </a:p>
+        </p:txBody>
+      </p:sp>
+      <p:sp>
+        <p:nvSpPr>
+          <p:cNvPr id="20" name="矩形 19">
+            <a:extLst>
+              <a:ext uri="{FF2B5EF4-FFF2-40B4-BE49-F238E27FC236}">
+                <a16:creationId xmlns:a16="http://schemas.microsoft.com/office/drawing/2014/main" id="{E31FC630-9F49-4348-A99D-91BC522C2B54}"/>
+              </a:ext>
+            </a:extLst>
+          </p:cNvPr>
+          <p:cNvSpPr/>
+          <p:nvPr/>
+        </p:nvSpPr>
+        <p:spPr>
+          <a:xfrm>
+            <a:off x="846942" y="2148588"/>
+            <a:ext cx="554637" cy="554637"/>
+          </a:xfrm>
+          <a:prstGeom prst="rect">
+            <a:avLst/>
+          </a:prstGeom>
+          <a:solidFill>
+            <a:schemeClr val="tx1"/>
+          </a:solidFill>
+          <a:ln>
+            <a:noFill/>
+          </a:ln>
+        </p:spPr>
+        <p:style>
+          <a:lnRef idx="2">
+            <a:schemeClr val="accent1">
+              <a:shade val="50000"/>
+            </a:schemeClr>
+          </a:lnRef>
+          <a:fillRef idx="1">
+            <a:schemeClr val="accent1"/>
+          </a:fillRef>
+          <a:effectRef idx="0">
+            <a:schemeClr val="accent1"/>
+          </a:effectRef>
+          <a:fontRef idx="minor">
+            <a:schemeClr val="lt1"/>
+          </a:fontRef>
+        </p:style>
+        <p:txBody>
+          <a:bodyPr rtlCol="0" anchor="ctr"/>
+          <a:lstStyle/>
+          <a:p>
+            <a:pPr algn="ctr"/>
+            <a:endParaRPr lang="zh-CN" altLang="en-US" dirty="0"/>
+          </a:p>
+        </p:txBody>
+      </p:sp>
+      <p:sp>
+        <p:nvSpPr>
+          <p:cNvPr id="21" name="矩形 20">
+            <a:extLst>
+              <a:ext uri="{FF2B5EF4-FFF2-40B4-BE49-F238E27FC236}">
+                <a16:creationId xmlns:a16="http://schemas.microsoft.com/office/drawing/2014/main" id="{ED3B4B37-535C-41FA-8190-5F1ECCC99053}"/>
+              </a:ext>
+            </a:extLst>
+          </p:cNvPr>
+          <p:cNvSpPr/>
+          <p:nvPr/>
+        </p:nvSpPr>
+        <p:spPr>
+          <a:xfrm>
+            <a:off x="1536489" y="2151086"/>
+            <a:ext cx="554637" cy="554637"/>
+          </a:xfrm>
+          <a:prstGeom prst="rect">
+            <a:avLst/>
+          </a:prstGeom>
+          <a:solidFill>
+            <a:schemeClr val="tx1"/>
+          </a:solidFill>
+          <a:ln>
+            <a:noFill/>
+          </a:ln>
+        </p:spPr>
+        <p:style>
+          <a:lnRef idx="2">
+            <a:schemeClr val="accent1">
+              <a:shade val="50000"/>
+            </a:schemeClr>
+          </a:lnRef>
+          <a:fillRef idx="1">
+            <a:schemeClr val="accent1"/>
+          </a:fillRef>
+          <a:effectRef idx="0">
+            <a:schemeClr val="accent1"/>
+          </a:effectRef>
+          <a:fontRef idx="minor">
+            <a:schemeClr val="lt1"/>
+          </a:fontRef>
+        </p:style>
+        <p:txBody>
+          <a:bodyPr rtlCol="0" anchor="ctr"/>
+          <a:lstStyle/>
+          <a:p>
+            <a:pPr algn="ctr"/>
+            <a:endParaRPr lang="zh-CN" altLang="en-US"/>
+          </a:p>
+        </p:txBody>
+      </p:sp>
+      <p:sp>
+        <p:nvSpPr>
+          <p:cNvPr id="22" name="矩形 21">
+            <a:extLst>
+              <a:ext uri="{FF2B5EF4-FFF2-40B4-BE49-F238E27FC236}">
+                <a16:creationId xmlns:a16="http://schemas.microsoft.com/office/drawing/2014/main" id="{CB76759C-7F6B-41C6-95F1-5C51CDE42FC2}"/>
+              </a:ext>
+            </a:extLst>
+          </p:cNvPr>
+          <p:cNvSpPr/>
+          <p:nvPr/>
+        </p:nvSpPr>
+        <p:spPr>
+          <a:xfrm>
+            <a:off x="2226036" y="2148588"/>
+            <a:ext cx="554637" cy="554637"/>
+          </a:xfrm>
+          <a:prstGeom prst="rect">
+            <a:avLst/>
+          </a:prstGeom>
+          <a:solidFill>
+            <a:schemeClr val="tx1"/>
+          </a:solidFill>
+          <a:ln>
+            <a:noFill/>
+          </a:ln>
+        </p:spPr>
+        <p:style>
+          <a:lnRef idx="2">
+            <a:schemeClr val="accent1">
+              <a:shade val="50000"/>
+            </a:schemeClr>
+          </a:lnRef>
+          <a:fillRef idx="1">
+            <a:schemeClr val="accent1"/>
+          </a:fillRef>
+          <a:effectRef idx="0">
+            <a:schemeClr val="accent1"/>
+          </a:effectRef>
+          <a:fontRef idx="minor">
+            <a:schemeClr val="lt1"/>
+          </a:fontRef>
+        </p:style>
+        <p:txBody>
+          <a:bodyPr rtlCol="0" anchor="ctr"/>
+          <a:lstStyle/>
+          <a:p>
+            <a:pPr algn="ctr"/>
+            <a:endParaRPr lang="zh-CN" altLang="en-US" dirty="0"/>
+          </a:p>
+        </p:txBody>
+      </p:sp>
+      <p:sp>
+        <p:nvSpPr>
+          <p:cNvPr id="23" name="矩形 22">
+            <a:extLst>
+              <a:ext uri="{FF2B5EF4-FFF2-40B4-BE49-F238E27FC236}">
+                <a16:creationId xmlns:a16="http://schemas.microsoft.com/office/drawing/2014/main" id="{6DA5D0B7-EAB8-445B-9AED-C907AA82EE9D}"/>
+              </a:ext>
+            </a:extLst>
+          </p:cNvPr>
+          <p:cNvSpPr/>
+          <p:nvPr/>
+        </p:nvSpPr>
+        <p:spPr>
+          <a:xfrm>
+            <a:off x="2915583" y="2148588"/>
+            <a:ext cx="554637" cy="554637"/>
+          </a:xfrm>
+          <a:prstGeom prst="rect">
+            <a:avLst/>
+          </a:prstGeom>
+          <a:solidFill>
+            <a:schemeClr val="tx1"/>
+          </a:solidFill>
+          <a:ln>
+            <a:noFill/>
+          </a:ln>
+        </p:spPr>
+        <p:style>
+          <a:lnRef idx="2">
+            <a:schemeClr val="accent1">
+              <a:shade val="50000"/>
+            </a:schemeClr>
+          </a:lnRef>
+          <a:fillRef idx="1">
+            <a:schemeClr val="accent1"/>
+          </a:fillRef>
+          <a:effectRef idx="0">
+            <a:schemeClr val="accent1"/>
+          </a:effectRef>
+          <a:fontRef idx="minor">
+            <a:schemeClr val="lt1"/>
+          </a:fontRef>
+        </p:style>
+        <p:txBody>
+          <a:bodyPr rtlCol="0" anchor="ctr"/>
+          <a:lstStyle/>
+          <a:p>
+            <a:pPr algn="ctr"/>
+            <a:endParaRPr lang="zh-CN" altLang="en-US" dirty="0"/>
+          </a:p>
+        </p:txBody>
+      </p:sp>
+      <p:sp>
+        <p:nvSpPr>
+          <p:cNvPr id="24" name="矩形 23">
+            <a:extLst>
+              <a:ext uri="{FF2B5EF4-FFF2-40B4-BE49-F238E27FC236}">
+                <a16:creationId xmlns:a16="http://schemas.microsoft.com/office/drawing/2014/main" id="{7A39B9A3-F1C6-4044-9C7B-40E22A3EEDCB}"/>
+              </a:ext>
+            </a:extLst>
+          </p:cNvPr>
+          <p:cNvSpPr/>
+          <p:nvPr/>
+        </p:nvSpPr>
+        <p:spPr>
+          <a:xfrm>
+            <a:off x="157395" y="2768181"/>
+            <a:ext cx="554637" cy="554637"/>
+          </a:xfrm>
+          <a:prstGeom prst="rect">
+            <a:avLst/>
+          </a:prstGeom>
+          <a:solidFill>
+            <a:schemeClr val="tx1"/>
+          </a:solidFill>
+          <a:ln>
+            <a:noFill/>
+          </a:ln>
+        </p:spPr>
+        <p:style>
+          <a:lnRef idx="2">
+            <a:schemeClr val="accent1">
+              <a:shade val="50000"/>
+            </a:schemeClr>
+          </a:lnRef>
+          <a:fillRef idx="1">
+            <a:schemeClr val="accent1"/>
+          </a:fillRef>
+          <a:effectRef idx="0">
+            <a:schemeClr val="accent1"/>
+          </a:effectRef>
+          <a:fontRef idx="minor">
+            <a:schemeClr val="lt1"/>
+          </a:fontRef>
+        </p:style>
+        <p:txBody>
+          <a:bodyPr rtlCol="0" anchor="ctr"/>
+          <a:lstStyle/>
+          <a:p>
+            <a:pPr algn="ctr"/>
+            <a:endParaRPr lang="zh-CN" altLang="en-US"/>
+          </a:p>
+        </p:txBody>
+      </p:sp>
+      <p:sp>
+        <p:nvSpPr>
+          <p:cNvPr id="25" name="矩形 24">
+            <a:extLst>
+              <a:ext uri="{FF2B5EF4-FFF2-40B4-BE49-F238E27FC236}">
+                <a16:creationId xmlns:a16="http://schemas.microsoft.com/office/drawing/2014/main" id="{0F2ACE08-0C18-4918-BDCC-34707451CC1B}"/>
+              </a:ext>
+            </a:extLst>
+          </p:cNvPr>
+          <p:cNvSpPr/>
+          <p:nvPr/>
+        </p:nvSpPr>
+        <p:spPr>
+          <a:xfrm>
+            <a:off x="846942" y="2768181"/>
+            <a:ext cx="554637" cy="554637"/>
+          </a:xfrm>
+          <a:prstGeom prst="rect">
+            <a:avLst/>
+          </a:prstGeom>
+          <a:solidFill>
+            <a:schemeClr val="tx1"/>
+          </a:solidFill>
+          <a:ln>
+            <a:noFill/>
+          </a:ln>
+        </p:spPr>
+        <p:style>
+          <a:lnRef idx="2">
+            <a:schemeClr val="accent1">
+              <a:shade val="50000"/>
+            </a:schemeClr>
+          </a:lnRef>
+          <a:fillRef idx="1">
+            <a:schemeClr val="accent1"/>
+          </a:fillRef>
+          <a:effectRef idx="0">
+            <a:schemeClr val="accent1"/>
+          </a:effectRef>
+          <a:fontRef idx="minor">
+            <a:schemeClr val="lt1"/>
+          </a:fontRef>
+        </p:style>
+        <p:txBody>
+          <a:bodyPr rtlCol="0" anchor="ctr"/>
+          <a:lstStyle/>
+          <a:p>
+            <a:pPr algn="ctr"/>
+            <a:endParaRPr lang="zh-CN" altLang="en-US"/>
+          </a:p>
+        </p:txBody>
+      </p:sp>
+      <p:sp>
+        <p:nvSpPr>
+          <p:cNvPr id="26" name="矩形 25">
+            <a:extLst>
+              <a:ext uri="{FF2B5EF4-FFF2-40B4-BE49-F238E27FC236}">
+                <a16:creationId xmlns:a16="http://schemas.microsoft.com/office/drawing/2014/main" id="{C650C220-A923-4878-976E-B8AC3D3B3729}"/>
+              </a:ext>
+            </a:extLst>
+          </p:cNvPr>
+          <p:cNvSpPr/>
+          <p:nvPr/>
+        </p:nvSpPr>
+        <p:spPr>
+          <a:xfrm>
+            <a:off x="1536489" y="2770679"/>
+            <a:ext cx="554637" cy="554637"/>
+          </a:xfrm>
+          <a:prstGeom prst="rect">
+            <a:avLst/>
+          </a:prstGeom>
+          <a:solidFill>
+            <a:schemeClr val="tx1"/>
+          </a:solidFill>
+          <a:ln>
+            <a:noFill/>
+          </a:ln>
+        </p:spPr>
+        <p:style>
+          <a:lnRef idx="2">
+            <a:schemeClr val="accent1">
+              <a:shade val="50000"/>
+            </a:schemeClr>
+          </a:lnRef>
+          <a:fillRef idx="1">
+            <a:schemeClr val="accent1"/>
+          </a:fillRef>
+          <a:effectRef idx="0">
+            <a:schemeClr val="accent1"/>
+          </a:effectRef>
+          <a:fontRef idx="minor">
+            <a:schemeClr val="lt1"/>
+          </a:fontRef>
+        </p:style>
+        <p:txBody>
+          <a:bodyPr rtlCol="0" anchor="ctr"/>
+          <a:lstStyle/>
+          <a:p>
+            <a:pPr algn="ctr"/>
+            <a:endParaRPr lang="zh-CN" altLang="en-US" dirty="0"/>
+          </a:p>
+        </p:txBody>
+      </p:sp>
+      <p:sp>
+        <p:nvSpPr>
+          <p:cNvPr id="27" name="矩形 26">
+            <a:extLst>
+              <a:ext uri="{FF2B5EF4-FFF2-40B4-BE49-F238E27FC236}">
+                <a16:creationId xmlns:a16="http://schemas.microsoft.com/office/drawing/2014/main" id="{13C560D2-DC79-4667-AE29-5C60814FAFB0}"/>
+              </a:ext>
+            </a:extLst>
+          </p:cNvPr>
+          <p:cNvSpPr/>
+          <p:nvPr/>
+        </p:nvSpPr>
+        <p:spPr>
+          <a:xfrm>
+            <a:off x="2226036" y="2768181"/>
+            <a:ext cx="554637" cy="554637"/>
+          </a:xfrm>
+          <a:prstGeom prst="rect">
+            <a:avLst/>
+          </a:prstGeom>
+          <a:solidFill>
+            <a:schemeClr val="tx1"/>
+          </a:solidFill>
+          <a:ln>
+            <a:noFill/>
+          </a:ln>
+        </p:spPr>
+        <p:style>
+          <a:lnRef idx="2">
+            <a:schemeClr val="accent1">
+              <a:shade val="50000"/>
+            </a:schemeClr>
+          </a:lnRef>
+          <a:fillRef idx="1">
+            <a:schemeClr val="accent1"/>
+          </a:fillRef>
+          <a:effectRef idx="0">
+            <a:schemeClr val="accent1"/>
+          </a:effectRef>
+          <a:fontRef idx="minor">
+            <a:schemeClr val="lt1"/>
+          </a:fontRef>
+        </p:style>
+        <p:txBody>
+          <a:bodyPr rtlCol="0" anchor="ctr"/>
+          <a:lstStyle/>
+          <a:p>
+            <a:pPr algn="ctr"/>
+            <a:endParaRPr lang="zh-CN" altLang="en-US"/>
+          </a:p>
+        </p:txBody>
+      </p:sp>
+      <p:sp>
+        <p:nvSpPr>
+          <p:cNvPr id="28" name="矩形 27">
+            <a:extLst>
+              <a:ext uri="{FF2B5EF4-FFF2-40B4-BE49-F238E27FC236}">
+                <a16:creationId xmlns:a16="http://schemas.microsoft.com/office/drawing/2014/main" id="{6A7DF887-5500-4D00-9A17-5066E0D960B4}"/>
+              </a:ext>
+            </a:extLst>
+          </p:cNvPr>
+          <p:cNvSpPr/>
+          <p:nvPr/>
+        </p:nvSpPr>
+        <p:spPr>
+          <a:xfrm>
+            <a:off x="2915583" y="2768181"/>
+            <a:ext cx="554637" cy="554637"/>
+          </a:xfrm>
+          <a:prstGeom prst="rect">
+            <a:avLst/>
+          </a:prstGeom>
+          <a:solidFill>
+            <a:schemeClr val="tx1"/>
+          </a:solidFill>
+          <a:ln>
+            <a:noFill/>
+          </a:ln>
+        </p:spPr>
+        <p:style>
+          <a:lnRef idx="2">
+            <a:schemeClr val="accent1">
+              <a:shade val="50000"/>
+            </a:schemeClr>
+          </a:lnRef>
+          <a:fillRef idx="1">
+            <a:schemeClr val="accent1"/>
+          </a:fillRef>
+          <a:effectRef idx="0">
+            <a:schemeClr val="accent1"/>
+          </a:effectRef>
+          <a:fontRef idx="minor">
+            <a:schemeClr val="lt1"/>
+          </a:fontRef>
+        </p:style>
+        <p:txBody>
+          <a:bodyPr rtlCol="0" anchor="ctr"/>
+          <a:lstStyle/>
+          <a:p>
+            <a:pPr algn="ctr"/>
+            <a:endParaRPr lang="zh-CN" altLang="en-US" dirty="0"/>
+          </a:p>
+        </p:txBody>
+      </p:sp>
+    </p:spTree>
+    <p:extLst>
+      <p:ext uri="{BB962C8B-B14F-4D97-AF65-F5344CB8AC3E}">
+        <p14:creationId xmlns:p14="http://schemas.microsoft.com/office/powerpoint/2010/main" val="274267300"/>
+      </p:ext>
+    </p:extLst>
+  </p:cSld>
+  <p:clrMapOvr>
+    <a:masterClrMapping/>
+  </p:clrMapOvr>
+</p:sld>
+</file>
+
+<file path=ppt/slides/slide6.xml><?xml version="1.0" encoding="utf-8"?>
+<p:sld xmlns:a="http://schemas.openxmlformats.org/drawingml/2006/main" xmlns:r="http://schemas.openxmlformats.org/officeDocument/2006/relationships" xmlns:p="http://schemas.openxmlformats.org/presentationml/2006/main">
+  <p:cSld>
+    <p:spTree>
+      <p:nvGrpSpPr>
+        <p:cNvPr id="1" name=""/>
+        <p:cNvGrpSpPr/>
+        <p:nvPr/>
+      </p:nvGrpSpPr>
+      <p:grpSpPr>
+        <a:xfrm>
+          <a:off x="0" y="0"/>
+          <a:ext cx="0" cy="0"/>
+          <a:chOff x="0" y="0"/>
+          <a:chExt cx="0" cy="0"/>
+        </a:xfrm>
+      </p:grpSpPr>
+      <p:sp>
+        <p:nvSpPr>
+          <p:cNvPr id="2" name="矩形 1">
+            <a:extLst>
+              <a:ext uri="{FF2B5EF4-FFF2-40B4-BE49-F238E27FC236}">
+                <a16:creationId xmlns:a16="http://schemas.microsoft.com/office/drawing/2014/main" id="{AA42D481-7724-4CA2-ACFF-32315A4168F0}"/>
+              </a:ext>
+            </a:extLst>
+          </p:cNvPr>
+          <p:cNvSpPr/>
+          <p:nvPr/>
+        </p:nvSpPr>
+        <p:spPr>
+          <a:xfrm>
+            <a:off x="-1330116" y="-1292040"/>
+            <a:ext cx="6290760" cy="6290760"/>
+          </a:xfrm>
+          <a:prstGeom prst="rect">
+            <a:avLst/>
+          </a:prstGeom>
+          <a:solidFill>
+            <a:schemeClr val="tx1"/>
+          </a:solidFill>
+          <a:ln>
+            <a:noFill/>
+          </a:ln>
+        </p:spPr>
+        <p:style>
+          <a:lnRef idx="2">
+            <a:schemeClr val="accent1">
+              <a:shade val="50000"/>
+            </a:schemeClr>
+          </a:lnRef>
+          <a:fillRef idx="1">
+            <a:schemeClr val="accent1"/>
+          </a:fillRef>
+          <a:effectRef idx="0">
+            <a:schemeClr val="accent1"/>
+          </a:effectRef>
+          <a:fontRef idx="minor">
+            <a:schemeClr val="lt1"/>
+          </a:fontRef>
+        </p:style>
+        <p:txBody>
+          <a:bodyPr rtlCol="0" anchor="ctr"/>
+          <a:lstStyle/>
+          <a:p>
+            <a:pPr algn="ctr"/>
+            <a:endParaRPr lang="zh-CN" altLang="en-US" dirty="0"/>
+          </a:p>
+        </p:txBody>
+      </p:sp>
+      <p:pic>
+        <p:nvPicPr>
+          <p:cNvPr id="3" name="Picture 16">
+            <a:extLst>
+              <a:ext uri="{FF2B5EF4-FFF2-40B4-BE49-F238E27FC236}">
+                <a16:creationId xmlns:a16="http://schemas.microsoft.com/office/drawing/2014/main" id="{A61AD293-1809-418B-95EE-203DCE8D8A1F}"/>
+              </a:ext>
+            </a:extLst>
+          </p:cNvPr>
+          <p:cNvPicPr>
+            <a:picLocks noChangeAspect="1" noChangeArrowheads="1"/>
+          </p:cNvPicPr>
+          <p:nvPr/>
+        </p:nvPicPr>
+        <p:blipFill rotWithShape="1">
+          <a:blip r:embed="rId2">
+            <a:extLst>
+              <a:ext uri="{28A0092B-C50C-407E-A947-70E740481C1C}">
+                <a14:useLocalDpi xmlns:a14="http://schemas.microsoft.com/office/drawing/2010/main" val="0"/>
+              </a:ext>
+            </a:extLst>
+          </a:blip>
+          <a:srcRect l="19094" r="19094"/>
+          <a:stretch/>
+        </p:blipFill>
+        <p:spPr bwMode="auto">
+          <a:xfrm>
+            <a:off x="-1093827" y="-1039875"/>
+            <a:ext cx="5519882" cy="5535272"/>
+          </a:xfrm>
+          <a:prstGeom prst="rect">
+            <a:avLst/>
+          </a:prstGeom>
+          <a:noFill/>
+          <a:extLst>
+            <a:ext uri="{909E8E84-426E-40DD-AFC4-6F175D3DCCD1}">
+              <a14:hiddenFill xmlns:a14="http://schemas.microsoft.com/office/drawing/2010/main">
+                <a:solidFill>
+                  <a:srgbClr val="FFFFFF"/>
+                </a:solidFill>
+              </a14:hiddenFill>
+            </a:ext>
+          </a:extLst>
+        </p:spPr>
+      </p:pic>
+      <p:pic>
+        <p:nvPicPr>
+          <p:cNvPr id="4" name="图片 3">
+            <a:extLst>
+              <a:ext uri="{FF2B5EF4-FFF2-40B4-BE49-F238E27FC236}">
+                <a16:creationId xmlns:a16="http://schemas.microsoft.com/office/drawing/2014/main" id="{82E427AF-B90B-41D5-AB2C-1D45F0FF966C}"/>
+              </a:ext>
+            </a:extLst>
+          </p:cNvPr>
+          <p:cNvPicPr>
+            <a:picLocks noChangeAspect="1"/>
+          </p:cNvPicPr>
+          <p:nvPr/>
+        </p:nvPicPr>
+        <p:blipFill rotWithShape="1">
+          <a:blip r:embed="rId3">
+            <a:clrChange>
+              <a:clrFrom>
+                <a:srgbClr val="FFFEFF"/>
+              </a:clrFrom>
+              <a:clrTo>
+                <a:srgbClr val="FFFEFF">
+                  <a:alpha val="0"/>
+                </a:srgbClr>
+              </a:clrTo>
+            </a:clrChange>
+          </a:blip>
+          <a:srcRect l="2737" r="2737"/>
+          <a:stretch/>
+        </p:blipFill>
+        <p:spPr>
+          <a:xfrm>
+            <a:off x="441418" y="-1246276"/>
+            <a:ext cx="2717614" cy="6188110"/>
+          </a:xfrm>
+          <a:prstGeom prst="rect">
+            <a:avLst/>
+          </a:prstGeom>
+        </p:spPr>
+      </p:pic>
+    </p:spTree>
+    <p:extLst>
+      <p:ext uri="{BB962C8B-B14F-4D97-AF65-F5344CB8AC3E}">
+        <p14:creationId xmlns:p14="http://schemas.microsoft.com/office/powerpoint/2010/main" val="2026693817"/>
+      </p:ext>
+    </p:extLst>
+  </p:cSld>
+  <p:clrMapOvr>
+    <a:masterClrMapping/>
+  </p:clrMapOvr>
+</p:sld>
+</file>
+
+<file path=ppt/slides/slide7.xml><?xml version="1.0" encoding="utf-8"?>
 <p:sld xmlns:a="http://schemas.openxmlformats.org/drawingml/2006/main" xmlns:r="http://schemas.openxmlformats.org/officeDocument/2006/relationships" xmlns:p="http://schemas.openxmlformats.org/presentationml/2006/main">
   <p:cSld>
     <p:spTree>
